--- a/심화학기 발표자료/n_way handshaking .pptx
+++ b/심화학기 발표자료/n_way handshaking .pptx
@@ -7027,12 +7027,8 @@
               <a:t>에는 </a:t>
             </a:r>
             <a:r>
-              <a:rPr lang="ko-KR" altLang="en-US" dirty="0" err="1" smtClean="0"/>
-              <a:t>완료정보가</a:t>
-            </a:r>
-            <a:r>
-              <a:rPr lang="ko-KR" altLang="en-US" dirty="0" smtClean="0"/>
-              <a:t> </a:t>
+              <a:rPr lang="ko-KR" altLang="en-US" dirty="0" smtClean="0"/>
+              <a:t>완료 정보가 </a:t>
             </a:r>
             <a:r>
               <a:rPr lang="en-US" altLang="ko-KR" dirty="0" smtClean="0"/>
@@ -7040,7 +7036,7 @@
             </a:r>
             <a:r>
               <a:rPr lang="ko-KR" altLang="en-US" dirty="0" smtClean="0"/>
-              <a:t>형태로 </a:t>
+              <a:t>로 </a:t>
             </a:r>
             <a:r>
               <a:rPr lang="ko-KR" altLang="en-US" dirty="0" err="1" smtClean="0"/>
@@ -7060,12 +7056,12 @@
               <a:t>모든 스레드들은 저 함수로 감시하다가 경쟁적으로 </a:t>
             </a:r>
             <a:r>
-              <a:rPr lang="ko-KR" altLang="en-US" dirty="0" err="1" smtClean="0"/>
-              <a:t>완료정보를</a:t>
-            </a:r>
-            <a:r>
-              <a:rPr lang="ko-KR" altLang="en-US" dirty="0" smtClean="0"/>
-              <a:t> 가져가 처리합니다</a:t>
+              <a:rPr lang="ko-KR" altLang="en-US" dirty="0" smtClean="0"/>
+              <a:t>완료 정보를 </a:t>
+            </a:r>
+            <a:r>
+              <a:rPr lang="ko-KR" altLang="en-US" dirty="0" smtClean="0"/>
+              <a:t>가져가 처리합니다</a:t>
             </a:r>
             <a:r>
               <a:rPr lang="en-US" altLang="ko-KR" dirty="0" smtClean="0"/>
@@ -8145,19 +8141,7 @@
               <a:rPr lang="ko-KR" altLang="en-US" dirty="0" smtClean="0">
                 <a:hlinkClick r:id="rId2"/>
               </a:rPr>
-              <a:t>https</a:t>
-            </a:r>
-            <a:r>
-              <a:rPr lang="ko-KR" altLang="en-US" dirty="0" smtClean="0">
-                <a:hlinkClick r:id="rId2"/>
-              </a:rPr>
-              <a:t>://chfhrqnfrhc.tistory.com/entry/%EC%86%8C%EC%BC%93-%</a:t>
-            </a:r>
-            <a:r>
-              <a:rPr lang="ko-KR" altLang="en-US" dirty="0" smtClean="0">
-                <a:hlinkClick r:id="rId2"/>
-              </a:rPr>
-              <a:t>EC%A2%85%EB%A3%8C</a:t>
+              <a:t>https://chfhrqnfrhc.tistory.com/entry/%EC%86%8C%EC%BC%93-%EC%A2%85%EB%A3%8C</a:t>
             </a:r>
             <a:endParaRPr lang="en-US" altLang="ko-KR" dirty="0" smtClean="0"/>
           </a:p>

--- a/심화학기 발표자료/n_way handshaking .pptx
+++ b/심화학기 발표자료/n_way handshaking .pptx
@@ -1,42 +1,42 @@
 
 <file path=ppt/presentation.xml><?xml version="1.0" encoding="utf-8"?>
-<p:presentation xmlns:a="http://schemas.openxmlformats.org/drawingml/2006/main" xmlns:r="http://schemas.openxmlformats.org/officeDocument/2006/relationships" xmlns:p="http://schemas.openxmlformats.org/presentationml/2006/main" saveSubsetFonts="1">
+<p:presentation xmlns:r="http://schemas.openxmlformats.org/officeDocument/2006/relationships" xmlns:c="http://schemas.openxmlformats.org/drawingml/2006/chart" xmlns:a="http://schemas.openxmlformats.org/drawingml/2006/main" xmlns:dgm="http://schemas.openxmlformats.org/drawingml/2006/diagram" xmlns:dsp="http://schemas.microsoft.com/office/drawing/2008/diagram" xmlns:p="http://schemas.openxmlformats.org/presentationml/2006/main" saveSubsetFonts="1">
   <p:sldMasterIdLst>
-    <p:sldMasterId id="2147483648" r:id="rId1"/>
+    <p:sldMasterId id="2147483660" r:id="rId35"/>
   </p:sldMasterIdLst>
   <p:sldIdLst>
-    <p:sldId id="256" r:id="rId2"/>
-    <p:sldId id="257" r:id="rId3"/>
-    <p:sldId id="258" r:id="rId4"/>
-    <p:sldId id="265" r:id="rId5"/>
-    <p:sldId id="266" r:id="rId6"/>
-    <p:sldId id="267" r:id="rId7"/>
-    <p:sldId id="268" r:id="rId8"/>
-    <p:sldId id="271" r:id="rId9"/>
-    <p:sldId id="270" r:id="rId10"/>
-    <p:sldId id="272" r:id="rId11"/>
-    <p:sldId id="263" r:id="rId12"/>
-    <p:sldId id="273" r:id="rId13"/>
-    <p:sldId id="274" r:id="rId14"/>
-    <p:sldId id="275" r:id="rId15"/>
-    <p:sldId id="285" r:id="rId16"/>
-    <p:sldId id="276" r:id="rId17"/>
-    <p:sldId id="278" r:id="rId18"/>
-    <p:sldId id="279" r:id="rId19"/>
-    <p:sldId id="281" r:id="rId20"/>
-    <p:sldId id="283" r:id="rId21"/>
-    <p:sldId id="284" r:id="rId22"/>
-    <p:sldId id="286" r:id="rId23"/>
-    <p:sldId id="287" r:id="rId24"/>
-    <p:sldId id="288" r:id="rId25"/>
-    <p:sldId id="269" r:id="rId26"/>
-    <p:sldId id="289" r:id="rId27"/>
-    <p:sldId id="291" r:id="rId28"/>
-    <p:sldId id="292" r:id="rId29"/>
-    <p:sldId id="293" r:id="rId30"/>
-    <p:sldId id="294" r:id="rId31"/>
-    <p:sldId id="290" r:id="rId32"/>
-    <p:sldId id="282" r:id="rId33"/>
+    <p:sldId id="257" r:id="rId1"/>
+    <p:sldId id="258" r:id="rId2"/>
+    <p:sldId id="259" r:id="rId3"/>
+    <p:sldId id="260" r:id="rId4"/>
+    <p:sldId id="261" r:id="rId5"/>
+    <p:sldId id="262" r:id="rId6"/>
+    <p:sldId id="263" r:id="rId7"/>
+    <p:sldId id="264" r:id="rId8"/>
+    <p:sldId id="265" r:id="rId9"/>
+    <p:sldId id="266" r:id="rId10"/>
+    <p:sldId id="267" r:id="rId11"/>
+    <p:sldId id="268" r:id="rId12"/>
+    <p:sldId id="269" r:id="rId13"/>
+    <p:sldId id="270" r:id="rId14"/>
+    <p:sldId id="271" r:id="rId15"/>
+    <p:sldId id="272" r:id="rId16"/>
+    <p:sldId id="273" r:id="rId17"/>
+    <p:sldId id="274" r:id="rId18"/>
+    <p:sldId id="275" r:id="rId19"/>
+    <p:sldId id="276" r:id="rId20"/>
+    <p:sldId id="277" r:id="rId21"/>
+    <p:sldId id="278" r:id="rId22"/>
+    <p:sldId id="279" r:id="rId23"/>
+    <p:sldId id="280" r:id="rId24"/>
+    <p:sldId id="281" r:id="rId25"/>
+    <p:sldId id="282" r:id="rId26"/>
+    <p:sldId id="283" r:id="rId27"/>
+    <p:sldId id="284" r:id="rId28"/>
+    <p:sldId id="285" r:id="rId29"/>
+    <p:sldId id="286" r:id="rId30"/>
+    <p:sldId id="287" r:id="rId31"/>
+    <p:sldId id="288" r:id="rId32"/>
   </p:sldIdLst>
   <p:sldSz cx="12192000" cy="6858000"/>
   <p:notesSz cx="6858000" cy="9144000"/>
@@ -135,11 +135,6 @@
       </a:defRPr>
     </a:lvl9pPr>
   </p:defaultTextStyle>
-  <p:extLst>
-    <p:ext uri="{EFAFB233-063F-42B5-8137-9DF3F51BA10A}">
-      <p15:sldGuideLst xmlns:p15="http://schemas.microsoft.com/office/powerpoint/2012/main"/>
-    </p:ext>
-  </p:extLst>
 </p:presentation>
 </file>
 
@@ -2444,8 +2439,8 @@
 </file>
 
 <file path=ppt/slideMasters/slideMaster1.xml><?xml version="1.0" encoding="utf-8"?>
-<p:sldMaster xmlns:a="http://schemas.openxmlformats.org/drawingml/2006/main" xmlns:r="http://schemas.openxmlformats.org/officeDocument/2006/relationships" xmlns:p="http://schemas.openxmlformats.org/presentationml/2006/main">
-  <p:cSld>
+<p:sldMaster xmlns:r="http://schemas.openxmlformats.org/officeDocument/2006/relationships" xmlns:c="http://schemas.openxmlformats.org/drawingml/2006/chart" xmlns:a="http://schemas.openxmlformats.org/drawingml/2006/main" xmlns:dgm="http://schemas.openxmlformats.org/drawingml/2006/diagram" xmlns:dsp="http://schemas.microsoft.com/office/drawing/2008/diagram" xmlns:p="http://schemas.openxmlformats.org/presentationml/2006/main">
+  <p:cSld name="Office 테마">
     <p:bg>
       <p:bgRef idx="1001">
         <a:schemeClr val="bg1"/>
@@ -2472,7 +2467,7 @@
             <a:spLocks noGrp="1"/>
           </p:cNvSpPr>
           <p:nvPr>
-            <p:ph type="title"/>
+            <p:ph type="title" idx="0"/>
           </p:nvPr>
         </p:nvSpPr>
         <p:spPr>
@@ -2485,13 +2480,14 @@
           </a:prstGeom>
         </p:spPr>
         <p:txBody>
-          <a:bodyPr vert="horz" lIns="91440" tIns="45720" rIns="91440" bIns="45720" rtlCol="0" anchor="ctr">
-            <a:normAutofit/>
+          <a:bodyPr vert="horz" lIns="91440" tIns="45720" rIns="91440" bIns="45720" anchor="ctr">
+            <a:normAutofit lnSpcReduction="0"/>
           </a:bodyPr>
           <a:lstStyle/>
           <a:p>
-            <a:r>
-              <a:rPr lang="ko-KR" altLang="en-US" smtClean="0"/>
+            <a:pPr lvl="0"/>
+            <a:r>
+              <a:rPr lang="ko-KR" altLang="en-US"/>
               <a:t>마스터 제목 스타일 편집</a:t>
             </a:r>
             <a:endParaRPr lang="ko-KR" altLang="en-US"/>
@@ -2518,42 +2514,46 @@
           </a:prstGeom>
         </p:spPr>
         <p:txBody>
-          <a:bodyPr vert="horz" lIns="91440" tIns="45720" rIns="91440" bIns="45720" rtlCol="0">
-            <a:normAutofit/>
+          <a:bodyPr vert="horz" lIns="91440" tIns="45720" rIns="91440" bIns="45720">
+            <a:normAutofit lnSpcReduction="0"/>
           </a:bodyPr>
           <a:lstStyle/>
           <a:p>
             <a:pPr lvl="0"/>
             <a:r>
-              <a:rPr lang="ko-KR" altLang="en-US" smtClean="0"/>
+              <a:rPr lang="ko-KR" altLang="en-US"/>
               <a:t>마스터 텍스트 스타일 편집</a:t>
             </a:r>
+            <a:endParaRPr lang="ko-KR" altLang="en-US"/>
           </a:p>
           <a:p>
             <a:pPr lvl="1"/>
             <a:r>
-              <a:rPr lang="ko-KR" altLang="en-US" smtClean="0"/>
+              <a:rPr lang="ko-KR" altLang="en-US"/>
               <a:t>둘째 수준</a:t>
             </a:r>
+            <a:endParaRPr lang="ko-KR" altLang="en-US"/>
           </a:p>
           <a:p>
             <a:pPr lvl="2"/>
             <a:r>
-              <a:rPr lang="ko-KR" altLang="en-US" smtClean="0"/>
+              <a:rPr lang="ko-KR" altLang="en-US"/>
               <a:t>셋째 수준</a:t>
             </a:r>
+            <a:endParaRPr lang="ko-KR" altLang="en-US"/>
           </a:p>
           <a:p>
             <a:pPr lvl="3"/>
             <a:r>
-              <a:rPr lang="ko-KR" altLang="en-US" smtClean="0"/>
+              <a:rPr lang="ko-KR" altLang="en-US"/>
               <a:t>넷째 수준</a:t>
             </a:r>
+            <a:endParaRPr lang="ko-KR" altLang="en-US"/>
           </a:p>
           <a:p>
             <a:pPr lvl="4"/>
             <a:r>
-              <a:rPr lang="ko-KR" altLang="en-US" smtClean="0"/>
+              <a:rPr lang="ko-KR" altLang="en-US"/>
               <a:t>다섯째 수준</a:t>
             </a:r>
             <a:endParaRPr lang="ko-KR" altLang="en-US"/>
@@ -2580,7 +2580,7 @@
           </a:prstGeom>
         </p:spPr>
         <p:txBody>
-          <a:bodyPr vert="horz" lIns="91440" tIns="45720" rIns="91440" bIns="45720" rtlCol="0" anchor="ctr"/>
+          <a:bodyPr vert="horz" lIns="91440" tIns="45720" rIns="91440" bIns="45720" anchor="ctr"/>
           <a:lstStyle>
             <a:lvl1pPr algn="l">
               <a:defRPr sz="1200">
@@ -2593,9 +2593,11 @@
             </a:lvl1pPr>
           </a:lstStyle>
           <a:p>
+            <a:pPr/>
             <a:fld id="{FA2DB687-6332-4B4D-83AD-37472606C229}" type="datetimeFigureOut">
-              <a:rPr lang="ko-KR" altLang="en-US" smtClean="0"/>
-              <a:t>2022-07-26</a:t>
+              <a:rPr lang="ko-KR" altLang="en-US"/>
+              <a:pPr/>
+              <a:t>2022-07-27</a:t>
             </a:fld>
             <a:endParaRPr lang="ko-KR" altLang="en-US"/>
           </a:p>
@@ -2621,7 +2623,7 @@
           </a:prstGeom>
         </p:spPr>
         <p:txBody>
-          <a:bodyPr vert="horz" lIns="91440" tIns="45720" rIns="91440" bIns="45720" rtlCol="0" anchor="ctr"/>
+          <a:bodyPr vert="horz" lIns="91440" tIns="45720" rIns="91440" bIns="45720" anchor="ctr"/>
           <a:lstStyle>
             <a:lvl1pPr algn="ctr">
               <a:defRPr sz="1200">
@@ -2634,6 +2636,11 @@
             </a:lvl1pPr>
           </a:lstStyle>
           <a:p>
+            <a:pPr/>
+            <a:r>
+              <a:rPr lang="ko-KR" altLang="en-US"/>
+              <a:t/>
+            </a:r>
             <a:endParaRPr lang="ko-KR" altLang="en-US"/>
           </a:p>
         </p:txBody>
@@ -2658,7 +2665,7 @@
           </a:prstGeom>
         </p:spPr>
         <p:txBody>
-          <a:bodyPr vert="horz" lIns="91440" tIns="45720" rIns="91440" bIns="45720" rtlCol="0" anchor="ctr"/>
+          <a:bodyPr vert="horz" lIns="91440" tIns="45720" rIns="91440" bIns="45720" anchor="ctr"/>
           <a:lstStyle>
             <a:lvl1pPr algn="r">
               <a:defRPr sz="1200">
@@ -2671,8 +2678,10 @@
             </a:lvl1pPr>
           </a:lstStyle>
           <a:p>
+            <a:pPr/>
             <a:fld id="{5FC6FD9C-BB3A-4E22-BFB9-40FFCB59E2E1}" type="slidenum">
-              <a:rPr lang="ko-KR" altLang="en-US" smtClean="0"/>
+              <a:rPr lang="ko-KR" altLang="en-US"/>
+              <a:pPr/>
               <a:t>‹#›</a:t>
             </a:fld>
             <a:endParaRPr lang="ko-KR" altLang="en-US"/>
@@ -2680,25 +2689,20 @@
         </p:txBody>
       </p:sp>
     </p:spTree>
-    <p:extLst>
-      <p:ext uri="{BB962C8B-B14F-4D97-AF65-F5344CB8AC3E}">
-        <p14:creationId xmlns:p14="http://schemas.microsoft.com/office/powerpoint/2010/main" val="2762431575"/>
-      </p:ext>
-    </p:extLst>
   </p:cSld>
   <p:clrMap bg1="lt1" tx1="dk1" bg2="lt2" tx2="dk2" accent1="accent1" accent2="accent2" accent3="accent3" accent4="accent4" accent5="accent5" accent6="accent6" hlink="hlink" folHlink="folHlink"/>
   <p:sldLayoutIdLst>
-    <p:sldLayoutId id="2147483649" r:id="rId1"/>
-    <p:sldLayoutId id="2147483650" r:id="rId2"/>
-    <p:sldLayoutId id="2147483651" r:id="rId3"/>
-    <p:sldLayoutId id="2147483652" r:id="rId4"/>
-    <p:sldLayoutId id="2147483653" r:id="rId5"/>
-    <p:sldLayoutId id="2147483654" r:id="rId6"/>
-    <p:sldLayoutId id="2147483655" r:id="rId7"/>
-    <p:sldLayoutId id="2147483656" r:id="rId8"/>
-    <p:sldLayoutId id="2147483657" r:id="rId9"/>
-    <p:sldLayoutId id="2147483658" r:id="rId10"/>
-    <p:sldLayoutId id="2147483659" r:id="rId11"/>
+    <p:sldLayoutId id="2147483649" r:id="rId2"/>
+    <p:sldLayoutId id="2147483650" r:id="rId3"/>
+    <p:sldLayoutId id="2147483651" r:id="rId4"/>
+    <p:sldLayoutId id="2147483652" r:id="rId5"/>
+    <p:sldLayoutId id="2147483653" r:id="rId6"/>
+    <p:sldLayoutId id="2147483654" r:id="rId7"/>
+    <p:sldLayoutId id="2147483655" r:id="rId8"/>
+    <p:sldLayoutId id="2147483656" r:id="rId9"/>
+    <p:sldLayoutId id="2147483657" r:id="rId10"/>
+    <p:sldLayoutId id="2147483658" r:id="rId11"/>
+    <p:sldLayoutId id="2147483659" r:id="rId12"/>
   </p:sldLayoutIdLst>
   <p:txStyles>
     <p:titleStyle>
@@ -2728,7 +2732,7 @@
         <a:spcBef>
           <a:spcPts val="1000"/>
         </a:spcBef>
-        <a:buFont typeface="Arial" panose="020B0604020202020204" pitchFamily="34" charset="0"/>
+        <a:buFont typeface="Arial"/>
         <a:buChar char="•"/>
         <a:defRPr sz="2800" kern="1200">
           <a:solidFill>
@@ -2746,7 +2750,7 @@
         <a:spcBef>
           <a:spcPts val="500"/>
         </a:spcBef>
-        <a:buFont typeface="Arial" panose="020B0604020202020204" pitchFamily="34" charset="0"/>
+        <a:buFont typeface="Arial"/>
         <a:buChar char="•"/>
         <a:defRPr sz="2400" kern="1200">
           <a:solidFill>
@@ -2764,7 +2768,7 @@
         <a:spcBef>
           <a:spcPts val="500"/>
         </a:spcBef>
-        <a:buFont typeface="Arial" panose="020B0604020202020204" pitchFamily="34" charset="0"/>
+        <a:buFont typeface="Arial"/>
         <a:buChar char="•"/>
         <a:defRPr sz="2000" kern="1200">
           <a:solidFill>
@@ -2782,7 +2786,7 @@
         <a:spcBef>
           <a:spcPts val="500"/>
         </a:spcBef>
-        <a:buFont typeface="Arial" panose="020B0604020202020204" pitchFamily="34" charset="0"/>
+        <a:buFont typeface="Arial"/>
         <a:buChar char="•"/>
         <a:defRPr sz="1800" kern="1200">
           <a:solidFill>
@@ -2800,7 +2804,7 @@
         <a:spcBef>
           <a:spcPts val="500"/>
         </a:spcBef>
-        <a:buFont typeface="Arial" panose="020B0604020202020204" pitchFamily="34" charset="0"/>
+        <a:buFont typeface="Arial"/>
         <a:buChar char="•"/>
         <a:defRPr sz="1800" kern="1200">
           <a:solidFill>
@@ -2818,7 +2822,7 @@
         <a:spcBef>
           <a:spcPts val="500"/>
         </a:spcBef>
-        <a:buFont typeface="Arial" panose="020B0604020202020204" pitchFamily="34" charset="0"/>
+        <a:buFont typeface="Arial"/>
         <a:buChar char="•"/>
         <a:defRPr sz="1800" kern="1200">
           <a:solidFill>
@@ -2836,7 +2840,7 @@
         <a:spcBef>
           <a:spcPts val="500"/>
         </a:spcBef>
-        <a:buFont typeface="Arial" panose="020B0604020202020204" pitchFamily="34" charset="0"/>
+        <a:buFont typeface="Arial"/>
         <a:buChar char="•"/>
         <a:defRPr sz="1800" kern="1200">
           <a:solidFill>
@@ -2854,7 +2858,7 @@
         <a:spcBef>
           <a:spcPts val="500"/>
         </a:spcBef>
-        <a:buFont typeface="Arial" panose="020B0604020202020204" pitchFamily="34" charset="0"/>
+        <a:buFont typeface="Arial"/>
         <a:buChar char="•"/>
         <a:defRPr sz="1800" kern="1200">
           <a:solidFill>
@@ -2872,7 +2876,7 @@
         <a:spcBef>
           <a:spcPts val="500"/>
         </a:spcBef>
-        <a:buFont typeface="Arial" panose="020B0604020202020204" pitchFamily="34" charset="0"/>
+        <a:buFont typeface="Arial"/>
         <a:buChar char="•"/>
         <a:defRPr sz="1800" kern="1200">
           <a:solidFill>
@@ -2984,7 +2988,7 @@
 </file>
 
 <file path=ppt/slides/slide1.xml><?xml version="1.0" encoding="utf-8"?>
-<p:sld xmlns:a="http://schemas.openxmlformats.org/drawingml/2006/main" xmlns:r="http://schemas.openxmlformats.org/officeDocument/2006/relationships" xmlns:p="http://schemas.openxmlformats.org/presentationml/2006/main">
+<p:sld xmlns:r="http://schemas.openxmlformats.org/officeDocument/2006/relationships" xmlns:c="http://schemas.openxmlformats.org/drawingml/2006/chart" xmlns:a="http://schemas.openxmlformats.org/drawingml/2006/main" xmlns:dgm="http://schemas.openxmlformats.org/drawingml/2006/diagram" xmlns:dsp="http://schemas.microsoft.com/office/drawing/2008/diagram" xmlns:p="http://schemas.openxmlformats.org/presentationml/2006/main">
   <p:cSld>
     <p:spTree>
       <p:nvGrpSpPr>
@@ -3007,7 +3011,7 @@
             <a:spLocks noGrp="1"/>
           </p:cNvSpPr>
           <p:nvPr>
-            <p:ph type="ctrTitle"/>
+            <p:ph type="ctrTitle" idx="0"/>
           </p:nvPr>
         </p:nvSpPr>
         <p:spPr/>
@@ -3015,32 +3019,28 @@
           <a:bodyPr/>
           <a:lstStyle/>
           <a:p>
-            <a:r>
-              <a:rPr lang="en-US" altLang="ko-KR" dirty="0" smtClean="0"/>
+            <a:pPr lvl="0"/>
+            <a:r>
+              <a:rPr lang="en-US" altLang="ko-KR"/>
               <a:t>OS </a:t>
             </a:r>
             <a:r>
-              <a:rPr lang="ko-KR" altLang="en-US" dirty="0" smtClean="0"/>
+              <a:rPr lang="ko-KR" altLang="en-US"/>
               <a:t>연결 </a:t>
             </a:r>
             <a:r>
-              <a:rPr lang="en-US" altLang="ko-KR" dirty="0" smtClean="0"/>
+              <a:rPr lang="en-US" altLang="ko-KR"/>
               <a:t>/ </a:t>
             </a:r>
             <a:r>
-              <a:rPr lang="ko-KR" altLang="en-US" dirty="0" smtClean="0"/>
+              <a:rPr lang="ko-KR" altLang="en-US"/>
               <a:t>종료</a:t>
             </a:r>
-            <a:endParaRPr lang="ko-KR" altLang="en-US" dirty="0"/>
+            <a:endParaRPr lang="ko-KR" altLang="en-US"/>
           </a:p>
         </p:txBody>
       </p:sp>
     </p:spTree>
-    <p:extLst>
-      <p:ext uri="{BB962C8B-B14F-4D97-AF65-F5344CB8AC3E}">
-        <p14:creationId xmlns:p14="http://schemas.microsoft.com/office/powerpoint/2010/main" val="196533737"/>
-      </p:ext>
-    </p:extLst>
   </p:cSld>
   <p:clrMapOvr>
     <a:masterClrMapping/>
@@ -3049,7 +3049,7 @@
 </file>
 
 <file path=ppt/slides/slide10.xml><?xml version="1.0" encoding="utf-8"?>
-<p:sld xmlns:a="http://schemas.openxmlformats.org/drawingml/2006/main" xmlns:r="http://schemas.openxmlformats.org/officeDocument/2006/relationships" xmlns:p="http://schemas.openxmlformats.org/presentationml/2006/main">
+<p:sld xmlns:r="http://schemas.openxmlformats.org/officeDocument/2006/relationships" xmlns:c="http://schemas.openxmlformats.org/drawingml/2006/chart" xmlns:a="http://schemas.openxmlformats.org/drawingml/2006/main" xmlns:dgm="http://schemas.openxmlformats.org/drawingml/2006/diagram" xmlns:dsp="http://schemas.microsoft.com/office/drawing/2008/diagram" xmlns:p="http://schemas.openxmlformats.org/presentationml/2006/main">
   <p:cSld>
     <p:spTree>
       <p:nvGrpSpPr>
@@ -3072,7 +3072,7 @@
             <a:spLocks noGrp="1"/>
           </p:cNvSpPr>
           <p:nvPr>
-            <p:ph type="ctrTitle"/>
+            <p:ph type="ctrTitle" idx="0"/>
           </p:nvPr>
         </p:nvSpPr>
         <p:spPr>
@@ -3085,19 +3085,12 @@
           <a:bodyPr/>
           <a:lstStyle/>
           <a:p>
-            <a:r>
-              <a:rPr lang="ko-KR" altLang="en-US" dirty="0" err="1" smtClean="0"/>
-              <a:t>쓰리웨이</a:t>
-            </a:r>
-            <a:r>
-              <a:rPr lang="ko-KR" altLang="en-US" dirty="0" smtClean="0"/>
-              <a:t> 핸드 </a:t>
-            </a:r>
-            <a:r>
-              <a:rPr lang="ko-KR" altLang="en-US" dirty="0" err="1" smtClean="0"/>
-              <a:t>쉐이킹</a:t>
-            </a:r>
-            <a:endParaRPr lang="ko-KR" altLang="en-US" dirty="0"/>
+            <a:pPr lvl="0"/>
+            <a:r>
+              <a:rPr lang="ko-KR" altLang="en-US"/>
+              <a:t>쓰리웨이 핸드 쉐이킹</a:t>
+            </a:r>
+            <a:endParaRPr lang="ko-KR" altLang="en-US"/>
           </a:p>
         </p:txBody>
       </p:sp>
@@ -3110,7 +3103,7 @@
         <p:spPr>
           <a:xfrm>
             <a:off x="1412567" y="1163636"/>
-            <a:ext cx="9105900" cy="1200329"/>
+            <a:ext cx="9105900" cy="1177609"/>
           </a:xfrm>
           <a:prstGeom prst="rect">
             <a:avLst/>
@@ -3118,89 +3111,65 @@
           <a:noFill/>
         </p:spPr>
         <p:txBody>
-          <a:bodyPr wrap="square" rtlCol="0">
+          <a:bodyPr wrap="square">
             <a:spAutoFit/>
           </a:bodyPr>
           <a:lstStyle/>
           <a:p>
-            <a:r>
-              <a:rPr lang="ko-KR" altLang="en-US" dirty="0" smtClean="0"/>
+            <a:pPr lvl="0"/>
+            <a:r>
+              <a:rPr lang="ko-KR" altLang="en-US"/>
               <a:t>만약 첫번째 데이터 </a:t>
             </a:r>
             <a:r>
-              <a:rPr lang="en-US" altLang="ko-KR" dirty="0" smtClean="0"/>
+              <a:rPr lang="en-US" altLang="ko-KR"/>
               <a:t>byte 80 </a:t>
             </a:r>
             <a:r>
-              <a:rPr lang="ko-KR" altLang="en-US" dirty="0" smtClean="0"/>
-              <a:t>만큼을 전송했다고 하면 </a:t>
-            </a:r>
-            <a:r>
-              <a:rPr lang="ko-KR" altLang="en-US" dirty="0" err="1" smtClean="0"/>
-              <a:t>승인번호의</a:t>
-            </a:r>
-            <a:r>
-              <a:rPr lang="ko-KR" altLang="en-US" dirty="0" smtClean="0"/>
-              <a:t> 범위는 </a:t>
-            </a:r>
-            <a:endParaRPr lang="en-US" altLang="ko-KR" dirty="0" smtClean="0"/>
-          </a:p>
-          <a:p>
-            <a:endParaRPr lang="en-US" altLang="ko-KR" dirty="0"/>
-          </a:p>
-          <a:p>
-            <a:r>
-              <a:rPr lang="en-US" altLang="ko-KR" dirty="0" err="1" smtClean="0"/>
-              <a:t>Seq</a:t>
-            </a:r>
-            <a:r>
-              <a:rPr lang="en-US" altLang="ko-KR" dirty="0" smtClean="0"/>
-              <a:t>= 3414207245+1 ~ 3414207245+81 = </a:t>
-            </a:r>
-            <a:r>
-              <a:rPr lang="en-US" altLang="ko-KR" dirty="0" err="1" smtClean="0"/>
-              <a:t>Seq</a:t>
-            </a:r>
-            <a:r>
-              <a:rPr lang="en-US" altLang="ko-KR" dirty="0" smtClean="0"/>
-              <a:t>=1:81 </a:t>
-            </a:r>
-            <a:r>
-              <a:rPr lang="ko-KR" altLang="en-US" dirty="0" smtClean="0"/>
-              <a:t>로 </a:t>
-            </a:r>
-            <a:r>
-              <a:rPr lang="ko-KR" altLang="en-US" dirty="0" err="1" smtClean="0"/>
-              <a:t>표기되는것</a:t>
-            </a:r>
-            <a:r>
-              <a:rPr lang="en-US" altLang="ko-KR" dirty="0" smtClean="0"/>
+              <a:rPr lang="ko-KR" altLang="en-US"/>
+              <a:t>만큼을 전송했다고 하면 승인번호의 범위는 </a:t>
+            </a:r>
+            <a:endParaRPr lang="ko-KR" altLang="en-US"/>
+          </a:p>
+          <a:p>
+            <a:pPr lvl="0"/>
+            <a:endParaRPr lang="en-US" altLang="ko-KR"/>
+          </a:p>
+          <a:p>
+            <a:pPr lvl="0"/>
+            <a:r>
+              <a:rPr lang="en-US" altLang="ko-KR"/>
+              <a:t>Seq= 3414207245+1 ~ 3414207245+81 = Seq=1:81 </a:t>
+            </a:r>
+            <a:r>
+              <a:rPr lang="ko-KR" altLang="en-US"/>
+              <a:t>로 표기되는것</a:t>
+            </a:r>
+            <a:r>
+              <a:rPr lang="en-US" altLang="ko-KR"/>
               <a:t>.</a:t>
             </a:r>
             <a:r>
-              <a:rPr lang="ko-KR" altLang="en-US" dirty="0" smtClean="0"/>
+              <a:rPr lang="ko-KR" altLang="en-US"/>
               <a:t>   </a:t>
             </a:r>
-            <a:endParaRPr lang="en-US" altLang="ko-KR" dirty="0" smtClean="0"/>
-          </a:p>
-          <a:p>
-            <a:r>
-              <a:rPr lang="en-US" altLang="ko-KR" dirty="0" err="1" smtClean="0"/>
-              <a:t>Tcpdump</a:t>
-            </a:r>
-            <a:r>
-              <a:rPr lang="en-US" altLang="ko-KR" dirty="0" smtClean="0"/>
-              <a:t> –s </a:t>
-            </a:r>
-            <a:r>
-              <a:rPr lang="ko-KR" altLang="en-US" dirty="0" smtClean="0"/>
+            <a:endParaRPr lang="ko-KR" altLang="en-US"/>
+          </a:p>
+          <a:p>
+            <a:pPr lvl="0"/>
+            <a:r>
+              <a:rPr lang="en-US" altLang="ko-KR"/>
+              <a:t>Tcpdump –s </a:t>
+            </a:r>
+            <a:r>
+              <a:rPr lang="ko-KR" altLang="en-US"/>
               <a:t>옵션을 비활성화 하면 변환하지 않고 보여줌</a:t>
             </a:r>
             <a:r>
-              <a:rPr lang="en-US" altLang="ko-KR" dirty="0" smtClean="0"/>
+              <a:rPr lang="en-US" altLang="ko-KR"/>
               <a:t>.</a:t>
             </a:r>
-            <a:endParaRPr lang="en-US" altLang="ko-KR" dirty="0"/>
+            <a:endParaRPr lang="en-US" altLang="ko-KR"/>
           </a:p>
         </p:txBody>
       </p:sp>
@@ -3212,8 +3181,11 @@
           </p:cNvPicPr>
           <p:nvPr/>
         </p:nvPicPr>
-        <p:blipFill>
-          <a:blip r:embed="rId2"/>
+        <p:blipFill rotWithShape="1">
+          <a:blip r:embed="rId2">
+            <a:alphaModFix/>
+            <a:lum/>
+          </a:blip>
           <a:stretch>
             <a:fillRect/>
           </a:stretch>
@@ -3236,8 +3208,11 @@
           </p:cNvPicPr>
           <p:nvPr/>
         </p:nvPicPr>
-        <p:blipFill>
-          <a:blip r:embed="rId3"/>
+        <p:blipFill rotWithShape="1">
+          <a:blip r:embed="rId3">
+            <a:alphaModFix/>
+            <a:lum/>
+          </a:blip>
           <a:stretch>
             <a:fillRect/>
           </a:stretch>
@@ -3260,8 +3235,11 @@
           </p:cNvPicPr>
           <p:nvPr/>
         </p:nvPicPr>
-        <p:blipFill>
-          <a:blip r:embed="rId4"/>
+        <p:blipFill rotWithShape="1">
+          <a:blip r:embed="rId4">
+            <a:alphaModFix/>
+            <a:lum/>
+          </a:blip>
           <a:stretch>
             <a:fillRect/>
           </a:stretch>
@@ -3277,11 +3255,6 @@
         </p:spPr>
       </p:pic>
     </p:spTree>
-    <p:extLst>
-      <p:ext uri="{BB962C8B-B14F-4D97-AF65-F5344CB8AC3E}">
-        <p14:creationId xmlns:p14="http://schemas.microsoft.com/office/powerpoint/2010/main" val="922652250"/>
-      </p:ext>
-    </p:extLst>
   </p:cSld>
   <p:clrMapOvr>
     <a:masterClrMapping/>
@@ -3290,7 +3263,7 @@
 </file>
 
 <file path=ppt/slides/slide11.xml><?xml version="1.0" encoding="utf-8"?>
-<p:sld xmlns:a="http://schemas.openxmlformats.org/drawingml/2006/main" xmlns:r="http://schemas.openxmlformats.org/officeDocument/2006/relationships" xmlns:p="http://schemas.openxmlformats.org/presentationml/2006/main">
+<p:sld xmlns:r="http://schemas.openxmlformats.org/officeDocument/2006/relationships" xmlns:c="http://schemas.openxmlformats.org/drawingml/2006/chart" xmlns:a="http://schemas.openxmlformats.org/drawingml/2006/main" xmlns:dgm="http://schemas.openxmlformats.org/drawingml/2006/diagram" xmlns:dsp="http://schemas.microsoft.com/office/drawing/2008/diagram" xmlns:p="http://schemas.openxmlformats.org/presentationml/2006/main">
   <p:cSld>
     <p:spTree>
       <p:nvGrpSpPr>
@@ -3313,7 +3286,7 @@
             <a:spLocks noGrp="1"/>
           </p:cNvSpPr>
           <p:nvPr>
-            <p:ph type="ctrTitle"/>
+            <p:ph type="ctrTitle" idx="0"/>
           </p:nvPr>
         </p:nvSpPr>
         <p:spPr>
@@ -3326,15 +3299,12 @@
           <a:bodyPr/>
           <a:lstStyle/>
           <a:p>
-            <a:r>
-              <a:rPr lang="ko-KR" altLang="en-US" dirty="0" smtClean="0"/>
-              <a:t>포 웨이 핸드 </a:t>
-            </a:r>
-            <a:r>
-              <a:rPr lang="ko-KR" altLang="en-US" dirty="0" err="1" smtClean="0"/>
-              <a:t>쉐이킹</a:t>
-            </a:r>
-            <a:endParaRPr lang="ko-KR" altLang="en-US" dirty="0"/>
+            <a:pPr lvl="0"/>
+            <a:r>
+              <a:rPr lang="ko-KR" altLang="en-US"/>
+              <a:t>포 웨이 핸드 쉐이킹</a:t>
+            </a:r>
+            <a:endParaRPr lang="ko-KR" altLang="en-US"/>
           </a:p>
         </p:txBody>
       </p:sp>
@@ -3347,7 +3317,7 @@
         <p:spPr>
           <a:xfrm>
             <a:off x="2298700" y="3225800"/>
-            <a:ext cx="7848600" cy="923330"/>
+            <a:ext cx="7848600" cy="906145"/>
           </a:xfrm>
           <a:prstGeom prst="rect">
             <a:avLst/>
@@ -3355,38 +3325,37 @@
           <a:noFill/>
         </p:spPr>
         <p:txBody>
-          <a:bodyPr wrap="square" rtlCol="0">
+          <a:bodyPr wrap="square">
             <a:spAutoFit/>
           </a:bodyPr>
           <a:lstStyle/>
           <a:p>
-            <a:r>
-              <a:rPr lang="en-US" altLang="ko-KR" dirty="0" smtClean="0"/>
+            <a:pPr lvl="0"/>
+            <a:r>
+              <a:rPr lang="en-US" altLang="ko-KR"/>
               <a:t>TCP </a:t>
             </a:r>
             <a:r>
-              <a:rPr lang="ko-KR" altLang="en-US" dirty="0" smtClean="0"/>
+              <a:rPr lang="ko-KR" altLang="en-US"/>
               <a:t>통신하는 장치간의 연결을 종료하기 위해 수행되는 절차입니다</a:t>
             </a:r>
             <a:r>
-              <a:rPr lang="en-US" altLang="ko-KR" dirty="0" smtClean="0"/>
+              <a:rPr lang="en-US" altLang="ko-KR"/>
               <a:t>.</a:t>
             </a:r>
-          </a:p>
-          <a:p>
-            <a:endParaRPr lang="en-US" altLang="ko-KR" dirty="0"/>
-          </a:p>
-          <a:p>
-            <a:endParaRPr lang="en-US" altLang="ko-KR" dirty="0" smtClean="0"/>
+            <a:endParaRPr lang="en-US" altLang="ko-KR"/>
+          </a:p>
+          <a:p>
+            <a:pPr lvl="0"/>
+            <a:endParaRPr lang="en-US" altLang="ko-KR"/>
+          </a:p>
+          <a:p>
+            <a:pPr lvl="0"/>
+            <a:endParaRPr lang="en-US" altLang="ko-KR"/>
           </a:p>
         </p:txBody>
       </p:sp>
     </p:spTree>
-    <p:extLst>
-      <p:ext uri="{BB962C8B-B14F-4D97-AF65-F5344CB8AC3E}">
-        <p14:creationId xmlns:p14="http://schemas.microsoft.com/office/powerpoint/2010/main" val="148121776"/>
-      </p:ext>
-    </p:extLst>
   </p:cSld>
   <p:clrMapOvr>
     <a:masterClrMapping/>
@@ -3395,7 +3364,7 @@
 </file>
 
 <file path=ppt/slides/slide12.xml><?xml version="1.0" encoding="utf-8"?>
-<p:sld xmlns:a="http://schemas.openxmlformats.org/drawingml/2006/main" xmlns:r="http://schemas.openxmlformats.org/officeDocument/2006/relationships" xmlns:p="http://schemas.openxmlformats.org/presentationml/2006/main">
+<p:sld xmlns:r="http://schemas.openxmlformats.org/officeDocument/2006/relationships" xmlns:c="http://schemas.openxmlformats.org/drawingml/2006/chart" xmlns:a="http://schemas.openxmlformats.org/drawingml/2006/main" xmlns:dgm="http://schemas.openxmlformats.org/drawingml/2006/diagram" xmlns:dsp="http://schemas.microsoft.com/office/drawing/2008/diagram" xmlns:p="http://schemas.openxmlformats.org/presentationml/2006/main">
   <p:cSld>
     <p:spTree>
       <p:nvGrpSpPr>
@@ -3418,7 +3387,7 @@
             <a:spLocks noGrp="1"/>
           </p:cNvSpPr>
           <p:nvPr>
-            <p:ph type="ctrTitle"/>
+            <p:ph type="ctrTitle" idx="0"/>
           </p:nvPr>
         </p:nvSpPr>
         <p:spPr>
@@ -3431,15 +3400,12 @@
           <a:bodyPr/>
           <a:lstStyle/>
           <a:p>
-            <a:r>
-              <a:rPr lang="ko-KR" altLang="en-US" dirty="0" smtClean="0"/>
-              <a:t>포 웨이 핸드 </a:t>
-            </a:r>
-            <a:r>
-              <a:rPr lang="ko-KR" altLang="en-US" dirty="0" err="1" smtClean="0"/>
-              <a:t>쉐이킹</a:t>
-            </a:r>
-            <a:endParaRPr lang="ko-KR" altLang="en-US" dirty="0"/>
+            <a:pPr lvl="0"/>
+            <a:r>
+              <a:rPr lang="ko-KR" altLang="en-US"/>
+              <a:t>포 웨이 핸드 쉐이킹</a:t>
+            </a:r>
+            <a:endParaRPr lang="ko-KR" altLang="en-US"/>
           </a:p>
         </p:txBody>
       </p:sp>
@@ -3451,8 +3417,11 @@
           </p:cNvPicPr>
           <p:nvPr/>
         </p:nvPicPr>
-        <p:blipFill>
-          <a:blip r:embed="rId2"/>
+        <p:blipFill rotWithShape="1">
+          <a:blip r:embed="rId2">
+            <a:alphaModFix/>
+            <a:lum/>
+          </a:blip>
           <a:stretch>
             <a:fillRect/>
           </a:stretch>
@@ -3476,7 +3445,7 @@
         <p:spPr>
           <a:xfrm>
             <a:off x="6311900" y="686592"/>
-            <a:ext cx="5003800" cy="6463308"/>
+            <a:ext cx="5003800" cy="6398102"/>
           </a:xfrm>
           <a:prstGeom prst="rect">
             <a:avLst/>
@@ -3484,229 +3453,241 @@
           <a:noFill/>
         </p:spPr>
         <p:txBody>
-          <a:bodyPr wrap="square" rtlCol="0">
+          <a:bodyPr wrap="square">
             <a:spAutoFit/>
           </a:bodyPr>
           <a:lstStyle/>
           <a:p>
-            <a:endParaRPr lang="en-US" altLang="ko-KR" dirty="0"/>
-          </a:p>
-          <a:p>
-            <a:r>
-              <a:rPr lang="en-US" altLang="ko-KR" dirty="0" smtClean="0"/>
+            <a:pPr/>
+            <a:endParaRPr lang="en-US" altLang="ko-KR"/>
+          </a:p>
+          <a:p>
+            <a:pPr lvl="0"/>
+            <a:r>
+              <a:rPr lang="en-US" altLang="ko-KR"/>
               <a:t>[STEP1]</a:t>
             </a:r>
-          </a:p>
-          <a:p>
-            <a:endParaRPr lang="en-US" altLang="ko-KR" dirty="0"/>
-          </a:p>
-          <a:p>
-            <a:r>
-              <a:rPr lang="en-US" altLang="ko-KR" dirty="0" smtClean="0"/>
+            <a:endParaRPr lang="en-US" altLang="ko-KR"/>
+          </a:p>
+          <a:p>
+            <a:pPr lvl="0"/>
+            <a:endParaRPr lang="en-US" altLang="ko-KR"/>
+          </a:p>
+          <a:p>
+            <a:pPr lvl="0"/>
+            <a:r>
+              <a:rPr lang="en-US" altLang="ko-KR"/>
               <a:t>Client -&gt; Server FIN</a:t>
             </a:r>
             <a:r>
-              <a:rPr lang="ko-KR" altLang="en-US" dirty="0" smtClean="0"/>
+              <a:rPr lang="ko-KR" altLang="en-US"/>
+              <a:t>전송 연결종료 </a:t>
+            </a:r>
+            <a:r>
+              <a:rPr lang="en-US" altLang="ko-KR"/>
+              <a:t>flag</a:t>
+            </a:r>
+            <a:endParaRPr lang="en-US" altLang="ko-KR"/>
+          </a:p>
+          <a:p>
+            <a:pPr lvl="0"/>
+            <a:endParaRPr lang="en-US" altLang="ko-KR"/>
+          </a:p>
+          <a:p>
+            <a:pPr lvl="0"/>
+            <a:r>
+              <a:rPr lang="en-US" altLang="ko-KR"/>
+              <a:t>Client </a:t>
+            </a:r>
+            <a:r>
+              <a:rPr lang="ko-KR" altLang="en-US"/>
+              <a:t>상태 </a:t>
+            </a:r>
+            <a:r>
+              <a:rPr lang="en-US" altLang="ko-KR"/>
+              <a:t>: FIN-WAIT</a:t>
+            </a:r>
+            <a:endParaRPr lang="en-US" altLang="ko-KR"/>
+          </a:p>
+          <a:p>
+            <a:pPr lvl="0"/>
+            <a:endParaRPr lang="en-US" altLang="ko-KR"/>
+          </a:p>
+          <a:p>
+            <a:pPr lvl="0"/>
+            <a:r>
+              <a:rPr lang="en-US" altLang="ko-KR"/>
+              <a:t>[STEP2]</a:t>
+            </a:r>
+            <a:endParaRPr lang="en-US" altLang="ko-KR"/>
+          </a:p>
+          <a:p>
+            <a:pPr lvl="0"/>
+            <a:r>
+              <a:rPr lang="en-US" altLang="ko-KR"/>
+              <a:t>Server fin flag </a:t>
+            </a:r>
+            <a:r>
+              <a:rPr lang="ko-KR" altLang="en-US"/>
+              <a:t>받고 일단 확인 메시지인 </a:t>
+            </a:r>
+            <a:r>
+              <a:rPr lang="en-US" altLang="ko-KR"/>
+              <a:t>ACK</a:t>
+            </a:r>
+            <a:endParaRPr lang="en-US" altLang="ko-KR"/>
+          </a:p>
+          <a:p>
+            <a:pPr lvl="0"/>
+            <a:r>
+              <a:rPr lang="ko-KR" altLang="en-US"/>
+              <a:t>전송</a:t>
+            </a:r>
+            <a:r>
+              <a:rPr lang="en-US" altLang="ko-KR"/>
+              <a:t>. Server</a:t>
+            </a:r>
+            <a:r>
+              <a:rPr lang="ko-KR" altLang="en-US"/>
+              <a:t>의 통신이 끝날때까지 기다림</a:t>
+            </a:r>
+            <a:r>
+              <a:rPr lang="en-US" altLang="ko-KR"/>
+              <a:t>.</a:t>
+            </a:r>
+            <a:endParaRPr lang="en-US" altLang="ko-KR"/>
+          </a:p>
+          <a:p>
+            <a:pPr lvl="0"/>
+            <a:endParaRPr lang="en-US" altLang="ko-KR"/>
+          </a:p>
+          <a:p>
+            <a:pPr lvl="0"/>
+            <a:r>
+              <a:rPr lang="en-US" altLang="ko-KR"/>
+              <a:t>Server </a:t>
+            </a:r>
+            <a:r>
+              <a:rPr lang="ko-KR" altLang="en-US"/>
+              <a:t>상태 </a:t>
+            </a:r>
+            <a:r>
+              <a:rPr lang="en-US" altLang="ko-KR"/>
+              <a:t>: CLOSE_WAIT</a:t>
+            </a:r>
+            <a:endParaRPr lang="en-US" altLang="ko-KR"/>
+          </a:p>
+          <a:p>
+            <a:pPr lvl="0"/>
+            <a:endParaRPr lang="en-US" altLang="ko-KR"/>
+          </a:p>
+          <a:p>
+            <a:pPr lvl="0"/>
+            <a:r>
+              <a:rPr lang="en-US" altLang="ko-KR"/>
+              <a:t>[STEP3]</a:t>
+            </a:r>
+            <a:endParaRPr lang="en-US" altLang="ko-KR"/>
+          </a:p>
+          <a:p>
+            <a:pPr lvl="0"/>
+            <a:r>
+              <a:rPr lang="en-US" altLang="ko-KR"/>
+              <a:t>Server</a:t>
+            </a:r>
+            <a:r>
+              <a:rPr lang="ko-KR" altLang="en-US"/>
+              <a:t>가 연결 종료 준비가 되면 </a:t>
+            </a:r>
+            <a:r>
+              <a:rPr lang="en-US" altLang="ko-KR"/>
+              <a:t>Client</a:t>
+            </a:r>
+            <a:r>
+              <a:rPr lang="ko-KR" altLang="en-US"/>
+              <a:t>에게 </a:t>
+            </a:r>
+            <a:endParaRPr lang="ko-KR" altLang="en-US"/>
+          </a:p>
+          <a:p>
+            <a:pPr lvl="0"/>
+            <a:r>
+              <a:rPr lang="en-US" altLang="ko-KR"/>
+              <a:t>FIN flag </a:t>
+            </a:r>
+            <a:r>
+              <a:rPr lang="ko-KR" altLang="en-US"/>
               <a:t>전송 </a:t>
             </a:r>
-            <a:r>
-              <a:rPr lang="ko-KR" altLang="en-US" dirty="0" err="1" smtClean="0"/>
-              <a:t>연결종료</a:t>
-            </a:r>
-            <a:r>
-              <a:rPr lang="ko-KR" altLang="en-US" dirty="0" smtClean="0"/>
-              <a:t> </a:t>
-            </a:r>
-            <a:r>
-              <a:rPr lang="en-US" altLang="ko-KR" dirty="0" smtClean="0"/>
-              <a:t>flag</a:t>
-            </a:r>
-          </a:p>
-          <a:p>
-            <a:endParaRPr lang="en-US" altLang="ko-KR" dirty="0"/>
-          </a:p>
-          <a:p>
-            <a:r>
-              <a:rPr lang="en-US" altLang="ko-KR" dirty="0" smtClean="0"/>
+            <a:endParaRPr lang="ko-KR" altLang="en-US"/>
+          </a:p>
+          <a:p>
+            <a:pPr lvl="0"/>
+            <a:endParaRPr lang="en-US" altLang="ko-KR"/>
+          </a:p>
+          <a:p>
+            <a:pPr lvl="0"/>
+            <a:r>
+              <a:rPr lang="en-US" altLang="ko-KR"/>
+              <a:t>Server </a:t>
+            </a:r>
+            <a:r>
+              <a:rPr lang="ko-KR" altLang="en-US"/>
+              <a:t>상태 </a:t>
+            </a:r>
+            <a:r>
+              <a:rPr lang="en-US" altLang="ko-KR"/>
+              <a:t>: LAST_ACK</a:t>
+            </a:r>
+            <a:endParaRPr lang="en-US" altLang="ko-KR"/>
+          </a:p>
+          <a:p>
+            <a:pPr lvl="0"/>
+            <a:endParaRPr lang="en-US" altLang="ko-KR"/>
+          </a:p>
+          <a:p>
+            <a:pPr lvl="0"/>
+            <a:r>
+              <a:rPr lang="en-US" altLang="ko-KR"/>
+              <a:t>[STEP4]</a:t>
+            </a:r>
+            <a:endParaRPr lang="en-US" altLang="ko-KR"/>
+          </a:p>
+          <a:p>
+            <a:pPr lvl="0"/>
+            <a:r>
+              <a:rPr lang="en-US" altLang="ko-KR"/>
+              <a:t>Client-&gt;Server ACK </a:t>
+            </a:r>
+            <a:r>
+              <a:rPr lang="ko-KR" altLang="en-US"/>
+              <a:t>전송 해지 준비 완료</a:t>
+            </a:r>
+            <a:endParaRPr lang="ko-KR" altLang="en-US"/>
+          </a:p>
+          <a:p>
+            <a:pPr lvl="0"/>
+            <a:r>
+              <a:rPr lang="en-US" altLang="ko-KR"/>
               <a:t>Client </a:t>
             </a:r>
             <a:r>
-              <a:rPr lang="ko-KR" altLang="en-US" dirty="0" smtClean="0"/>
+              <a:rPr lang="ko-KR" altLang="en-US"/>
               <a:t>상태 </a:t>
             </a:r>
             <a:r>
-              <a:rPr lang="en-US" altLang="ko-KR" dirty="0" smtClean="0"/>
-              <a:t>: FIN-WAIT</a:t>
-            </a:r>
-          </a:p>
-          <a:p>
-            <a:endParaRPr lang="en-US" altLang="ko-KR" dirty="0"/>
-          </a:p>
-          <a:p>
-            <a:r>
-              <a:rPr lang="en-US" altLang="ko-KR" dirty="0" smtClean="0"/>
-              <a:t>[STEP2]</a:t>
-            </a:r>
-          </a:p>
-          <a:p>
-            <a:r>
-              <a:rPr lang="en-US" altLang="ko-KR" dirty="0" smtClean="0"/>
-              <a:t>Server fin flag </a:t>
-            </a:r>
-            <a:r>
-              <a:rPr lang="ko-KR" altLang="en-US" dirty="0" smtClean="0"/>
-              <a:t>받고 일단 확인 메시지인 </a:t>
-            </a:r>
-            <a:r>
-              <a:rPr lang="en-US" altLang="ko-KR" dirty="0" smtClean="0"/>
-              <a:t>ACK</a:t>
-            </a:r>
-            <a:endParaRPr lang="en-US" altLang="ko-KR" dirty="0"/>
-          </a:p>
-          <a:p>
-            <a:r>
-              <a:rPr lang="ko-KR" altLang="en-US" dirty="0" smtClean="0"/>
-              <a:t>전송</a:t>
-            </a:r>
-            <a:r>
-              <a:rPr lang="en-US" altLang="ko-KR" dirty="0" smtClean="0"/>
-              <a:t>. Server</a:t>
-            </a:r>
-            <a:r>
-              <a:rPr lang="ko-KR" altLang="en-US" dirty="0" smtClean="0"/>
-              <a:t>의 통신이 </a:t>
-            </a:r>
-            <a:r>
-              <a:rPr lang="ko-KR" altLang="en-US" dirty="0" err="1" smtClean="0"/>
-              <a:t>끝날때까지</a:t>
-            </a:r>
-            <a:r>
-              <a:rPr lang="ko-KR" altLang="en-US" dirty="0" smtClean="0"/>
-              <a:t> 기다림</a:t>
-            </a:r>
-            <a:r>
-              <a:rPr lang="en-US" altLang="ko-KR" dirty="0" smtClean="0"/>
-              <a:t>.</a:t>
-            </a:r>
-          </a:p>
-          <a:p>
-            <a:endParaRPr lang="en-US" altLang="ko-KR" dirty="0"/>
-          </a:p>
-          <a:p>
-            <a:r>
-              <a:rPr lang="en-US" altLang="ko-KR" dirty="0" smtClean="0"/>
-              <a:t>Server </a:t>
-            </a:r>
-            <a:r>
-              <a:rPr lang="ko-KR" altLang="en-US" dirty="0" smtClean="0"/>
-              <a:t>상태 </a:t>
-            </a:r>
-            <a:r>
-              <a:rPr lang="en-US" altLang="ko-KR" dirty="0" smtClean="0"/>
-              <a:t>: CLOSE_WAIT</a:t>
-            </a:r>
-          </a:p>
-          <a:p>
-            <a:endParaRPr lang="en-US" altLang="ko-KR" dirty="0"/>
-          </a:p>
-          <a:p>
-            <a:r>
-              <a:rPr lang="en-US" altLang="ko-KR" dirty="0" smtClean="0"/>
-              <a:t>[STEP3]</a:t>
-            </a:r>
-          </a:p>
-          <a:p>
-            <a:r>
-              <a:rPr lang="en-US" altLang="ko-KR" dirty="0" smtClean="0"/>
-              <a:t>Server</a:t>
-            </a:r>
-            <a:r>
-              <a:rPr lang="ko-KR" altLang="en-US" dirty="0" smtClean="0"/>
-              <a:t>가 연결 종료 준비가 되면 </a:t>
-            </a:r>
-            <a:r>
-              <a:rPr lang="en-US" altLang="ko-KR" dirty="0" smtClean="0"/>
-              <a:t>Client</a:t>
-            </a:r>
-            <a:r>
-              <a:rPr lang="ko-KR" altLang="en-US" dirty="0" smtClean="0"/>
-              <a:t>에게 </a:t>
-            </a:r>
-            <a:endParaRPr lang="en-US" altLang="ko-KR" dirty="0" smtClean="0"/>
-          </a:p>
-          <a:p>
-            <a:r>
-              <a:rPr lang="en-US" altLang="ko-KR" dirty="0" smtClean="0"/>
-              <a:t>FIN flag </a:t>
-            </a:r>
-            <a:r>
-              <a:rPr lang="ko-KR" altLang="en-US" dirty="0" smtClean="0"/>
-              <a:t>전송 </a:t>
-            </a:r>
-            <a:endParaRPr lang="en-US" altLang="ko-KR" dirty="0" smtClean="0"/>
-          </a:p>
-          <a:p>
-            <a:endParaRPr lang="en-US" altLang="ko-KR" dirty="0"/>
-          </a:p>
-          <a:p>
-            <a:r>
-              <a:rPr lang="en-US" altLang="ko-KR" dirty="0" smtClean="0"/>
-              <a:t>Server </a:t>
-            </a:r>
-            <a:r>
-              <a:rPr lang="ko-KR" altLang="en-US" dirty="0" smtClean="0"/>
-              <a:t>상태 </a:t>
-            </a:r>
-            <a:r>
-              <a:rPr lang="en-US" altLang="ko-KR" dirty="0" smtClean="0"/>
-              <a:t>: LAST_ACK</a:t>
-            </a:r>
-          </a:p>
-          <a:p>
-            <a:endParaRPr lang="en-US" altLang="ko-KR" dirty="0" smtClean="0"/>
-          </a:p>
-          <a:p>
-            <a:r>
-              <a:rPr lang="en-US" altLang="ko-KR" dirty="0" smtClean="0"/>
-              <a:t>[STEP4]</a:t>
-            </a:r>
-          </a:p>
-          <a:p>
-            <a:r>
-              <a:rPr lang="en-US" altLang="ko-KR" dirty="0" smtClean="0"/>
-              <a:t>Client-&gt;Server ACK </a:t>
-            </a:r>
-            <a:r>
-              <a:rPr lang="ko-KR" altLang="en-US" dirty="0" smtClean="0"/>
-              <a:t>전송 해지 준비 완료</a:t>
-            </a:r>
-            <a:endParaRPr lang="en-US" altLang="ko-KR" dirty="0" smtClean="0"/>
-          </a:p>
-          <a:p>
-            <a:r>
-              <a:rPr lang="en-US" altLang="ko-KR" dirty="0" smtClean="0"/>
-              <a:t>Client </a:t>
-            </a:r>
-            <a:r>
-              <a:rPr lang="ko-KR" altLang="en-US" dirty="0" smtClean="0"/>
-              <a:t>상태 </a:t>
-            </a:r>
-            <a:r>
-              <a:rPr lang="en-US" altLang="ko-KR" dirty="0" smtClean="0"/>
+              <a:rPr lang="en-US" altLang="ko-KR"/>
               <a:t>: TIME_WAIT</a:t>
             </a:r>
-          </a:p>
-          <a:p>
-            <a:endParaRPr lang="en-US" altLang="ko-KR" dirty="0"/>
+            <a:endParaRPr lang="en-US" altLang="ko-KR"/>
+          </a:p>
+          <a:p>
+            <a:pPr lvl="0"/>
+            <a:endParaRPr lang="en-US" altLang="ko-KR"/>
           </a:p>
         </p:txBody>
       </p:sp>
     </p:spTree>
-    <p:extLst>
-      <p:ext uri="{BB962C8B-B14F-4D97-AF65-F5344CB8AC3E}">
-        <p14:creationId xmlns:p14="http://schemas.microsoft.com/office/powerpoint/2010/main" val="1208409645"/>
-      </p:ext>
-    </p:extLst>
   </p:cSld>
   <p:clrMapOvr>
     <a:masterClrMapping/>
@@ -3715,7 +3696,7 @@
 </file>
 
 <file path=ppt/slides/slide13.xml><?xml version="1.0" encoding="utf-8"?>
-<p:sld xmlns:a="http://schemas.openxmlformats.org/drawingml/2006/main" xmlns:r="http://schemas.openxmlformats.org/officeDocument/2006/relationships" xmlns:p="http://schemas.openxmlformats.org/presentationml/2006/main">
+<p:sld xmlns:r="http://schemas.openxmlformats.org/officeDocument/2006/relationships" xmlns:c="http://schemas.openxmlformats.org/drawingml/2006/chart" xmlns:a="http://schemas.openxmlformats.org/drawingml/2006/main" xmlns:dgm="http://schemas.openxmlformats.org/drawingml/2006/diagram" xmlns:dsp="http://schemas.microsoft.com/office/drawing/2008/diagram" xmlns:p="http://schemas.openxmlformats.org/presentationml/2006/main">
   <p:cSld>
     <p:spTree>
       <p:nvGrpSpPr>
@@ -3738,7 +3719,7 @@
             <a:spLocks noGrp="1"/>
           </p:cNvSpPr>
           <p:nvPr>
-            <p:ph type="ctrTitle"/>
+            <p:ph type="ctrTitle" idx="0"/>
           </p:nvPr>
         </p:nvSpPr>
         <p:spPr>
@@ -3751,15 +3732,12 @@
           <a:bodyPr/>
           <a:lstStyle/>
           <a:p>
-            <a:r>
-              <a:rPr lang="ko-KR" altLang="en-US" dirty="0" smtClean="0"/>
-              <a:t>포 웨이 핸드 </a:t>
-            </a:r>
-            <a:r>
-              <a:rPr lang="ko-KR" altLang="en-US" dirty="0" err="1" smtClean="0"/>
-              <a:t>쉐이킹</a:t>
-            </a:r>
-            <a:endParaRPr lang="ko-KR" altLang="en-US" dirty="0"/>
+            <a:pPr lvl="0"/>
+            <a:r>
+              <a:rPr lang="ko-KR" altLang="en-US"/>
+              <a:t>포 웨이 핸드 쉐이킹</a:t>
+            </a:r>
+            <a:endParaRPr lang="ko-KR" altLang="en-US"/>
           </a:p>
         </p:txBody>
       </p:sp>
@@ -3771,8 +3749,11 @@
           </p:cNvPicPr>
           <p:nvPr/>
         </p:nvPicPr>
-        <p:blipFill>
-          <a:blip r:embed="rId2"/>
+        <p:blipFill rotWithShape="1">
+          <a:blip r:embed="rId2">
+            <a:alphaModFix/>
+            <a:lum/>
+          </a:blip>
           <a:stretch>
             <a:fillRect/>
           </a:stretch>
@@ -3795,8 +3776,8 @@
         </p:nvSpPr>
         <p:spPr>
           <a:xfrm>
-            <a:off x="6224587" y="1955800"/>
-            <a:ext cx="5370513" cy="3693319"/>
+            <a:off x="6224586" y="1955800"/>
+            <a:ext cx="5370513" cy="3662044"/>
           </a:xfrm>
           <a:prstGeom prst="rect">
             <a:avLst/>
@@ -3804,193 +3785,197 @@
           <a:noFill/>
         </p:spPr>
         <p:txBody>
-          <a:bodyPr wrap="square" rtlCol="0">
+          <a:bodyPr wrap="square">
             <a:spAutoFit/>
           </a:bodyPr>
           <a:lstStyle/>
           <a:p>
-            <a:r>
-              <a:rPr lang="ko-KR" altLang="en-US" dirty="0" smtClean="0"/>
+            <a:pPr lvl="0"/>
+            <a:r>
+              <a:rPr lang="ko-KR" altLang="en-US"/>
               <a:t>만약 </a:t>
             </a:r>
             <a:r>
-              <a:rPr lang="en-US" altLang="ko-KR" dirty="0" smtClean="0"/>
+              <a:rPr lang="en-US" altLang="ko-KR"/>
               <a:t>3</a:t>
             </a:r>
             <a:r>
-              <a:rPr lang="ko-KR" altLang="en-US" dirty="0" smtClean="0"/>
+              <a:rPr lang="ko-KR" altLang="en-US"/>
               <a:t>단계 </a:t>
             </a:r>
             <a:r>
-              <a:rPr lang="en-US" altLang="ko-KR" dirty="0" smtClean="0"/>
+              <a:rPr lang="en-US" altLang="ko-KR"/>
               <a:t>Server </a:t>
             </a:r>
             <a:r>
-              <a:rPr lang="ko-KR" altLang="en-US" dirty="0" smtClean="0"/>
+              <a:rPr lang="ko-KR" altLang="en-US"/>
               <a:t>의 </a:t>
             </a:r>
             <a:r>
-              <a:rPr lang="en-US" altLang="ko-KR" dirty="0" smtClean="0"/>
+              <a:rPr lang="en-US" altLang="ko-KR"/>
               <a:t>Fin </a:t>
             </a:r>
             <a:r>
-              <a:rPr lang="ko-KR" altLang="en-US" dirty="0" smtClean="0"/>
+              <a:rPr lang="ko-KR" altLang="en-US"/>
               <a:t>전송 전에 전송한 패킷이</a:t>
             </a:r>
-            <a:endParaRPr lang="en-US" altLang="ko-KR" dirty="0" smtClean="0"/>
-          </a:p>
-          <a:p>
-            <a:r>
-              <a:rPr lang="ko-KR" altLang="en-US" dirty="0" smtClean="0"/>
+            <a:endParaRPr lang="ko-KR" altLang="en-US"/>
+          </a:p>
+          <a:p>
+            <a:pPr lvl="0"/>
+            <a:r>
+              <a:rPr lang="ko-KR" altLang="en-US"/>
               <a:t>라우팅 지연이나 패킷 유실로 인한 재전송으로 </a:t>
             </a:r>
-            <a:endParaRPr lang="en-US" altLang="ko-KR" dirty="0" smtClean="0"/>
-          </a:p>
-          <a:p>
-            <a:r>
-              <a:rPr lang="en-US" altLang="ko-KR" dirty="0" smtClean="0"/>
+            <a:endParaRPr lang="ko-KR" altLang="en-US"/>
+          </a:p>
+          <a:p>
+            <a:pPr lvl="0"/>
+            <a:r>
+              <a:rPr lang="en-US" altLang="ko-KR"/>
               <a:t>Fin packet </a:t>
             </a:r>
             <a:r>
-              <a:rPr lang="ko-KR" altLang="en-US" dirty="0" smtClean="0"/>
+              <a:rPr lang="ko-KR" altLang="en-US"/>
               <a:t>보다 늦게 도착하는 상황이 발생하면 </a:t>
             </a:r>
-            <a:endParaRPr lang="en-US" altLang="ko-KR" dirty="0" smtClean="0"/>
-          </a:p>
-          <a:p>
-            <a:r>
-              <a:rPr lang="ko-KR" altLang="en-US" dirty="0" smtClean="0"/>
+            <a:endParaRPr lang="ko-KR" altLang="en-US"/>
+          </a:p>
+          <a:p>
+            <a:pPr lvl="0"/>
+            <a:r>
+              <a:rPr lang="ko-KR" altLang="en-US"/>
               <a:t>이 패킷은 </a:t>
             </a:r>
             <a:r>
-              <a:rPr lang="en-US" altLang="ko-KR" dirty="0" smtClean="0"/>
+              <a:rPr lang="en-US" altLang="ko-KR"/>
               <a:t>drop </a:t>
             </a:r>
             <a:r>
-              <a:rPr lang="ko-KR" altLang="en-US" dirty="0" smtClean="0"/>
+              <a:rPr lang="ko-KR" altLang="en-US"/>
               <a:t>되고 유실된다</a:t>
             </a:r>
             <a:r>
-              <a:rPr lang="en-US" altLang="ko-KR" dirty="0" smtClean="0"/>
+              <a:rPr lang="en-US" altLang="ko-KR"/>
               <a:t>.</a:t>
             </a:r>
-          </a:p>
-          <a:p>
-            <a:endParaRPr lang="en-US" altLang="ko-KR" dirty="0"/>
-          </a:p>
-          <a:p>
-            <a:r>
-              <a:rPr lang="ko-KR" altLang="en-US" dirty="0" smtClean="0"/>
+            <a:endParaRPr lang="en-US" altLang="ko-KR"/>
+          </a:p>
+          <a:p>
+            <a:pPr lvl="0"/>
+            <a:endParaRPr lang="en-US" altLang="ko-KR"/>
+          </a:p>
+          <a:p>
+            <a:pPr lvl="0"/>
+            <a:r>
+              <a:rPr lang="ko-KR" altLang="en-US"/>
               <a:t>이러한 현상을 대비해 </a:t>
             </a:r>
             <a:r>
-              <a:rPr lang="en-US" altLang="ko-KR" dirty="0" smtClean="0"/>
+              <a:rPr lang="en-US" altLang="ko-KR"/>
               <a:t>Client </a:t>
             </a:r>
             <a:r>
-              <a:rPr lang="ko-KR" altLang="en-US" dirty="0" smtClean="0"/>
+              <a:rPr lang="ko-KR" altLang="en-US"/>
               <a:t>에서는 </a:t>
             </a:r>
             <a:r>
-              <a:rPr lang="en-US" altLang="ko-KR" dirty="0" smtClean="0"/>
+              <a:rPr lang="en-US" altLang="ko-KR"/>
               <a:t>Server</a:t>
             </a:r>
             <a:r>
-              <a:rPr lang="ko-KR" altLang="en-US" dirty="0" smtClean="0"/>
+              <a:rPr lang="ko-KR" altLang="en-US"/>
               <a:t>로부터</a:t>
             </a:r>
-            <a:endParaRPr lang="en-US" altLang="ko-KR" dirty="0" smtClean="0"/>
-          </a:p>
-          <a:p>
-            <a:r>
-              <a:rPr lang="en-US" altLang="ko-KR" dirty="0" smtClean="0"/>
+            <a:endParaRPr lang="ko-KR" altLang="en-US"/>
+          </a:p>
+          <a:p>
+            <a:pPr lvl="0"/>
+            <a:r>
+              <a:rPr lang="en-US" altLang="ko-KR"/>
               <a:t>FIN</a:t>
             </a:r>
             <a:r>
-              <a:rPr lang="ko-KR" altLang="en-US" dirty="0" smtClean="0"/>
+              <a:rPr lang="ko-KR" altLang="en-US"/>
               <a:t>을 수신하더라도 일정시간 </a:t>
             </a:r>
             <a:r>
-              <a:rPr lang="en-US" altLang="ko-KR" dirty="0" smtClean="0"/>
+              <a:rPr lang="en-US" altLang="ko-KR"/>
               <a:t>(default 240</a:t>
             </a:r>
             <a:r>
-              <a:rPr lang="ko-KR" altLang="en-US" dirty="0" smtClean="0"/>
+              <a:rPr lang="ko-KR" altLang="en-US"/>
               <a:t>초</a:t>
             </a:r>
             <a:r>
-              <a:rPr lang="en-US" altLang="ko-KR" dirty="0" smtClean="0"/>
+              <a:rPr lang="en-US" altLang="ko-KR"/>
               <a:t>)</a:t>
             </a:r>
-          </a:p>
-          <a:p>
-            <a:r>
-              <a:rPr lang="ko-KR" altLang="en-US" dirty="0" smtClean="0"/>
-              <a:t>동안 연결을 유지하며 </a:t>
-            </a:r>
-            <a:r>
-              <a:rPr lang="ko-KR" altLang="en-US" dirty="0" err="1" smtClean="0"/>
-              <a:t>잉여패킷을</a:t>
-            </a:r>
-            <a:r>
-              <a:rPr lang="ko-KR" altLang="en-US" dirty="0" smtClean="0"/>
-              <a:t> 기다린다</a:t>
-            </a:r>
-            <a:endParaRPr lang="en-US" altLang="ko-KR" dirty="0" smtClean="0"/>
-          </a:p>
-          <a:p>
-            <a:endParaRPr lang="en-US" altLang="ko-KR" dirty="0"/>
-          </a:p>
-          <a:p>
-            <a:r>
-              <a:rPr lang="ko-KR" altLang="en-US" dirty="0" smtClean="0"/>
+            <a:endParaRPr lang="en-US" altLang="ko-KR"/>
+          </a:p>
+          <a:p>
+            <a:pPr lvl="0"/>
+            <a:r>
+              <a:rPr lang="ko-KR" altLang="en-US"/>
+              <a:t>동안 연결을 유지하며 잉여패킷을 기다린다</a:t>
+            </a:r>
+            <a:endParaRPr lang="ko-KR" altLang="en-US"/>
+          </a:p>
+          <a:p>
+            <a:pPr lvl="0"/>
+            <a:endParaRPr lang="en-US" altLang="ko-KR"/>
+          </a:p>
+          <a:p>
+            <a:pPr lvl="0"/>
+            <a:r>
+              <a:rPr lang="ko-KR" altLang="en-US"/>
               <a:t>이 과정을 </a:t>
             </a:r>
             <a:r>
-              <a:rPr lang="en-US" altLang="ko-KR" dirty="0" smtClean="0"/>
+              <a:rPr lang="en-US" altLang="ko-KR"/>
               <a:t>TIME_WAIT.</a:t>
             </a:r>
-          </a:p>
-          <a:p>
-            <a:endParaRPr lang="en-US" altLang="ko-KR" dirty="0"/>
-          </a:p>
-          <a:p>
-            <a:r>
-              <a:rPr lang="ko-KR" altLang="en-US" dirty="0" smtClean="0"/>
+            <a:endParaRPr lang="en-US" altLang="ko-KR"/>
+          </a:p>
+          <a:p>
+            <a:pPr lvl="0"/>
+            <a:endParaRPr lang="en-US" altLang="ko-KR"/>
+          </a:p>
+          <a:p>
+            <a:pPr lvl="0"/>
+            <a:r>
+              <a:rPr lang="ko-KR" altLang="en-US"/>
               <a:t>일정시간이 지나면 세션 만료 </a:t>
             </a:r>
             <a:r>
-              <a:rPr lang="en-US" altLang="ko-KR" dirty="0" smtClean="0"/>
+              <a:rPr lang="en-US" altLang="ko-KR"/>
               <a:t>-&gt; </a:t>
             </a:r>
             <a:r>
-              <a:rPr lang="ko-KR" altLang="en-US" dirty="0" smtClean="0"/>
+              <a:rPr lang="ko-KR" altLang="en-US"/>
               <a:t>연결 종료 </a:t>
             </a:r>
-            <a:endParaRPr lang="en-US" altLang="ko-KR" dirty="0" smtClean="0"/>
-          </a:p>
-          <a:p>
-            <a:r>
-              <a:rPr lang="en-US" altLang="ko-KR" dirty="0" smtClean="0"/>
+            <a:endParaRPr lang="ko-KR" altLang="en-US"/>
+          </a:p>
+          <a:p>
+            <a:pPr lvl="0"/>
+            <a:r>
+              <a:rPr lang="en-US" altLang="ko-KR"/>
               <a:t>CLOSE </a:t>
             </a:r>
             <a:r>
-              <a:rPr lang="ko-KR" altLang="en-US" dirty="0" smtClean="0"/>
+              <a:rPr lang="ko-KR" altLang="en-US"/>
               <a:t>변화</a:t>
             </a:r>
             <a:r>
-              <a:rPr lang="en-US" altLang="ko-KR" dirty="0" smtClean="0"/>
+              <a:rPr lang="en-US" altLang="ko-KR"/>
               <a:t>.</a:t>
             </a:r>
+            <a:endParaRPr lang="en-US" altLang="ko-KR"/>
           </a:p>
         </p:txBody>
       </p:sp>
     </p:spTree>
-    <p:extLst>
-      <p:ext uri="{BB962C8B-B14F-4D97-AF65-F5344CB8AC3E}">
-        <p14:creationId xmlns:p14="http://schemas.microsoft.com/office/powerpoint/2010/main" val="2811333302"/>
-      </p:ext>
-    </p:extLst>
   </p:cSld>
   <p:clrMapOvr>
     <a:masterClrMapping/>
@@ -3999,7 +3984,7 @@
 </file>
 
 <file path=ppt/slides/slide14.xml><?xml version="1.0" encoding="utf-8"?>
-<p:sld xmlns:a="http://schemas.openxmlformats.org/drawingml/2006/main" xmlns:r="http://schemas.openxmlformats.org/officeDocument/2006/relationships" xmlns:p="http://schemas.openxmlformats.org/presentationml/2006/main">
+<p:sld xmlns:r="http://schemas.openxmlformats.org/officeDocument/2006/relationships" xmlns:c="http://schemas.openxmlformats.org/drawingml/2006/chart" xmlns:a="http://schemas.openxmlformats.org/drawingml/2006/main" xmlns:dgm="http://schemas.openxmlformats.org/drawingml/2006/diagram" xmlns:dsp="http://schemas.microsoft.com/office/drawing/2008/diagram" xmlns:p="http://schemas.openxmlformats.org/presentationml/2006/main">
   <p:cSld>
     <p:spTree>
       <p:nvGrpSpPr>
@@ -4022,7 +4007,7 @@
             <a:spLocks noGrp="1"/>
           </p:cNvSpPr>
           <p:nvPr>
-            <p:ph type="ctrTitle"/>
+            <p:ph type="ctrTitle" idx="0"/>
           </p:nvPr>
         </p:nvSpPr>
         <p:spPr>
@@ -4035,15 +4020,12 @@
           <a:bodyPr/>
           <a:lstStyle/>
           <a:p>
-            <a:r>
-              <a:rPr lang="ko-KR" altLang="en-US" dirty="0" smtClean="0"/>
-              <a:t>포 웨이 핸드 </a:t>
-            </a:r>
-            <a:r>
-              <a:rPr lang="ko-KR" altLang="en-US" dirty="0" err="1" smtClean="0"/>
-              <a:t>쉐이킹</a:t>
-            </a:r>
-            <a:endParaRPr lang="ko-KR" altLang="en-US" dirty="0"/>
+            <a:pPr lvl="0"/>
+            <a:r>
+              <a:rPr lang="ko-KR" altLang="en-US"/>
+              <a:t>포 웨이 핸드 쉐이킹</a:t>
+            </a:r>
+            <a:endParaRPr lang="ko-KR" altLang="en-US"/>
           </a:p>
         </p:txBody>
       </p:sp>
@@ -4056,7 +4038,7 @@
         <p:spPr>
           <a:xfrm>
             <a:off x="1600200" y="1955800"/>
-            <a:ext cx="9379491" cy="2585323"/>
+            <a:ext cx="9273540" cy="2557145"/>
           </a:xfrm>
           <a:prstGeom prst="rect">
             <a:avLst/>
@@ -4064,136 +4046,121 @@
           <a:noFill/>
         </p:spPr>
         <p:txBody>
-          <a:bodyPr wrap="none" rtlCol="0">
+          <a:bodyPr wrap="none">
             <a:spAutoFit/>
           </a:bodyPr>
           <a:lstStyle/>
           <a:p>
-            <a:r>
-              <a:rPr lang="en-US" altLang="ko-KR" dirty="0" smtClean="0"/>
+            <a:pPr lvl="0"/>
+            <a:r>
+              <a:rPr lang="en-US" altLang="ko-KR"/>
               <a:t>4 way handshaking </a:t>
             </a:r>
             <a:r>
-              <a:rPr lang="ko-KR" altLang="en-US" dirty="0" smtClean="0"/>
+              <a:rPr lang="ko-KR" altLang="en-US"/>
               <a:t>은 </a:t>
             </a:r>
             <a:r>
-              <a:rPr lang="en-US" altLang="ko-KR" dirty="0" smtClean="0"/>
+              <a:rPr lang="en-US" altLang="ko-KR"/>
               <a:t>3way handshaking </a:t>
             </a:r>
             <a:r>
-              <a:rPr lang="ko-KR" altLang="en-US" dirty="0" smtClean="0"/>
+              <a:rPr lang="ko-KR" altLang="en-US"/>
               <a:t>처럼 순차적으로 주고 받는 방식이 아니라 </a:t>
             </a:r>
-            <a:endParaRPr lang="en-US" altLang="ko-KR" dirty="0" smtClean="0"/>
-          </a:p>
-          <a:p>
-            <a:r>
-              <a:rPr lang="ko-KR" altLang="en-US" dirty="0" smtClean="0"/>
+            <a:endParaRPr lang="ko-KR" altLang="en-US"/>
+          </a:p>
+          <a:p>
+            <a:pPr lvl="0"/>
+            <a:r>
+              <a:rPr lang="ko-KR" altLang="en-US"/>
               <a:t>상대방이 응답을 줄 때까지 대기하는 과정이 포함되어 있기 때문에 중간에 엇나간다면 </a:t>
             </a:r>
-            <a:endParaRPr lang="en-US" altLang="ko-KR" dirty="0" smtClean="0"/>
-          </a:p>
-          <a:p>
-            <a:r>
-              <a:rPr lang="ko-KR" altLang="en-US" dirty="0" smtClean="0"/>
+            <a:endParaRPr lang="ko-KR" altLang="en-US"/>
+          </a:p>
+          <a:p>
+            <a:pPr lvl="0"/>
+            <a:r>
+              <a:rPr lang="ko-KR" altLang="en-US"/>
               <a:t>서로 계속 대기만 하고 있는 </a:t>
             </a:r>
             <a:r>
-              <a:rPr lang="ko-KR" altLang="en-US" b="1" dirty="0" err="1" smtClean="0"/>
-              <a:t>데드락</a:t>
-            </a:r>
-            <a:r>
-              <a:rPr lang="ko-KR" altLang="en-US" b="1" dirty="0" smtClean="0"/>
-              <a:t> </a:t>
-            </a:r>
-            <a:r>
-              <a:rPr lang="ko-KR" altLang="en-US" dirty="0" smtClean="0"/>
+              <a:rPr lang="ko-KR" altLang="en-US" b="1"/>
+              <a:t>데드락 </a:t>
+            </a:r>
+            <a:r>
+              <a:rPr lang="ko-KR" altLang="en-US"/>
               <a:t>상황이 연출될 수 있다</a:t>
             </a:r>
             <a:r>
-              <a:rPr lang="en-US" altLang="ko-KR" dirty="0" smtClean="0"/>
+              <a:rPr lang="en-US" altLang="ko-KR"/>
               <a:t>.</a:t>
             </a:r>
-          </a:p>
-          <a:p>
-            <a:endParaRPr lang="en-US" altLang="ko-KR" dirty="0"/>
-          </a:p>
-          <a:p>
-            <a:r>
-              <a:rPr lang="ko-KR" altLang="en-US" dirty="0" err="1" smtClean="0"/>
-              <a:t>이러한것을</a:t>
-            </a:r>
-            <a:r>
-              <a:rPr lang="ko-KR" altLang="en-US" dirty="0" smtClean="0"/>
-              <a:t> 막기 위해 이전 페이지에서 설명 했듯이</a:t>
-            </a:r>
-            <a:endParaRPr lang="en-US" altLang="ko-KR" dirty="0" smtClean="0"/>
-          </a:p>
-          <a:p>
-            <a:r>
-              <a:rPr lang="ko-KR" altLang="en-US" dirty="0" smtClean="0"/>
+            <a:endParaRPr lang="en-US" altLang="ko-KR"/>
+          </a:p>
+          <a:p>
+            <a:pPr lvl="0"/>
+            <a:endParaRPr lang="en-US" altLang="ko-KR"/>
+          </a:p>
+          <a:p>
+            <a:pPr lvl="0"/>
+            <a:r>
+              <a:rPr lang="ko-KR" altLang="en-US"/>
+              <a:t>이러한것을 막기 위해 이전 페이지에서 설명 했듯이</a:t>
+            </a:r>
+            <a:endParaRPr lang="ko-KR" altLang="en-US"/>
+          </a:p>
+          <a:p>
+            <a:pPr lvl="0"/>
+            <a:r>
+              <a:rPr lang="ko-KR" altLang="en-US"/>
               <a:t>일정시간이 지나면 </a:t>
             </a:r>
             <a:r>
-              <a:rPr lang="en-US" altLang="ko-KR" dirty="0" smtClean="0"/>
+              <a:rPr lang="en-US" altLang="ko-KR"/>
               <a:t>time-out</a:t>
             </a:r>
             <a:r>
-              <a:rPr lang="ko-KR" altLang="en-US" dirty="0" smtClean="0"/>
+              <a:rPr lang="ko-KR" altLang="en-US"/>
               <a:t>으로 연결을 강제 종료하거나 다음 단계를 수행할 수 있지만 </a:t>
             </a:r>
-            <a:endParaRPr lang="en-US" altLang="ko-KR" dirty="0" smtClean="0"/>
-          </a:p>
-          <a:p>
-            <a:endParaRPr lang="en-US" altLang="ko-KR" dirty="0"/>
-          </a:p>
-          <a:p>
-            <a:r>
-              <a:rPr lang="ko-KR" altLang="en-US" dirty="0" smtClean="0"/>
-              <a:t>그 </a:t>
-            </a:r>
-            <a:r>
-              <a:rPr lang="ko-KR" altLang="en-US" dirty="0" err="1" smtClean="0"/>
-              <a:t>시간동안</a:t>
-            </a:r>
-            <a:r>
-              <a:rPr lang="ko-KR" altLang="en-US" dirty="0" smtClean="0"/>
-              <a:t> 프로세스가 메모리</a:t>
-            </a:r>
-            <a:r>
-              <a:rPr lang="en-US" altLang="ko-KR" dirty="0" smtClean="0"/>
+            <a:endParaRPr lang="ko-KR" altLang="en-US"/>
+          </a:p>
+          <a:p>
+            <a:pPr lvl="0"/>
+            <a:endParaRPr lang="en-US" altLang="ko-KR"/>
+          </a:p>
+          <a:p>
+            <a:pPr lvl="0"/>
+            <a:r>
+              <a:rPr lang="ko-KR" altLang="en-US"/>
+              <a:t>그 시간동안 프로세스가 메모리</a:t>
+            </a:r>
+            <a:r>
+              <a:rPr lang="en-US" altLang="ko-KR"/>
               <a:t>,</a:t>
             </a:r>
             <a:r>
-              <a:rPr lang="ko-KR" altLang="en-US" dirty="0" smtClean="0"/>
+              <a:rPr lang="ko-KR" altLang="en-US"/>
               <a:t>포트를 점유하고 있으므로</a:t>
             </a:r>
-            <a:endParaRPr lang="en-US" altLang="ko-KR" dirty="0" smtClean="0"/>
-          </a:p>
-          <a:p>
-            <a:r>
-              <a:rPr lang="ko-KR" altLang="en-US" dirty="0" err="1" smtClean="0"/>
-              <a:t>트리팩이</a:t>
-            </a:r>
-            <a:r>
-              <a:rPr lang="ko-KR" altLang="en-US" dirty="0" smtClean="0"/>
-              <a:t> 많은 서버라면 이로 인한 병목이 발생할 가능성이 있다</a:t>
-            </a:r>
-            <a:r>
-              <a:rPr lang="en-US" altLang="ko-KR" dirty="0" smtClean="0"/>
+            <a:endParaRPr lang="ko-KR" altLang="en-US"/>
+          </a:p>
+          <a:p>
+            <a:pPr lvl="0"/>
+            <a:r>
+              <a:rPr lang="ko-KR" altLang="en-US"/>
+              <a:t>트리팩이 많은 서버라면 이로 인한 병목이 발생할 가능성이 있다</a:t>
+            </a:r>
+            <a:r>
+              <a:rPr lang="en-US" altLang="ko-KR"/>
               <a:t>.</a:t>
             </a:r>
-            <a:endParaRPr lang="ko-KR" altLang="en-US" dirty="0"/>
+            <a:endParaRPr lang="ko-KR" altLang="en-US"/>
           </a:p>
         </p:txBody>
       </p:sp>
     </p:spTree>
-    <p:extLst>
-      <p:ext uri="{BB962C8B-B14F-4D97-AF65-F5344CB8AC3E}">
-        <p14:creationId xmlns:p14="http://schemas.microsoft.com/office/powerpoint/2010/main" val="2935736139"/>
-      </p:ext>
-    </p:extLst>
   </p:cSld>
   <p:clrMapOvr>
     <a:masterClrMapping/>
@@ -4202,7 +4169,7 @@
 </file>
 
 <file path=ppt/slides/slide15.xml><?xml version="1.0" encoding="utf-8"?>
-<p:sld xmlns:a="http://schemas.openxmlformats.org/drawingml/2006/main" xmlns:r="http://schemas.openxmlformats.org/officeDocument/2006/relationships" xmlns:p="http://schemas.openxmlformats.org/presentationml/2006/main">
+<p:sld xmlns:r="http://schemas.openxmlformats.org/officeDocument/2006/relationships" xmlns:c="http://schemas.openxmlformats.org/drawingml/2006/chart" xmlns:a="http://schemas.openxmlformats.org/drawingml/2006/main" xmlns:dgm="http://schemas.openxmlformats.org/drawingml/2006/diagram" xmlns:dsp="http://schemas.microsoft.com/office/drawing/2008/diagram" xmlns:p="http://schemas.openxmlformats.org/presentationml/2006/main">
   <p:cSld>
     <p:spTree>
       <p:nvGrpSpPr>
@@ -4225,7 +4192,7 @@
             <a:spLocks noGrp="1"/>
           </p:cNvSpPr>
           <p:nvPr>
-            <p:ph type="ctrTitle"/>
+            <p:ph type="ctrTitle" idx="0"/>
           </p:nvPr>
         </p:nvSpPr>
         <p:spPr>
@@ -4238,15 +4205,12 @@
           <a:bodyPr/>
           <a:lstStyle/>
           <a:p>
-            <a:r>
-              <a:rPr lang="ko-KR" altLang="en-US" dirty="0" smtClean="0"/>
-              <a:t>포 웨이 핸드 </a:t>
-            </a:r>
-            <a:r>
-              <a:rPr lang="ko-KR" altLang="en-US" dirty="0" err="1" smtClean="0"/>
-              <a:t>쉐이킹</a:t>
-            </a:r>
-            <a:endParaRPr lang="ko-KR" altLang="en-US" dirty="0"/>
+            <a:pPr lvl="0"/>
+            <a:r>
+              <a:rPr lang="ko-KR" altLang="en-US"/>
+              <a:t>포 웨이 핸드 쉐이킹</a:t>
+            </a:r>
+            <a:endParaRPr lang="ko-KR" altLang="en-US"/>
           </a:p>
         </p:txBody>
       </p:sp>
@@ -4258,8 +4222,11 @@
           </p:cNvPicPr>
           <p:nvPr/>
         </p:nvPicPr>
-        <p:blipFill>
-          <a:blip r:embed="rId2"/>
+        <p:blipFill rotWithShape="1">
+          <a:blip r:embed="rId2">
+            <a:alphaModFix/>
+            <a:lum/>
+          </a:blip>
           <a:stretch>
             <a:fillRect/>
           </a:stretch>
@@ -4275,11 +4242,6 @@
         </p:spPr>
       </p:pic>
     </p:spTree>
-    <p:extLst>
-      <p:ext uri="{BB962C8B-B14F-4D97-AF65-F5344CB8AC3E}">
-        <p14:creationId xmlns:p14="http://schemas.microsoft.com/office/powerpoint/2010/main" val="2102305458"/>
-      </p:ext>
-    </p:extLst>
   </p:cSld>
   <p:clrMapOvr>
     <a:masterClrMapping/>
@@ -4288,7 +4250,7 @@
 </file>
 
 <file path=ppt/slides/slide16.xml><?xml version="1.0" encoding="utf-8"?>
-<p:sld xmlns:a="http://schemas.openxmlformats.org/drawingml/2006/main" xmlns:r="http://schemas.openxmlformats.org/officeDocument/2006/relationships" xmlns:p="http://schemas.openxmlformats.org/presentationml/2006/main">
+<p:sld xmlns:r="http://schemas.openxmlformats.org/officeDocument/2006/relationships" xmlns:c="http://schemas.openxmlformats.org/drawingml/2006/chart" xmlns:a="http://schemas.openxmlformats.org/drawingml/2006/main" xmlns:dgm="http://schemas.openxmlformats.org/drawingml/2006/diagram" xmlns:dsp="http://schemas.microsoft.com/office/drawing/2008/diagram" xmlns:p="http://schemas.openxmlformats.org/presentationml/2006/main">
   <p:cSld>
     <p:spTree>
       <p:nvGrpSpPr>
@@ -4311,7 +4273,7 @@
             <a:spLocks noGrp="1"/>
           </p:cNvSpPr>
           <p:nvPr>
-            <p:ph type="ctrTitle"/>
+            <p:ph type="ctrTitle" idx="0"/>
           </p:nvPr>
         </p:nvSpPr>
         <p:spPr>
@@ -4324,15 +4286,12 @@
           <a:bodyPr/>
           <a:lstStyle/>
           <a:p>
-            <a:r>
-              <a:rPr lang="ko-KR" altLang="en-US" dirty="0" smtClean="0"/>
-              <a:t>포 웨이 핸드 </a:t>
-            </a:r>
-            <a:r>
-              <a:rPr lang="ko-KR" altLang="en-US" dirty="0" err="1" smtClean="0"/>
-              <a:t>쉐이킹</a:t>
-            </a:r>
-            <a:endParaRPr lang="ko-KR" altLang="en-US" dirty="0"/>
+            <a:pPr lvl="0"/>
+            <a:r>
+              <a:rPr lang="ko-KR" altLang="en-US"/>
+              <a:t>포 웨이 핸드 쉐이킹</a:t>
+            </a:r>
+            <a:endParaRPr lang="ko-KR" altLang="en-US"/>
           </a:p>
         </p:txBody>
       </p:sp>
@@ -4345,7 +4304,7 @@
         <p:spPr>
           <a:xfrm>
             <a:off x="1257300" y="1435100"/>
-            <a:ext cx="10176184" cy="923330"/>
+            <a:ext cx="10064115" cy="906145"/>
           </a:xfrm>
           <a:prstGeom prst="rect">
             <a:avLst/>
@@ -4353,62 +4312,57 @@
           <a:noFill/>
         </p:spPr>
         <p:txBody>
-          <a:bodyPr wrap="none" rtlCol="0">
+          <a:bodyPr wrap="none">
             <a:spAutoFit/>
           </a:bodyPr>
           <a:lstStyle/>
           <a:p>
-            <a:r>
-              <a:rPr lang="en-US" altLang="ko-KR" dirty="0" smtClean="0"/>
+            <a:pPr lvl="0"/>
+            <a:r>
+              <a:rPr lang="en-US" altLang="ko-KR"/>
               <a:t>FIN packet </a:t>
             </a:r>
             <a:r>
-              <a:rPr lang="ko-KR" altLang="en-US" dirty="0" smtClean="0"/>
+              <a:rPr lang="ko-KR" altLang="en-US"/>
               <a:t>에도 시퀀스 번호가 포함되는데 </a:t>
             </a:r>
             <a:r>
-              <a:rPr lang="en-US" altLang="ko-KR" dirty="0" smtClean="0"/>
+              <a:rPr lang="en-US" altLang="ko-KR"/>
               <a:t>3 way handshaking </a:t>
             </a:r>
             <a:r>
-              <a:rPr lang="ko-KR" altLang="en-US" dirty="0" smtClean="0"/>
+              <a:rPr lang="ko-KR" altLang="en-US"/>
               <a:t>의 경우 값이 없었기 때문에 </a:t>
             </a:r>
-            <a:endParaRPr lang="en-US" altLang="ko-KR" dirty="0" smtClean="0"/>
-          </a:p>
-          <a:p>
-            <a:r>
-              <a:rPr lang="ko-KR" altLang="en-US" dirty="0" smtClean="0"/>
-              <a:t>랜덤으로 할당 </a:t>
-            </a:r>
-            <a:r>
-              <a:rPr lang="ko-KR" altLang="en-US" dirty="0" err="1" smtClean="0"/>
-              <a:t>받은것이지</a:t>
-            </a:r>
-            <a:r>
-              <a:rPr lang="ko-KR" altLang="en-US" dirty="0" smtClean="0"/>
-              <a:t> </a:t>
-            </a:r>
-            <a:r>
-              <a:rPr lang="en-US" altLang="ko-KR" dirty="0" smtClean="0"/>
+            <a:endParaRPr lang="ko-KR" altLang="en-US"/>
+          </a:p>
+          <a:p>
+            <a:pPr lvl="0"/>
+            <a:r>
+              <a:rPr lang="ko-KR" altLang="en-US"/>
+              <a:t>랜덤으로 할당 받은것이지 </a:t>
+            </a:r>
+            <a:r>
+              <a:rPr lang="en-US" altLang="ko-KR"/>
               <a:t>4way handshaking </a:t>
             </a:r>
             <a:r>
-              <a:rPr lang="ko-KR" altLang="en-US" dirty="0" smtClean="0"/>
+              <a:rPr lang="ko-KR" altLang="en-US"/>
               <a:t>에서는 현재 보내야할 순서에 맞는 시퀀스 번호를 </a:t>
             </a:r>
-            <a:endParaRPr lang="en-US" altLang="ko-KR" dirty="0" smtClean="0"/>
-          </a:p>
-          <a:p>
-            <a:r>
-              <a:rPr lang="ko-KR" altLang="en-US" dirty="0" smtClean="0"/>
+            <a:endParaRPr lang="ko-KR" altLang="en-US"/>
+          </a:p>
+          <a:p>
+            <a:pPr lvl="0"/>
+            <a:r>
+              <a:rPr lang="ko-KR" altLang="en-US"/>
               <a:t>사용하면 된다</a:t>
             </a:r>
             <a:r>
-              <a:rPr lang="en-US" altLang="ko-KR" dirty="0" smtClean="0"/>
+              <a:rPr lang="en-US" altLang="ko-KR"/>
               <a:t>.</a:t>
             </a:r>
-            <a:endParaRPr lang="ko-KR" altLang="en-US" dirty="0"/>
+            <a:endParaRPr lang="ko-KR" altLang="en-US"/>
           </a:p>
         </p:txBody>
       </p:sp>
@@ -4420,8 +4374,11 @@
           </p:cNvPicPr>
           <p:nvPr/>
         </p:nvPicPr>
-        <p:blipFill>
-          <a:blip r:embed="rId2"/>
+        <p:blipFill rotWithShape="1">
+          <a:blip r:embed="rId2">
+            <a:alphaModFix/>
+            <a:lum/>
+          </a:blip>
           <a:stretch>
             <a:fillRect/>
           </a:stretch>
@@ -4453,7 +4410,7 @@
           <a:noFill/>
           <a:ln w="38100">
             <a:solidFill>
-              <a:srgbClr val="C00000"/>
+              <a:srgbClr val="c00000"/>
             </a:solidFill>
           </a:ln>
         </p:spPr>
@@ -4474,7 +4431,7 @@
           </a:fontRef>
         </p:style>
         <p:txBody>
-          <a:bodyPr rtlCol="0" anchor="ctr"/>
+          <a:bodyPr anchor="ctr"/>
           <a:lstStyle/>
           <a:p>
             <a:pPr algn="ctr"/>
@@ -4483,11 +4440,6 @@
         </p:txBody>
       </p:sp>
     </p:spTree>
-    <p:extLst>
-      <p:ext uri="{BB962C8B-B14F-4D97-AF65-F5344CB8AC3E}">
-        <p14:creationId xmlns:p14="http://schemas.microsoft.com/office/powerpoint/2010/main" val="2087629106"/>
-      </p:ext>
-    </p:extLst>
   </p:cSld>
   <p:clrMapOvr>
     <a:masterClrMapping/>
@@ -4496,7 +4448,7 @@
 </file>
 
 <file path=ppt/slides/slide17.xml><?xml version="1.0" encoding="utf-8"?>
-<p:sld xmlns:a="http://schemas.openxmlformats.org/drawingml/2006/main" xmlns:r="http://schemas.openxmlformats.org/officeDocument/2006/relationships" xmlns:p="http://schemas.openxmlformats.org/presentationml/2006/main">
+<p:sld xmlns:r="http://schemas.openxmlformats.org/officeDocument/2006/relationships" xmlns:c="http://schemas.openxmlformats.org/drawingml/2006/chart" xmlns:a="http://schemas.openxmlformats.org/drawingml/2006/main" xmlns:dgm="http://schemas.openxmlformats.org/drawingml/2006/diagram" xmlns:dsp="http://schemas.microsoft.com/office/drawing/2008/diagram" xmlns:p="http://schemas.openxmlformats.org/presentationml/2006/main">
   <p:cSld>
     <p:spTree>
       <p:nvGrpSpPr>
@@ -4520,8 +4472,11 @@
           </p:cNvPicPr>
           <p:nvPr/>
         </p:nvPicPr>
-        <p:blipFill>
-          <a:blip r:embed="rId2"/>
+        <p:blipFill rotWithShape="1">
+          <a:blip r:embed="rId2">
+            <a:alphaModFix/>
+            <a:lum/>
+          </a:blip>
           <a:stretch>
             <a:fillRect/>
           </a:stretch>
@@ -4553,7 +4508,7 @@
           <a:noFill/>
           <a:ln w="38100">
             <a:solidFill>
-              <a:srgbClr val="C00000"/>
+              <a:srgbClr val="c00000"/>
             </a:solidFill>
           </a:ln>
         </p:spPr>
@@ -4574,7 +4529,7 @@
           </a:fontRef>
         </p:style>
         <p:txBody>
-          <a:bodyPr rtlCol="0" anchor="ctr"/>
+          <a:bodyPr anchor="ctr"/>
           <a:lstStyle/>
           <a:p>
             <a:pPr algn="ctr"/>
@@ -4599,22 +4554,23 @@
           <a:noFill/>
         </p:spPr>
         <p:txBody>
-          <a:bodyPr wrap="square" rtlCol="0">
+          <a:bodyPr wrap="square">
             <a:spAutoFit/>
           </a:bodyPr>
           <a:lstStyle/>
           <a:p>
-            <a:r>
-              <a:rPr lang="en-US" altLang="ko-KR" dirty="0" smtClean="0">
+            <a:pPr lvl="0"/>
+            <a:r>
+              <a:rPr lang="en-US" altLang="ko-KR">
                 <a:solidFill>
-                  <a:srgbClr val="C00000"/>
+                  <a:srgbClr val="c00000"/>
                 </a:solidFill>
               </a:rPr>
               <a:t>client</a:t>
             </a:r>
-            <a:endParaRPr lang="ko-KR" altLang="en-US" dirty="0">
+            <a:endParaRPr lang="ko-KR" altLang="en-US">
               <a:solidFill>
-                <a:srgbClr val="C00000"/>
+                <a:srgbClr val="c00000"/>
               </a:solidFill>
             </a:endParaRPr>
           </a:p>
@@ -4637,22 +4593,23 @@
           <a:noFill/>
         </p:spPr>
         <p:txBody>
-          <a:bodyPr wrap="square" rtlCol="0">
+          <a:bodyPr wrap="square">
             <a:spAutoFit/>
           </a:bodyPr>
           <a:lstStyle/>
           <a:p>
-            <a:r>
-              <a:rPr lang="en-US" altLang="ko-KR" b="1" dirty="0" smtClean="0">
+            <a:pPr lvl="0"/>
+            <a:r>
+              <a:rPr lang="en-US" altLang="ko-KR" b="1">
                 <a:solidFill>
-                  <a:srgbClr val="C00000"/>
+                  <a:srgbClr val="c00000"/>
                 </a:solidFill>
               </a:rPr>
               <a:t>client</a:t>
             </a:r>
-            <a:endParaRPr lang="ko-KR" altLang="en-US" b="1" dirty="0">
+            <a:endParaRPr lang="ko-KR" altLang="en-US" b="1">
               <a:solidFill>
-                <a:srgbClr val="C00000"/>
+                <a:srgbClr val="c00000"/>
               </a:solidFill>
             </a:endParaRPr>
           </a:p>
@@ -4675,7 +4632,7 @@
           <a:noFill/>
           <a:ln w="38100">
             <a:solidFill>
-              <a:srgbClr val="C00000"/>
+              <a:srgbClr val="c00000"/>
             </a:solidFill>
           </a:ln>
         </p:spPr>
@@ -4696,7 +4653,7 @@
           </a:fontRef>
         </p:style>
         <p:txBody>
-          <a:bodyPr rtlCol="0" anchor="ctr"/>
+          <a:bodyPr anchor="ctr"/>
           <a:lstStyle/>
           <a:p>
             <a:pPr algn="ctr"/>
@@ -4705,27 +4662,15 @@
         </p:txBody>
       </p:sp>
     </p:spTree>
-    <p:extLst>
-      <p:ext uri="{BB962C8B-B14F-4D97-AF65-F5344CB8AC3E}">
-        <p14:creationId xmlns:p14="http://schemas.microsoft.com/office/powerpoint/2010/main" val="3423493599"/>
-      </p:ext>
-    </p:extLst>
   </p:cSld>
   <p:clrMapOvr>
     <a:masterClrMapping/>
   </p:clrMapOvr>
-  <p:timing>
-    <p:tnLst>
-      <p:par>
-        <p:cTn id="1" dur="indefinite" restart="never" nodeType="tmRoot"/>
-      </p:par>
-    </p:tnLst>
-  </p:timing>
 </p:sld>
 </file>
 
 <file path=ppt/slides/slide18.xml><?xml version="1.0" encoding="utf-8"?>
-<p:sld xmlns:a="http://schemas.openxmlformats.org/drawingml/2006/main" xmlns:r="http://schemas.openxmlformats.org/officeDocument/2006/relationships" xmlns:p="http://schemas.openxmlformats.org/presentationml/2006/main">
+<p:sld xmlns:r="http://schemas.openxmlformats.org/officeDocument/2006/relationships" xmlns:c="http://schemas.openxmlformats.org/drawingml/2006/chart" xmlns:a="http://schemas.openxmlformats.org/drawingml/2006/main" xmlns:dgm="http://schemas.openxmlformats.org/drawingml/2006/diagram" xmlns:dsp="http://schemas.microsoft.com/office/drawing/2008/diagram" xmlns:p="http://schemas.openxmlformats.org/presentationml/2006/main">
   <p:cSld>
     <p:spTree>
       <p:nvGrpSpPr>
@@ -4749,8 +4694,11 @@
           </p:cNvPicPr>
           <p:nvPr/>
         </p:nvPicPr>
-        <p:blipFill>
-          <a:blip r:embed="rId2"/>
+        <p:blipFill rotWithShape="1">
+          <a:blip r:embed="rId2">
+            <a:alphaModFix/>
+            <a:lum/>
+          </a:blip>
           <a:stretch>
             <a:fillRect/>
           </a:stretch>
@@ -4782,7 +4730,7 @@
           <a:noFill/>
           <a:ln w="38100">
             <a:solidFill>
-              <a:srgbClr val="C00000"/>
+              <a:srgbClr val="c00000"/>
             </a:solidFill>
           </a:ln>
         </p:spPr>
@@ -4803,7 +4751,7 @@
           </a:fontRef>
         </p:style>
         <p:txBody>
-          <a:bodyPr rtlCol="0" anchor="ctr"/>
+          <a:bodyPr anchor="ctr"/>
           <a:lstStyle/>
           <a:p>
             <a:pPr algn="ctr"/>
@@ -4828,7 +4776,7 @@
           <a:noFill/>
           <a:ln w="38100">
             <a:solidFill>
-              <a:srgbClr val="C00000"/>
+              <a:srgbClr val="c00000"/>
             </a:solidFill>
           </a:ln>
         </p:spPr>
@@ -4849,7 +4797,7 @@
           </a:fontRef>
         </p:style>
         <p:txBody>
-          <a:bodyPr rtlCol="0" anchor="ctr"/>
+          <a:bodyPr anchor="ctr"/>
           <a:lstStyle/>
           <a:p>
             <a:pPr algn="ctr"/>
@@ -4858,27 +4806,15 @@
         </p:txBody>
       </p:sp>
     </p:spTree>
-    <p:extLst>
-      <p:ext uri="{BB962C8B-B14F-4D97-AF65-F5344CB8AC3E}">
-        <p14:creationId xmlns:p14="http://schemas.microsoft.com/office/powerpoint/2010/main" val="341762843"/>
-      </p:ext>
-    </p:extLst>
   </p:cSld>
   <p:clrMapOvr>
     <a:masterClrMapping/>
   </p:clrMapOvr>
-  <p:timing>
-    <p:tnLst>
-      <p:par>
-        <p:cTn id="1" dur="indefinite" restart="never" nodeType="tmRoot"/>
-      </p:par>
-    </p:tnLst>
-  </p:timing>
 </p:sld>
 </file>
 
 <file path=ppt/slides/slide19.xml><?xml version="1.0" encoding="utf-8"?>
-<p:sld xmlns:a="http://schemas.openxmlformats.org/drawingml/2006/main" xmlns:r="http://schemas.openxmlformats.org/officeDocument/2006/relationships" xmlns:p="http://schemas.openxmlformats.org/presentationml/2006/main">
+<p:sld xmlns:r="http://schemas.openxmlformats.org/officeDocument/2006/relationships" xmlns:c="http://schemas.openxmlformats.org/drawingml/2006/chart" xmlns:a="http://schemas.openxmlformats.org/drawingml/2006/main" xmlns:dgm="http://schemas.openxmlformats.org/drawingml/2006/diagram" xmlns:dsp="http://schemas.microsoft.com/office/drawing/2008/diagram" xmlns:p="http://schemas.openxmlformats.org/presentationml/2006/main">
   <p:cSld>
     <p:spTree>
       <p:nvGrpSpPr>
@@ -4902,8 +4838,11 @@
           </p:cNvPicPr>
           <p:nvPr/>
         </p:nvPicPr>
-        <p:blipFill>
-          <a:blip r:embed="rId2"/>
+        <p:blipFill rotWithShape="1">
+          <a:blip r:embed="rId2">
+            <a:alphaModFix/>
+            <a:lum/>
+          </a:blip>
           <a:stretch>
             <a:fillRect/>
           </a:stretch>
@@ -4935,7 +4874,7 @@
           <a:noFill/>
           <a:ln w="38100">
             <a:solidFill>
-              <a:srgbClr val="C00000"/>
+              <a:srgbClr val="c00000"/>
             </a:solidFill>
           </a:ln>
         </p:spPr>
@@ -4956,7 +4895,7 @@
           </a:fontRef>
         </p:style>
         <p:txBody>
-          <a:bodyPr rtlCol="0" anchor="ctr"/>
+          <a:bodyPr anchor="ctr"/>
           <a:lstStyle/>
           <a:p>
             <a:pPr algn="ctr"/>
@@ -4980,7 +4919,7 @@
           </a:prstGeom>
           <a:ln w="38100">
             <a:solidFill>
-              <a:srgbClr val="C00000"/>
+              <a:srgbClr val="c00000"/>
             </a:solidFill>
           </a:ln>
         </p:spPr>
@@ -5015,7 +4954,7 @@
           </a:prstGeom>
           <a:ln w="38100">
             <a:solidFill>
-              <a:srgbClr val="C00000"/>
+              <a:srgbClr val="c00000"/>
             </a:solidFill>
           </a:ln>
         </p:spPr>
@@ -5035,27 +4974,15 @@
         </p:style>
       </p:cxnSp>
     </p:spTree>
-    <p:extLst>
-      <p:ext uri="{BB962C8B-B14F-4D97-AF65-F5344CB8AC3E}">
-        <p14:creationId xmlns:p14="http://schemas.microsoft.com/office/powerpoint/2010/main" val="3283947129"/>
-      </p:ext>
-    </p:extLst>
   </p:cSld>
   <p:clrMapOvr>
     <a:masterClrMapping/>
   </p:clrMapOvr>
-  <p:timing>
-    <p:tnLst>
-      <p:par>
-        <p:cTn id="1" dur="indefinite" restart="never" nodeType="tmRoot"/>
-      </p:par>
-    </p:tnLst>
-  </p:timing>
 </p:sld>
 </file>
 
 <file path=ppt/slides/slide2.xml><?xml version="1.0" encoding="utf-8"?>
-<p:sld xmlns:a="http://schemas.openxmlformats.org/drawingml/2006/main" xmlns:r="http://schemas.openxmlformats.org/officeDocument/2006/relationships" xmlns:p="http://schemas.openxmlformats.org/presentationml/2006/main">
+<p:sld xmlns:r="http://schemas.openxmlformats.org/officeDocument/2006/relationships" xmlns:c="http://schemas.openxmlformats.org/drawingml/2006/chart" xmlns:a="http://schemas.openxmlformats.org/drawingml/2006/main" xmlns:dgm="http://schemas.openxmlformats.org/drawingml/2006/diagram" xmlns:dsp="http://schemas.microsoft.com/office/drawing/2008/diagram" xmlns:p="http://schemas.openxmlformats.org/presentationml/2006/main">
   <p:cSld>
     <p:spTree>
       <p:nvGrpSpPr>
@@ -5078,7 +5005,7 @@
             <a:spLocks noGrp="1"/>
           </p:cNvSpPr>
           <p:nvPr>
-            <p:ph type="ctrTitle"/>
+            <p:ph type="ctrTitle" idx="0"/>
           </p:nvPr>
         </p:nvSpPr>
         <p:spPr>
@@ -5091,19 +5018,12 @@
           <a:bodyPr/>
           <a:lstStyle/>
           <a:p>
-            <a:r>
-              <a:rPr lang="ko-KR" altLang="en-US" dirty="0" err="1" smtClean="0"/>
-              <a:t>쓰리웨이</a:t>
-            </a:r>
-            <a:r>
-              <a:rPr lang="ko-KR" altLang="en-US" dirty="0" smtClean="0"/>
-              <a:t> 핸드 </a:t>
-            </a:r>
-            <a:r>
-              <a:rPr lang="ko-KR" altLang="en-US" dirty="0" err="1" smtClean="0"/>
-              <a:t>쉐이킹</a:t>
-            </a:r>
-            <a:endParaRPr lang="ko-KR" altLang="en-US" dirty="0"/>
+            <a:pPr lvl="0"/>
+            <a:r>
+              <a:rPr lang="ko-KR" altLang="en-US"/>
+              <a:t>쓰리웨이 핸드 쉐이킹</a:t>
+            </a:r>
+            <a:endParaRPr lang="ko-KR" altLang="en-US"/>
           </a:p>
         </p:txBody>
       </p:sp>
@@ -5116,7 +5036,7 @@
         <p:spPr>
           <a:xfrm>
             <a:off x="1905000" y="3048000"/>
-            <a:ext cx="7848600" cy="1200329"/>
+            <a:ext cx="7848600" cy="1179195"/>
           </a:xfrm>
           <a:prstGeom prst="rect">
             <a:avLst/>
@@ -5124,60 +5044,49 @@
           <a:noFill/>
         </p:spPr>
         <p:txBody>
-          <a:bodyPr wrap="square" rtlCol="0">
+          <a:bodyPr wrap="square">
             <a:spAutoFit/>
           </a:bodyPr>
           <a:lstStyle/>
           <a:p>
-            <a:r>
-              <a:rPr lang="en-US" altLang="ko-KR" dirty="0" smtClean="0"/>
+            <a:pPr lvl="0"/>
+            <a:r>
+              <a:rPr lang="en-US" altLang="ko-KR"/>
               <a:t>TCP </a:t>
             </a:r>
             <a:r>
-              <a:rPr lang="ko-KR" altLang="en-US" dirty="0" smtClean="0"/>
-              <a:t>통신하는 </a:t>
-            </a:r>
-            <a:r>
-              <a:rPr lang="ko-KR" altLang="en-US" dirty="0" err="1" smtClean="0"/>
-              <a:t>장치간</a:t>
-            </a:r>
-            <a:r>
-              <a:rPr lang="ko-KR" altLang="en-US" dirty="0" smtClean="0"/>
-              <a:t> 서로 연결이 잘 되어있는지 확인하는 과정이다</a:t>
-            </a:r>
-            <a:r>
-              <a:rPr lang="en-US" altLang="ko-KR" dirty="0" smtClean="0"/>
+              <a:rPr lang="ko-KR" altLang="en-US"/>
+              <a:t>통신하는 장치간 서로 연결이 잘 되어있는지 확인하는 과정이다</a:t>
+            </a:r>
+            <a:r>
+              <a:rPr lang="en-US" altLang="ko-KR"/>
               <a:t>.</a:t>
             </a:r>
-          </a:p>
-          <a:p>
-            <a:r>
-              <a:rPr lang="ko-KR" altLang="en-US" dirty="0" err="1" smtClean="0"/>
-              <a:t>클라와</a:t>
-            </a:r>
-            <a:r>
-              <a:rPr lang="ko-KR" altLang="en-US" dirty="0" smtClean="0"/>
-              <a:t> 서버 간의 연결이 잘 되었는지 확인하는 과정</a:t>
-            </a:r>
-            <a:r>
-              <a:rPr lang="en-US" altLang="ko-KR" dirty="0" smtClean="0"/>
+            <a:endParaRPr lang="en-US" altLang="ko-KR"/>
+          </a:p>
+          <a:p>
+            <a:pPr lvl="0"/>
+            <a:r>
+              <a:rPr lang="ko-KR" altLang="en-US"/>
+              <a:t>클라와 서버 간의 연결이 잘 되었는지 확인하는 과정</a:t>
+            </a:r>
+            <a:r>
+              <a:rPr lang="en-US" altLang="ko-KR"/>
               <a:t>. </a:t>
             </a:r>
-          </a:p>
-          <a:p>
-            <a:endParaRPr lang="en-US" altLang="ko-KR" dirty="0"/>
-          </a:p>
-          <a:p>
-            <a:endParaRPr lang="en-US" altLang="ko-KR" dirty="0" smtClean="0"/>
+            <a:endParaRPr lang="en-US" altLang="ko-KR"/>
+          </a:p>
+          <a:p>
+            <a:pPr lvl="0"/>
+            <a:endParaRPr lang="en-US" altLang="ko-KR"/>
+          </a:p>
+          <a:p>
+            <a:pPr lvl="0"/>
+            <a:endParaRPr lang="en-US" altLang="ko-KR"/>
           </a:p>
         </p:txBody>
       </p:sp>
     </p:spTree>
-    <p:extLst>
-      <p:ext uri="{BB962C8B-B14F-4D97-AF65-F5344CB8AC3E}">
-        <p14:creationId xmlns:p14="http://schemas.microsoft.com/office/powerpoint/2010/main" val="4064053629"/>
-      </p:ext>
-    </p:extLst>
   </p:cSld>
   <p:clrMapOvr>
     <a:masterClrMapping/>
@@ -5186,7 +5095,7 @@
 </file>
 
 <file path=ppt/slides/slide20.xml><?xml version="1.0" encoding="utf-8"?>
-<p:sld xmlns:a="http://schemas.openxmlformats.org/drawingml/2006/main" xmlns:r="http://schemas.openxmlformats.org/officeDocument/2006/relationships" xmlns:p="http://schemas.openxmlformats.org/presentationml/2006/main">
+<p:sld xmlns:r="http://schemas.openxmlformats.org/officeDocument/2006/relationships" xmlns:c="http://schemas.openxmlformats.org/drawingml/2006/chart" xmlns:a="http://schemas.openxmlformats.org/drawingml/2006/main" xmlns:dgm="http://schemas.openxmlformats.org/drawingml/2006/diagram" xmlns:dsp="http://schemas.microsoft.com/office/drawing/2008/diagram" xmlns:p="http://schemas.openxmlformats.org/presentationml/2006/main">
   <p:cSld>
     <p:spTree>
       <p:nvGrpSpPr>
@@ -5210,8 +5119,11 @@
           </p:cNvPicPr>
           <p:nvPr/>
         </p:nvPicPr>
-        <p:blipFill>
-          <a:blip r:embed="rId2"/>
+        <p:blipFill rotWithShape="1">
+          <a:blip r:embed="rId2">
+            <a:alphaModFix/>
+            <a:lum/>
+          </a:blip>
           <a:stretch>
             <a:fillRect/>
           </a:stretch>
@@ -5235,7 +5147,7 @@
         <p:spPr>
           <a:xfrm>
             <a:off x="4864100" y="927100"/>
-            <a:ext cx="6712287" cy="3693319"/>
+            <a:ext cx="6647815" cy="3662044"/>
           </a:xfrm>
           <a:prstGeom prst="rect">
             <a:avLst/>
@@ -5243,197 +5155,165 @@
           <a:noFill/>
         </p:spPr>
         <p:txBody>
-          <a:bodyPr wrap="none" rtlCol="0">
+          <a:bodyPr wrap="none">
             <a:spAutoFit/>
           </a:bodyPr>
           <a:lstStyle/>
           <a:p>
-            <a:r>
-              <a:rPr lang="ko-KR" altLang="en-US" dirty="0" smtClean="0"/>
+            <a:pPr lvl="0"/>
+            <a:r>
+              <a:rPr lang="ko-KR" altLang="en-US"/>
               <a:t>즉</a:t>
             </a:r>
             <a:r>
-              <a:rPr lang="en-US" altLang="ko-KR" dirty="0" smtClean="0"/>
+              <a:rPr lang="en-US" altLang="ko-KR"/>
               <a:t>, </a:t>
             </a:r>
             <a:r>
-              <a:rPr lang="ko-KR" altLang="en-US" dirty="0" err="1" smtClean="0"/>
-              <a:t>클라에서</a:t>
-            </a:r>
-            <a:r>
-              <a:rPr lang="ko-KR" altLang="en-US" dirty="0" smtClean="0"/>
+              <a:rPr lang="ko-KR" altLang="en-US"/>
+              <a:t>클라에서 연결요청을 보낼때 </a:t>
+            </a:r>
+            <a:r>
+              <a:rPr lang="en-US" altLang="ko-KR"/>
+              <a:t>closesocket option </a:t>
+            </a:r>
+            <a:r>
+              <a:rPr lang="ko-KR" altLang="en-US"/>
+              <a:t>상태가 </a:t>
+            </a:r>
+            <a:endParaRPr lang="ko-KR" altLang="en-US"/>
+          </a:p>
+          <a:p>
+            <a:pPr lvl="0"/>
+            <a:r>
+              <a:rPr lang="ko-KR" altLang="en-US"/>
+              <a:t>다르지 않다면 </a:t>
+            </a:r>
+            <a:r>
+              <a:rPr lang="en-US" altLang="ko-KR"/>
+              <a:t>FIN </a:t>
+            </a:r>
+            <a:r>
+              <a:rPr lang="ko-KR" altLang="en-US"/>
+              <a:t>을 발생하지 않고 바로 종료해버려 </a:t>
+            </a:r>
+            <a:endParaRPr lang="ko-KR" altLang="en-US"/>
+          </a:p>
+          <a:p>
+            <a:pPr lvl="0"/>
+            <a:r>
+              <a:rPr lang="ko-KR" altLang="en-US"/>
+              <a:t>서버가 받았을때 밑의 이미지처럼 동작하게 된다</a:t>
+            </a:r>
+            <a:r>
+              <a:rPr lang="en-US" altLang="ko-KR"/>
+              <a:t>.</a:t>
+            </a:r>
+            <a:endParaRPr lang="en-US" altLang="ko-KR"/>
+          </a:p>
+          <a:p>
+            <a:pPr lvl="0"/>
+            <a:endParaRPr lang="en-US" altLang="ko-KR"/>
+          </a:p>
+          <a:p>
+            <a:pPr lvl="0"/>
+            <a:endParaRPr lang="en-US" altLang="ko-KR"/>
+          </a:p>
+          <a:p>
+            <a:pPr lvl="0"/>
+            <a:r>
+              <a:rPr lang="en-US" altLang="ko-KR" b="1"/>
+              <a:t>4 way handshaking </a:t>
+            </a:r>
+            <a:r>
+              <a:rPr lang="ko-KR" altLang="en-US" b="1"/>
+              <a:t>을 유도</a:t>
+            </a:r>
+            <a:r>
+              <a:rPr lang="ko-KR" altLang="en-US"/>
+              <a:t>하기 위해서 우리는</a:t>
+            </a:r>
+            <a:endParaRPr lang="ko-KR" altLang="en-US"/>
+          </a:p>
+          <a:p>
+            <a:pPr lvl="0"/>
+            <a:r>
+              <a:rPr lang="ko-KR" altLang="en-US"/>
               <a:t> </a:t>
             </a:r>
-            <a:r>
-              <a:rPr lang="ko-KR" altLang="en-US" dirty="0" err="1" smtClean="0"/>
-              <a:t>연결요청을</a:t>
-            </a:r>
-            <a:r>
-              <a:rPr lang="ko-KR" altLang="en-US" dirty="0" smtClean="0"/>
-              <a:t> </a:t>
-            </a:r>
-            <a:r>
-              <a:rPr lang="ko-KR" altLang="en-US" dirty="0" err="1" smtClean="0"/>
-              <a:t>보낼때</a:t>
-            </a:r>
-            <a:r>
-              <a:rPr lang="ko-KR" altLang="en-US" dirty="0" smtClean="0"/>
-              <a:t> </a:t>
-            </a:r>
-            <a:r>
-              <a:rPr lang="en-US" altLang="ko-KR" dirty="0" err="1" smtClean="0"/>
-              <a:t>closesocket</a:t>
-            </a:r>
-            <a:r>
-              <a:rPr lang="en-US" altLang="ko-KR" dirty="0" smtClean="0"/>
-              <a:t> option </a:t>
-            </a:r>
-            <a:r>
-              <a:rPr lang="ko-KR" altLang="en-US" dirty="0" smtClean="0"/>
-              <a:t>상태가 </a:t>
-            </a:r>
-            <a:endParaRPr lang="en-US" altLang="ko-KR" dirty="0" smtClean="0"/>
-          </a:p>
-          <a:p>
-            <a:r>
-              <a:rPr lang="ko-KR" altLang="en-US" dirty="0" smtClean="0"/>
-              <a:t>다르지 않다면 </a:t>
-            </a:r>
-            <a:r>
-              <a:rPr lang="en-US" altLang="ko-KR" dirty="0" smtClean="0"/>
-              <a:t>FIN </a:t>
-            </a:r>
-            <a:r>
-              <a:rPr lang="ko-KR" altLang="en-US" dirty="0" smtClean="0"/>
-              <a:t>을 발생하지 않고 바로 종료해버려 </a:t>
-            </a:r>
-            <a:endParaRPr lang="en-US" altLang="ko-KR" dirty="0" smtClean="0"/>
-          </a:p>
-          <a:p>
-            <a:r>
-              <a:rPr lang="ko-KR" altLang="en-US" dirty="0" smtClean="0"/>
-              <a:t>서버</a:t>
-            </a:r>
-            <a:r>
-              <a:rPr lang="ko-KR" altLang="en-US" dirty="0"/>
-              <a:t>가</a:t>
-            </a:r>
-            <a:r>
-              <a:rPr lang="ko-KR" altLang="en-US" dirty="0" smtClean="0"/>
-              <a:t> </a:t>
-            </a:r>
-            <a:r>
-              <a:rPr lang="ko-KR" altLang="en-US" dirty="0" err="1" smtClean="0"/>
-              <a:t>받았을때</a:t>
-            </a:r>
-            <a:r>
-              <a:rPr lang="ko-KR" altLang="en-US" dirty="0" smtClean="0"/>
-              <a:t> 밑의 이미지처럼 동작하게 된다</a:t>
-            </a:r>
-            <a:r>
-              <a:rPr lang="en-US" altLang="ko-KR" dirty="0" smtClean="0"/>
+            <a:endParaRPr lang="ko-KR" altLang="en-US"/>
+          </a:p>
+          <a:p>
+            <a:pPr lvl="0"/>
+            <a:r>
+              <a:rPr lang="en-US" altLang="ko-KR"/>
+              <a:t>1.Shutdown(SD_SEND) </a:t>
+            </a:r>
+            <a:endParaRPr lang="en-US" altLang="ko-KR"/>
+          </a:p>
+          <a:p>
+            <a:pPr lvl="0"/>
+            <a:endParaRPr lang="en-US" altLang="ko-KR"/>
+          </a:p>
+          <a:p>
+            <a:pPr lvl="0"/>
+            <a:r>
+              <a:rPr lang="en-US" altLang="ko-KR"/>
+              <a:t>2.socket option onoff</a:t>
+            </a:r>
+            <a:r>
+              <a:rPr lang="ko-KR" altLang="en-US"/>
+              <a:t>를 </a:t>
+            </a:r>
+            <a:r>
+              <a:rPr lang="en-US" altLang="ko-KR"/>
+              <a:t>1</a:t>
+            </a:r>
+            <a:r>
+              <a:rPr lang="ko-KR" altLang="en-US"/>
+              <a:t>로 설정해주고 </a:t>
+            </a:r>
+            <a:r>
+              <a:rPr lang="en-US" altLang="ko-KR"/>
+              <a:t>linger </a:t>
+            </a:r>
+            <a:r>
+              <a:rPr lang="ko-KR" altLang="en-US"/>
+              <a:t>값을 설정한 후 </a:t>
+            </a:r>
+            <a:endParaRPr lang="ko-KR" altLang="en-US"/>
+          </a:p>
+          <a:p>
+            <a:pPr lvl="0"/>
+            <a:r>
+              <a:rPr lang="en-US" altLang="ko-KR"/>
+              <a:t>Closesocket()</a:t>
+            </a:r>
+            <a:r>
+              <a:rPr lang="ko-KR" altLang="en-US"/>
+              <a:t>을 한다</a:t>
+            </a:r>
+            <a:r>
+              <a:rPr lang="en-US" altLang="ko-KR"/>
               <a:t>.</a:t>
             </a:r>
-          </a:p>
-          <a:p>
-            <a:endParaRPr lang="en-US" altLang="ko-KR" dirty="0"/>
-          </a:p>
-          <a:p>
-            <a:endParaRPr lang="en-US" altLang="ko-KR" dirty="0"/>
-          </a:p>
-          <a:p>
-            <a:r>
-              <a:rPr lang="en-US" altLang="ko-KR" b="1" dirty="0" smtClean="0"/>
-              <a:t>4 way handshaking </a:t>
-            </a:r>
-            <a:r>
-              <a:rPr lang="ko-KR" altLang="en-US" b="1" dirty="0" smtClean="0"/>
-              <a:t>을 유도</a:t>
-            </a:r>
-            <a:r>
-              <a:rPr lang="ko-KR" altLang="en-US" dirty="0" smtClean="0"/>
-              <a:t>하기 위해서 우리는</a:t>
-            </a:r>
-            <a:endParaRPr lang="en-US" altLang="ko-KR" dirty="0" smtClean="0"/>
-          </a:p>
-          <a:p>
-            <a:r>
-              <a:rPr lang="ko-KR" altLang="en-US" dirty="0" smtClean="0"/>
-              <a:t> </a:t>
-            </a:r>
-            <a:endParaRPr lang="en-US" altLang="ko-KR" dirty="0" smtClean="0"/>
-          </a:p>
-          <a:p>
-            <a:r>
-              <a:rPr lang="en-US" altLang="ko-KR" dirty="0" smtClean="0"/>
-              <a:t>1.Shutdown(SD_SEND) </a:t>
-            </a:r>
-          </a:p>
-          <a:p>
-            <a:endParaRPr lang="en-US" altLang="ko-KR" dirty="0" smtClean="0"/>
-          </a:p>
-          <a:p>
-            <a:r>
-              <a:rPr lang="en-US" altLang="ko-KR" dirty="0" smtClean="0"/>
-              <a:t>2.socket option </a:t>
-            </a:r>
-            <a:r>
-              <a:rPr lang="en-US" altLang="ko-KR" dirty="0" err="1" smtClean="0"/>
-              <a:t>onoff</a:t>
-            </a:r>
-            <a:r>
-              <a:rPr lang="ko-KR" altLang="en-US" dirty="0" smtClean="0"/>
-              <a:t>를 </a:t>
-            </a:r>
-            <a:r>
-              <a:rPr lang="en-US" altLang="ko-KR" dirty="0" smtClean="0"/>
-              <a:t>1</a:t>
-            </a:r>
-            <a:r>
-              <a:rPr lang="ko-KR" altLang="en-US" dirty="0" smtClean="0"/>
-              <a:t>로 설정해주고 </a:t>
-            </a:r>
-            <a:r>
-              <a:rPr lang="en-US" altLang="ko-KR" dirty="0" smtClean="0"/>
-              <a:t>linger </a:t>
-            </a:r>
-            <a:r>
-              <a:rPr lang="ko-KR" altLang="en-US" dirty="0" smtClean="0"/>
-              <a:t>값을 설정한 후 </a:t>
-            </a:r>
-            <a:endParaRPr lang="en-US" altLang="ko-KR" dirty="0" smtClean="0"/>
-          </a:p>
-          <a:p>
-            <a:r>
-              <a:rPr lang="en-US" altLang="ko-KR" dirty="0" err="1" smtClean="0"/>
-              <a:t>Closesocket</a:t>
-            </a:r>
-            <a:r>
-              <a:rPr lang="en-US" altLang="ko-KR" dirty="0" smtClean="0"/>
-              <a:t>()</a:t>
-            </a:r>
-            <a:r>
-              <a:rPr lang="ko-KR" altLang="en-US" dirty="0" smtClean="0"/>
-              <a:t>을 한다</a:t>
-            </a:r>
-            <a:r>
-              <a:rPr lang="en-US" altLang="ko-KR" dirty="0" smtClean="0"/>
+            <a:endParaRPr lang="en-US" altLang="ko-KR"/>
+          </a:p>
+          <a:p>
+            <a:pPr lvl="0"/>
+            <a:endParaRPr lang="en-US" altLang="ko-KR"/>
+          </a:p>
+          <a:p>
+            <a:pPr lvl="0"/>
+            <a:r>
+              <a:rPr lang="ko-KR" altLang="en-US"/>
+              <a:t>둘 중 하나의 방식을 선택한다</a:t>
+            </a:r>
+            <a:r>
+              <a:rPr lang="en-US" altLang="ko-KR"/>
               <a:t>.</a:t>
             </a:r>
-          </a:p>
-          <a:p>
-            <a:endParaRPr lang="en-US" altLang="ko-KR" dirty="0"/>
-          </a:p>
-          <a:p>
-            <a:r>
-              <a:rPr lang="ko-KR" altLang="en-US" dirty="0" smtClean="0"/>
-              <a:t>둘 중 하나의 방식을 선택한다</a:t>
-            </a:r>
-            <a:r>
-              <a:rPr lang="en-US" altLang="ko-KR" dirty="0" smtClean="0"/>
-              <a:t>.</a:t>
-            </a:r>
-            <a:endParaRPr lang="ko-KR" altLang="en-US" dirty="0"/>
+            <a:endParaRPr lang="ko-KR" altLang="en-US"/>
           </a:p>
         </p:txBody>
       </p:sp>
@@ -5445,8 +5325,11 @@
           </p:cNvPicPr>
           <p:nvPr/>
         </p:nvPicPr>
-        <p:blipFill>
-          <a:blip r:embed="rId3"/>
+        <p:blipFill rotWithShape="1">
+          <a:blip r:embed="rId3">
+            <a:alphaModFix/>
+            <a:lum/>
+          </a:blip>
           <a:stretch>
             <a:fillRect/>
           </a:stretch>
@@ -5462,27 +5345,15 @@
         </p:spPr>
       </p:pic>
     </p:spTree>
-    <p:extLst>
-      <p:ext uri="{BB962C8B-B14F-4D97-AF65-F5344CB8AC3E}">
-        <p14:creationId xmlns:p14="http://schemas.microsoft.com/office/powerpoint/2010/main" val="1379310330"/>
-      </p:ext>
-    </p:extLst>
   </p:cSld>
   <p:clrMapOvr>
     <a:masterClrMapping/>
   </p:clrMapOvr>
-  <p:timing>
-    <p:tnLst>
-      <p:par>
-        <p:cTn id="1" dur="indefinite" restart="never" nodeType="tmRoot"/>
-      </p:par>
-    </p:tnLst>
-  </p:timing>
 </p:sld>
 </file>
 
 <file path=ppt/slides/slide21.xml><?xml version="1.0" encoding="utf-8"?>
-<p:sld xmlns:a="http://schemas.openxmlformats.org/drawingml/2006/main" xmlns:r="http://schemas.openxmlformats.org/officeDocument/2006/relationships" xmlns:p="http://schemas.openxmlformats.org/presentationml/2006/main">
+<p:sld xmlns:r="http://schemas.openxmlformats.org/officeDocument/2006/relationships" xmlns:c="http://schemas.openxmlformats.org/drawingml/2006/chart" xmlns:a="http://schemas.openxmlformats.org/drawingml/2006/main" xmlns:dgm="http://schemas.openxmlformats.org/drawingml/2006/diagram" xmlns:dsp="http://schemas.microsoft.com/office/drawing/2008/diagram" xmlns:p="http://schemas.openxmlformats.org/presentationml/2006/main">
   <p:cSld>
     <p:spTree>
       <p:nvGrpSpPr>
@@ -5506,8 +5377,11 @@
           </p:cNvPicPr>
           <p:nvPr/>
         </p:nvPicPr>
-        <p:blipFill>
-          <a:blip r:embed="rId2"/>
+        <p:blipFill rotWithShape="1">
+          <a:blip r:embed="rId2">
+            <a:alphaModFix/>
+            <a:lum/>
+          </a:blip>
           <a:stretch>
             <a:fillRect/>
           </a:stretch>
@@ -5531,7 +5405,7 @@
         <p:spPr>
           <a:xfrm>
             <a:off x="4789488" y="1270000"/>
-            <a:ext cx="7069564" cy="2862322"/>
+            <a:ext cx="6989127" cy="2833370"/>
           </a:xfrm>
           <a:prstGeom prst="rect">
             <a:avLst/>
@@ -5539,136 +5413,121 @@
           <a:noFill/>
         </p:spPr>
         <p:txBody>
-          <a:bodyPr wrap="none" rtlCol="0">
+          <a:bodyPr wrap="none">
             <a:spAutoFit/>
           </a:bodyPr>
           <a:lstStyle/>
           <a:p>
-            <a:r>
-              <a:rPr lang="ko-KR" altLang="en-US" dirty="0" smtClean="0"/>
+            <a:pPr lvl="0"/>
+            <a:r>
+              <a:rPr lang="ko-KR" altLang="en-US"/>
               <a:t>수신자가 전송할 데이터가 남아있다면 이어서 계속 전송한 후 </a:t>
             </a:r>
-            <a:endParaRPr lang="en-US" altLang="ko-KR" dirty="0" smtClean="0"/>
-          </a:p>
-          <a:p>
-            <a:r>
-              <a:rPr lang="ko-KR" altLang="en-US" dirty="0" smtClean="0"/>
-              <a:t>모든 전송이 </a:t>
-            </a:r>
-            <a:r>
-              <a:rPr lang="ko-KR" altLang="en-US" dirty="0" err="1" smtClean="0"/>
-              <a:t>끝났을때</a:t>
-            </a:r>
-            <a:r>
-              <a:rPr lang="ko-KR" altLang="en-US" dirty="0" smtClean="0"/>
-              <a:t> </a:t>
-            </a:r>
-            <a:r>
-              <a:rPr lang="en-US" altLang="ko-KR" dirty="0" smtClean="0"/>
+            <a:endParaRPr lang="ko-KR" altLang="en-US"/>
+          </a:p>
+          <a:p>
+            <a:pPr lvl="0"/>
+            <a:r>
+              <a:rPr lang="ko-KR" altLang="en-US"/>
+              <a:t>모든 전송이 끝났을때 </a:t>
+            </a:r>
+            <a:r>
+              <a:rPr lang="en-US" altLang="ko-KR"/>
               <a:t>close or shutdown()</a:t>
             </a:r>
             <a:r>
-              <a:rPr lang="ko-KR" altLang="en-US" dirty="0" smtClean="0"/>
+              <a:rPr lang="ko-KR" altLang="en-US"/>
               <a:t>이 수행된다</a:t>
             </a:r>
             <a:r>
-              <a:rPr lang="en-US" altLang="ko-KR" dirty="0" smtClean="0"/>
+              <a:rPr lang="en-US" altLang="ko-KR"/>
               <a:t>.</a:t>
             </a:r>
-          </a:p>
-          <a:p>
-            <a:endParaRPr lang="en-US" altLang="ko-KR" dirty="0"/>
-          </a:p>
-          <a:p>
-            <a:r>
-              <a:rPr lang="ko-KR" altLang="en-US" dirty="0" smtClean="0"/>
+            <a:endParaRPr lang="en-US" altLang="ko-KR"/>
+          </a:p>
+          <a:p>
+            <a:pPr lvl="0"/>
+            <a:endParaRPr lang="en-US" altLang="ko-KR"/>
+          </a:p>
+          <a:p>
+            <a:pPr lvl="0"/>
+            <a:r>
+              <a:rPr lang="ko-KR" altLang="en-US"/>
               <a:t>따라서 요청자로부터 </a:t>
             </a:r>
             <a:r>
-              <a:rPr lang="en-US" altLang="ko-KR" dirty="0" smtClean="0"/>
+              <a:rPr lang="en-US" altLang="ko-KR"/>
               <a:t>fin </a:t>
             </a:r>
             <a:r>
-              <a:rPr lang="ko-KR" altLang="en-US" dirty="0" smtClean="0"/>
+              <a:rPr lang="ko-KR" altLang="en-US"/>
               <a:t>을 받은 후 수신자는 임시로 </a:t>
             </a:r>
             <a:r>
-              <a:rPr lang="en-US" altLang="ko-KR" dirty="0" err="1" smtClean="0"/>
+              <a:rPr lang="en-US" altLang="ko-KR"/>
               <a:t>ack</a:t>
             </a:r>
             <a:r>
-              <a:rPr lang="ko-KR" altLang="en-US" dirty="0" smtClean="0"/>
+              <a:rPr lang="ko-KR" altLang="en-US"/>
               <a:t>를 보내서</a:t>
             </a:r>
-            <a:endParaRPr lang="en-US" altLang="ko-KR" dirty="0" smtClean="0"/>
-          </a:p>
-          <a:p>
-            <a:r>
-              <a:rPr lang="ko-KR" altLang="en-US" dirty="0" smtClean="0"/>
-              <a:t>일단은 알았어 </a:t>
-            </a:r>
-            <a:r>
-              <a:rPr lang="ko-KR" altLang="en-US" dirty="0" err="1" smtClean="0"/>
-              <a:t>라고</a:t>
-            </a:r>
-            <a:r>
-              <a:rPr lang="ko-KR" altLang="en-US" dirty="0" smtClean="0"/>
-              <a:t> 신호를 보내주고 패킷들을 처리한 뒤 </a:t>
-            </a:r>
-            <a:endParaRPr lang="en-US" altLang="ko-KR" dirty="0" smtClean="0"/>
-          </a:p>
-          <a:p>
-            <a:r>
-              <a:rPr lang="en-US" altLang="ko-KR" dirty="0" smtClean="0"/>
+            <a:endParaRPr lang="ko-KR" altLang="en-US"/>
+          </a:p>
+          <a:p>
+            <a:pPr lvl="0"/>
+            <a:r>
+              <a:rPr lang="ko-KR" altLang="en-US"/>
+              <a:t>일단은 알았어 라고 신호를 보내주고 패킷들을 처리한 뒤 </a:t>
+            </a:r>
+            <a:endParaRPr lang="ko-KR" altLang="en-US"/>
+          </a:p>
+          <a:p>
+            <a:pPr lvl="0"/>
+            <a:r>
+              <a:rPr lang="en-US" altLang="ko-KR"/>
               <a:t>Close </a:t>
             </a:r>
             <a:r>
-              <a:rPr lang="ko-KR" altLang="en-US" dirty="0" smtClean="0"/>
+              <a:rPr lang="ko-KR" altLang="en-US"/>
               <a:t>를 수행한다</a:t>
             </a:r>
             <a:r>
-              <a:rPr lang="en-US" altLang="ko-KR" dirty="0" smtClean="0"/>
+              <a:rPr lang="en-US" altLang="ko-KR"/>
               <a:t>.</a:t>
             </a:r>
-          </a:p>
-          <a:p>
-            <a:endParaRPr lang="en-US" altLang="ko-KR" dirty="0"/>
-          </a:p>
-          <a:p>
-            <a:endParaRPr lang="en-US" altLang="ko-KR" dirty="0" smtClean="0"/>
-          </a:p>
-          <a:p>
-            <a:r>
-              <a:rPr lang="ko-KR" altLang="en-US" dirty="0" smtClean="0"/>
-              <a:t>만약 이때 수신자에서 연결 </a:t>
-            </a:r>
-            <a:r>
-              <a:rPr lang="ko-KR" altLang="en-US" dirty="0" err="1" smtClean="0"/>
-              <a:t>종료함수를</a:t>
-            </a:r>
-            <a:r>
-              <a:rPr lang="ko-KR" altLang="en-US" dirty="0" smtClean="0"/>
-              <a:t> 호출하지 않으면 </a:t>
-            </a:r>
-            <a:endParaRPr lang="en-US" altLang="ko-KR" dirty="0" smtClean="0"/>
-          </a:p>
-          <a:p>
-            <a:r>
-              <a:rPr lang="ko-KR" altLang="en-US" b="1" dirty="0" err="1" smtClean="0"/>
-              <a:t>데드락이</a:t>
-            </a:r>
-            <a:r>
-              <a:rPr lang="ko-KR" altLang="en-US" b="1" dirty="0" smtClean="0"/>
-              <a:t> 발생할 가능성</a:t>
-            </a:r>
-            <a:r>
-              <a:rPr lang="ko-KR" altLang="en-US" dirty="0" smtClean="0"/>
+            <a:endParaRPr lang="en-US" altLang="ko-KR"/>
+          </a:p>
+          <a:p>
+            <a:pPr lvl="0"/>
+            <a:endParaRPr lang="en-US" altLang="ko-KR"/>
+          </a:p>
+          <a:p>
+            <a:pPr lvl="0"/>
+            <a:endParaRPr lang="en-US" altLang="ko-KR"/>
+          </a:p>
+          <a:p>
+            <a:pPr lvl="0"/>
+            <a:r>
+              <a:rPr lang="ko-KR" altLang="en-US"/>
+              <a:t>만약 이때 수신자에서 연결 종료함수를 호출하지 않으면 </a:t>
+            </a:r>
+            <a:endParaRPr lang="ko-KR" altLang="en-US"/>
+          </a:p>
+          <a:p>
+            <a:pPr lvl="0"/>
+            <a:r>
+              <a:rPr lang="ko-KR" altLang="en-US" b="1"/>
+              <a:t>데드락이 발생할 가능성</a:t>
+            </a:r>
+            <a:r>
+              <a:rPr lang="ko-KR" altLang="en-US"/>
               <a:t>이 있다</a:t>
             </a:r>
             <a:r>
-              <a:rPr lang="en-US" altLang="ko-KR" dirty="0" smtClean="0"/>
+              <a:rPr lang="en-US" altLang="ko-KR"/>
               <a:t>.</a:t>
             </a:r>
+            <a:endParaRPr lang="en-US" altLang="ko-KR"/>
           </a:p>
         </p:txBody>
       </p:sp>
@@ -5680,8 +5539,11 @@
           </p:cNvPicPr>
           <p:nvPr/>
         </p:nvPicPr>
-        <p:blipFill>
-          <a:blip r:embed="rId3"/>
+        <p:blipFill rotWithShape="1">
+          <a:blip r:embed="rId3">
+            <a:alphaModFix/>
+            <a:lum/>
+          </a:blip>
           <a:stretch>
             <a:fillRect/>
           </a:stretch>
@@ -5697,27 +5559,15 @@
         </p:spPr>
       </p:pic>
     </p:spTree>
-    <p:extLst>
-      <p:ext uri="{BB962C8B-B14F-4D97-AF65-F5344CB8AC3E}">
-        <p14:creationId xmlns:p14="http://schemas.microsoft.com/office/powerpoint/2010/main" val="864315954"/>
-      </p:ext>
-    </p:extLst>
   </p:cSld>
   <p:clrMapOvr>
     <a:masterClrMapping/>
   </p:clrMapOvr>
-  <p:timing>
-    <p:tnLst>
-      <p:par>
-        <p:cTn id="1" dur="indefinite" restart="never" nodeType="tmRoot"/>
-      </p:par>
-    </p:tnLst>
-  </p:timing>
 </p:sld>
 </file>
 
 <file path=ppt/slides/slide22.xml><?xml version="1.0" encoding="utf-8"?>
-<p:sld xmlns:a="http://schemas.openxmlformats.org/drawingml/2006/main" xmlns:r="http://schemas.openxmlformats.org/officeDocument/2006/relationships" xmlns:p="http://schemas.openxmlformats.org/presentationml/2006/main">
+<p:sld xmlns:r="http://schemas.openxmlformats.org/officeDocument/2006/relationships" xmlns:c="http://schemas.openxmlformats.org/drawingml/2006/chart" xmlns:a="http://schemas.openxmlformats.org/drawingml/2006/main" xmlns:dgm="http://schemas.openxmlformats.org/drawingml/2006/diagram" xmlns:dsp="http://schemas.microsoft.com/office/drawing/2008/diagram" xmlns:p="http://schemas.openxmlformats.org/presentationml/2006/main">
   <p:cSld>
     <p:spTree>
       <p:nvGrpSpPr>
@@ -5741,8 +5591,11 @@
           </p:cNvPicPr>
           <p:nvPr/>
         </p:nvPicPr>
-        <p:blipFill>
-          <a:blip r:embed="rId2"/>
+        <p:blipFill rotWithShape="1">
+          <a:blip r:embed="rId2">
+            <a:alphaModFix/>
+            <a:lum/>
+          </a:blip>
           <a:stretch>
             <a:fillRect/>
           </a:stretch>
@@ -5765,8 +5618,8 @@
         </p:nvSpPr>
         <p:spPr>
           <a:xfrm>
-            <a:off x="4740921" y="1942663"/>
-            <a:ext cx="7451079" cy="2585323"/>
+            <a:off x="4740920" y="1942663"/>
+            <a:ext cx="7371069" cy="2551232"/>
           </a:xfrm>
           <a:prstGeom prst="rect">
             <a:avLst/>
@@ -5774,142 +5627,130 @@
           <a:noFill/>
         </p:spPr>
         <p:txBody>
-          <a:bodyPr wrap="none" rtlCol="0">
+          <a:bodyPr wrap="none">
             <a:spAutoFit/>
           </a:bodyPr>
           <a:lstStyle/>
           <a:p>
-            <a:r>
-              <a:rPr lang="ko-KR" altLang="en-US" dirty="0" err="1" smtClean="0"/>
-              <a:t>요청자는</a:t>
-            </a:r>
-            <a:r>
-              <a:rPr lang="ko-KR" altLang="en-US" dirty="0" smtClean="0"/>
-              <a:t> 수신자로부터 승인번호를 받고 자신이 보냈던 시퀀스 번호와</a:t>
-            </a:r>
-            <a:endParaRPr lang="en-US" altLang="ko-KR" dirty="0" smtClean="0"/>
-          </a:p>
-          <a:p>
-            <a:r>
-              <a:rPr lang="en-US" altLang="ko-KR" dirty="0" smtClean="0"/>
+            <a:pPr lvl="0"/>
+            <a:r>
+              <a:rPr lang="ko-KR" altLang="en-US"/>
+              <a:t>요청자는 수신자로부터 승인번호를 받고 자신이 보냈던 시퀀스 번호와</a:t>
+            </a:r>
+            <a:endParaRPr lang="ko-KR" altLang="en-US"/>
+          </a:p>
+          <a:p>
+            <a:pPr lvl="0"/>
+            <a:r>
+              <a:rPr lang="en-US" altLang="ko-KR"/>
               <a:t>1 </a:t>
             </a:r>
             <a:r>
-              <a:rPr lang="ko-KR" altLang="en-US" dirty="0" smtClean="0"/>
+              <a:rPr lang="ko-KR" altLang="en-US"/>
               <a:t>차이가 나는지 확인</a:t>
             </a:r>
             <a:r>
-              <a:rPr lang="en-US" altLang="ko-KR" dirty="0" smtClean="0"/>
+              <a:rPr lang="en-US" altLang="ko-KR"/>
               <a:t>.</a:t>
             </a:r>
-          </a:p>
-          <a:p>
-            <a:endParaRPr lang="en-US" altLang="ko-KR" dirty="0"/>
-          </a:p>
-          <a:p>
-            <a:r>
-              <a:rPr lang="ko-KR" altLang="en-US" dirty="0" smtClean="0"/>
-              <a:t>수신자의 데이터 전송이 안 </a:t>
-            </a:r>
-            <a:r>
-              <a:rPr lang="ko-KR" altLang="en-US" dirty="0" err="1" smtClean="0"/>
-              <a:t>끝났을수</a:t>
-            </a:r>
-            <a:r>
-              <a:rPr lang="ko-KR" altLang="en-US" dirty="0" smtClean="0"/>
-              <a:t> 있기 때문에 </a:t>
-            </a:r>
-            <a:endParaRPr lang="en-US" altLang="ko-KR" dirty="0"/>
-          </a:p>
-          <a:p>
-            <a:r>
-              <a:rPr lang="en-US" altLang="ko-KR" dirty="0" smtClean="0"/>
+            <a:endParaRPr lang="en-US" altLang="ko-KR"/>
+          </a:p>
+          <a:p>
+            <a:pPr lvl="0"/>
+            <a:endParaRPr lang="en-US" altLang="ko-KR"/>
+          </a:p>
+          <a:p>
+            <a:pPr lvl="0"/>
+            <a:r>
+              <a:rPr lang="ko-KR" altLang="en-US"/>
+              <a:t>수신자의 데이터 전송이 안 끝났을수 있기 때문에 </a:t>
+            </a:r>
+            <a:endParaRPr lang="ko-KR" altLang="en-US"/>
+          </a:p>
+          <a:p>
+            <a:pPr lvl="0"/>
+            <a:r>
+              <a:rPr lang="en-US" altLang="ko-KR"/>
               <a:t>FIN_WAIT2 </a:t>
             </a:r>
             <a:r>
-              <a:rPr lang="ko-KR" altLang="en-US" dirty="0" smtClean="0"/>
+              <a:rPr lang="ko-KR" altLang="en-US"/>
               <a:t>상태에 들어가 수신자가 </a:t>
             </a:r>
             <a:r>
-              <a:rPr lang="en-US" altLang="ko-KR" dirty="0" smtClean="0"/>
+              <a:rPr lang="en-US" altLang="ko-KR"/>
               <a:t>FIN </a:t>
             </a:r>
             <a:r>
-              <a:rPr lang="ko-KR" altLang="en-US" dirty="0" smtClean="0"/>
+              <a:rPr lang="ko-KR" altLang="en-US"/>
               <a:t>패킷을 보내줄 때 까지 대기</a:t>
             </a:r>
             <a:r>
-              <a:rPr lang="en-US" altLang="ko-KR" dirty="0" smtClean="0"/>
+              <a:rPr lang="en-US" altLang="ko-KR"/>
               <a:t>.</a:t>
             </a:r>
-          </a:p>
-          <a:p>
-            <a:endParaRPr lang="en-US" altLang="ko-KR" dirty="0"/>
-          </a:p>
-          <a:p>
-            <a:r>
-              <a:rPr lang="ko-KR" altLang="en-US" dirty="0" smtClean="0"/>
+            <a:endParaRPr lang="en-US" altLang="ko-KR"/>
+          </a:p>
+          <a:p>
+            <a:pPr lvl="0"/>
+            <a:endParaRPr lang="en-US" altLang="ko-KR"/>
+          </a:p>
+          <a:p>
+            <a:pPr lvl="0"/>
+            <a:r>
+              <a:rPr lang="ko-KR" altLang="en-US"/>
               <a:t>하지만 앞서 설명 했듯이 </a:t>
             </a:r>
             <a:r>
-              <a:rPr lang="en-US" altLang="ko-KR" dirty="0" smtClean="0"/>
+              <a:rPr lang="en-US" altLang="ko-KR"/>
               <a:t>Time out </a:t>
             </a:r>
             <a:r>
-              <a:rPr lang="ko-KR" altLang="en-US" dirty="0" smtClean="0"/>
+              <a:rPr lang="ko-KR" altLang="en-US"/>
               <a:t>시간이 있어서 </a:t>
             </a:r>
-            <a:endParaRPr lang="en-US" altLang="ko-KR" dirty="0" smtClean="0"/>
-          </a:p>
-          <a:p>
-            <a:r>
-              <a:rPr lang="ko-KR" altLang="en-US" dirty="0" smtClean="0"/>
+            <a:endParaRPr lang="ko-KR" altLang="en-US"/>
+          </a:p>
+          <a:p>
+            <a:pPr lvl="0"/>
+            <a:r>
+              <a:rPr lang="ko-KR" altLang="en-US"/>
               <a:t>수신자가 만약 </a:t>
             </a:r>
             <a:r>
-              <a:rPr lang="en-US" altLang="ko-KR" dirty="0" smtClean="0"/>
+              <a:rPr lang="en-US" altLang="ko-KR"/>
               <a:t>close</a:t>
             </a:r>
             <a:r>
-              <a:rPr lang="ko-KR" altLang="en-US" dirty="0" smtClean="0"/>
+              <a:rPr lang="ko-KR" altLang="en-US"/>
               <a:t>를 하지 않는다 해도 일정 시간이 경과하면 </a:t>
             </a:r>
-            <a:endParaRPr lang="en-US" altLang="ko-KR" dirty="0" smtClean="0"/>
-          </a:p>
-          <a:p>
-            <a:r>
-              <a:rPr lang="ko-KR" altLang="en-US" dirty="0" smtClean="0"/>
+            <a:endParaRPr lang="ko-KR" altLang="en-US"/>
+          </a:p>
+          <a:p>
+            <a:pPr lvl="0"/>
+            <a:r>
+              <a:rPr lang="ko-KR" altLang="en-US"/>
               <a:t>다음 단계로 넘어간다</a:t>
             </a:r>
             <a:r>
-              <a:rPr lang="en-US" altLang="ko-KR" dirty="0" smtClean="0"/>
+              <a:rPr lang="en-US" altLang="ko-KR"/>
               <a:t>.</a:t>
             </a:r>
+            <a:endParaRPr lang="en-US" altLang="ko-KR"/>
           </a:p>
         </p:txBody>
       </p:sp>
     </p:spTree>
-    <p:extLst>
-      <p:ext uri="{BB962C8B-B14F-4D97-AF65-F5344CB8AC3E}">
-        <p14:creationId xmlns:p14="http://schemas.microsoft.com/office/powerpoint/2010/main" val="399506405"/>
-      </p:ext>
-    </p:extLst>
   </p:cSld>
   <p:clrMapOvr>
     <a:masterClrMapping/>
   </p:clrMapOvr>
-  <p:timing>
-    <p:tnLst>
-      <p:par>
-        <p:cTn id="1" dur="indefinite" restart="never" nodeType="tmRoot"/>
-      </p:par>
-    </p:tnLst>
-  </p:timing>
 </p:sld>
 </file>
 
 <file path=ppt/slides/slide23.xml><?xml version="1.0" encoding="utf-8"?>
-<p:sld xmlns:a="http://schemas.openxmlformats.org/drawingml/2006/main" xmlns:r="http://schemas.openxmlformats.org/officeDocument/2006/relationships" xmlns:p="http://schemas.openxmlformats.org/presentationml/2006/main">
+<p:sld xmlns:r="http://schemas.openxmlformats.org/officeDocument/2006/relationships" xmlns:c="http://schemas.openxmlformats.org/drawingml/2006/chart" xmlns:a="http://schemas.openxmlformats.org/drawingml/2006/main" xmlns:dgm="http://schemas.openxmlformats.org/drawingml/2006/diagram" xmlns:dsp="http://schemas.microsoft.com/office/drawing/2008/diagram" xmlns:p="http://schemas.openxmlformats.org/presentationml/2006/main">
   <p:cSld>
     <p:spTree>
       <p:nvGrpSpPr>
@@ -5933,8 +5774,11 @@
           </p:cNvPicPr>
           <p:nvPr/>
         </p:nvPicPr>
-        <p:blipFill>
-          <a:blip r:embed="rId2"/>
+        <p:blipFill rotWithShape="1">
+          <a:blip r:embed="rId2">
+            <a:alphaModFix/>
+            <a:lum/>
+          </a:blip>
           <a:stretch>
             <a:fillRect/>
           </a:stretch>
@@ -5958,7 +5802,7 @@
         <p:spPr>
           <a:xfrm>
             <a:off x="4673600" y="1968500"/>
-            <a:ext cx="7234673" cy="2308324"/>
+            <a:ext cx="7152640" cy="2287270"/>
           </a:xfrm>
           <a:prstGeom prst="rect">
             <a:avLst/>
@@ -5966,147 +5810,118 @@
           <a:noFill/>
         </p:spPr>
         <p:txBody>
-          <a:bodyPr wrap="none" rtlCol="0">
+          <a:bodyPr wrap="none">
             <a:spAutoFit/>
           </a:bodyPr>
           <a:lstStyle/>
           <a:p>
-            <a:r>
-              <a:rPr lang="ko-KR" altLang="en-US" dirty="0" smtClean="0"/>
+            <a:pPr lvl="0"/>
+            <a:r>
+              <a:rPr lang="ko-KR" altLang="en-US"/>
               <a:t>수신자는  더 이상 처리할 데이터가 없으면 연결을 종료하는 함수를 </a:t>
             </a:r>
-            <a:endParaRPr lang="en-US" altLang="ko-KR" dirty="0" smtClean="0"/>
-          </a:p>
-          <a:p>
-            <a:r>
-              <a:rPr lang="ko-KR" altLang="en-US" dirty="0" smtClean="0"/>
+            <a:endParaRPr lang="ko-KR" altLang="en-US"/>
+          </a:p>
+          <a:p>
+            <a:pPr lvl="0"/>
+            <a:r>
+              <a:rPr lang="ko-KR" altLang="en-US"/>
               <a:t>호출합니다 </a:t>
             </a:r>
             <a:r>
-              <a:rPr lang="en-US" altLang="ko-KR" dirty="0" smtClean="0"/>
+              <a:rPr lang="en-US" altLang="ko-KR"/>
               <a:t>( close )</a:t>
             </a:r>
-          </a:p>
-          <a:p>
-            <a:r>
-              <a:rPr lang="ko-KR" altLang="en-US" dirty="0" smtClean="0"/>
-              <a:t>그리고 </a:t>
-            </a:r>
-            <a:r>
-              <a:rPr lang="ko-KR" altLang="en-US" dirty="0" err="1" smtClean="0"/>
-              <a:t>요청자에게</a:t>
-            </a:r>
-            <a:r>
-              <a:rPr lang="ko-KR" altLang="en-US" dirty="0" smtClean="0"/>
-              <a:t> </a:t>
-            </a:r>
-            <a:r>
-              <a:rPr lang="en-US" altLang="ko-KR" dirty="0" smtClean="0"/>
+            <a:endParaRPr lang="en-US" altLang="ko-KR"/>
+          </a:p>
+          <a:p>
+            <a:pPr lvl="0"/>
+            <a:r>
+              <a:rPr lang="ko-KR" altLang="en-US"/>
+              <a:t>그리고 요청자에게 </a:t>
+            </a:r>
+            <a:r>
+              <a:rPr lang="en-US" altLang="ko-KR"/>
               <a:t>FIN </a:t>
             </a:r>
             <a:r>
-              <a:rPr lang="ko-KR" altLang="en-US" dirty="0" smtClean="0"/>
+              <a:rPr lang="ko-KR" altLang="en-US"/>
               <a:t>패킷을 보냅니다</a:t>
             </a:r>
             <a:r>
-              <a:rPr lang="en-US" altLang="ko-KR" dirty="0" smtClean="0"/>
+              <a:rPr lang="en-US" altLang="ko-KR"/>
               <a:t>.</a:t>
             </a:r>
-          </a:p>
-          <a:p>
-            <a:endParaRPr lang="en-US" altLang="ko-KR" dirty="0"/>
-          </a:p>
-          <a:p>
-            <a:r>
-              <a:rPr lang="ko-KR" altLang="en-US" dirty="0" smtClean="0"/>
+            <a:endParaRPr lang="en-US" altLang="ko-KR"/>
+          </a:p>
+          <a:p>
+            <a:pPr lvl="0"/>
+            <a:endParaRPr lang="en-US" altLang="ko-KR"/>
+          </a:p>
+          <a:p>
+            <a:pPr lvl="0"/>
+            <a:r>
+              <a:rPr lang="ko-KR" altLang="en-US"/>
               <a:t>이때 시퀀스 번호는 </a:t>
             </a:r>
             <a:r>
-              <a:rPr lang="en-US" altLang="ko-KR" dirty="0" smtClean="0"/>
+              <a:rPr lang="en-US" altLang="ko-KR"/>
               <a:t>+1 </a:t>
             </a:r>
             <a:r>
-              <a:rPr lang="ko-KR" altLang="en-US" dirty="0" smtClean="0"/>
+              <a:rPr lang="ko-KR" altLang="en-US"/>
               <a:t>없이 보내야 하는 순서에 맞는 </a:t>
             </a:r>
-            <a:endParaRPr lang="en-US" altLang="ko-KR" dirty="0" smtClean="0"/>
-          </a:p>
-          <a:p>
-            <a:r>
-              <a:rPr lang="ko-KR" altLang="en-US" dirty="0" smtClean="0"/>
+            <a:endParaRPr lang="ko-KR" altLang="en-US"/>
+          </a:p>
+          <a:p>
+            <a:pPr lvl="0"/>
+            <a:r>
+              <a:rPr lang="ko-KR" altLang="en-US"/>
               <a:t>시퀀스와 </a:t>
             </a:r>
             <a:r>
-              <a:rPr lang="en-US" altLang="ko-KR" dirty="0" err="1" smtClean="0"/>
-              <a:t>ack</a:t>
-            </a:r>
-            <a:r>
-              <a:rPr lang="en-US" altLang="ko-KR" dirty="0" smtClean="0"/>
-              <a:t> </a:t>
-            </a:r>
-            <a:r>
-              <a:rPr lang="ko-KR" altLang="en-US" dirty="0" smtClean="0"/>
-              <a:t>번호를 </a:t>
-            </a:r>
-            <a:r>
-              <a:rPr lang="ko-KR" altLang="en-US" dirty="0" err="1" smtClean="0"/>
-              <a:t>요청자에게</a:t>
-            </a:r>
-            <a:r>
-              <a:rPr lang="ko-KR" altLang="en-US" dirty="0" smtClean="0"/>
-              <a:t> 전송합니다</a:t>
-            </a:r>
-            <a:r>
-              <a:rPr lang="en-US" altLang="ko-KR" dirty="0" smtClean="0"/>
+              <a:rPr lang="en-US" altLang="ko-KR"/>
+              <a:t>ack </a:t>
+            </a:r>
+            <a:r>
+              <a:rPr lang="ko-KR" altLang="en-US"/>
+              <a:t>번호를 요청자에게 전송합니다</a:t>
+            </a:r>
+            <a:r>
+              <a:rPr lang="en-US" altLang="ko-KR"/>
               <a:t>.</a:t>
             </a:r>
-          </a:p>
-          <a:p>
-            <a:endParaRPr lang="en-US" altLang="ko-KR" dirty="0"/>
-          </a:p>
-          <a:p>
-            <a:r>
-              <a:rPr lang="ko-KR" altLang="en-US" dirty="0" smtClean="0"/>
-              <a:t>그리고 요청자로부터 다시 </a:t>
-            </a:r>
-            <a:r>
-              <a:rPr lang="ko-KR" altLang="en-US" dirty="0" err="1" smtClean="0"/>
-              <a:t>승인번호가</a:t>
-            </a:r>
-            <a:r>
-              <a:rPr lang="ko-KR" altLang="en-US" dirty="0" smtClean="0"/>
-              <a:t> 오기까지 대기</a:t>
-            </a:r>
-            <a:r>
-              <a:rPr lang="en-US" altLang="ko-KR" dirty="0" smtClean="0"/>
+            <a:endParaRPr lang="en-US" altLang="ko-KR"/>
+          </a:p>
+          <a:p>
+            <a:pPr lvl="0"/>
+            <a:endParaRPr lang="en-US" altLang="ko-KR"/>
+          </a:p>
+          <a:p>
+            <a:pPr lvl="0"/>
+            <a:r>
+              <a:rPr lang="ko-KR" altLang="en-US"/>
+              <a:t>그리고 요청자로부터 다시 승인번호가 오기까지 대기</a:t>
+            </a:r>
+            <a:r>
+              <a:rPr lang="en-US" altLang="ko-KR"/>
               <a:t>.</a:t>
             </a:r>
-            <a:endParaRPr lang="ko-KR" altLang="en-US" dirty="0"/>
+            <a:endParaRPr lang="ko-KR" altLang="en-US"/>
           </a:p>
         </p:txBody>
       </p:sp>
     </p:spTree>
-    <p:extLst>
-      <p:ext uri="{BB962C8B-B14F-4D97-AF65-F5344CB8AC3E}">
-        <p14:creationId xmlns:p14="http://schemas.microsoft.com/office/powerpoint/2010/main" val="1498029376"/>
-      </p:ext>
-    </p:extLst>
   </p:cSld>
   <p:clrMapOvr>
     <a:masterClrMapping/>
   </p:clrMapOvr>
-  <p:timing>
-    <p:tnLst>
-      <p:par>
-        <p:cTn id="1" dur="indefinite" restart="never" nodeType="tmRoot"/>
-      </p:par>
-    </p:tnLst>
-  </p:timing>
 </p:sld>
 </file>
 
 <file path=ppt/slides/slide24.xml><?xml version="1.0" encoding="utf-8"?>
-<p:sld xmlns:a="http://schemas.openxmlformats.org/drawingml/2006/main" xmlns:r="http://schemas.openxmlformats.org/officeDocument/2006/relationships" xmlns:p="http://schemas.openxmlformats.org/presentationml/2006/main">
+<p:sld xmlns:r="http://schemas.openxmlformats.org/officeDocument/2006/relationships" xmlns:c="http://schemas.openxmlformats.org/drawingml/2006/chart" xmlns:a="http://schemas.openxmlformats.org/drawingml/2006/main" xmlns:dgm="http://schemas.openxmlformats.org/drawingml/2006/diagram" xmlns:dsp="http://schemas.microsoft.com/office/drawing/2008/diagram" xmlns:p="http://schemas.openxmlformats.org/presentationml/2006/main">
   <p:cSld>
     <p:spTree>
       <p:nvGrpSpPr>
@@ -6131,7 +5946,7 @@
         <p:spPr>
           <a:xfrm>
             <a:off x="4673600" y="1968500"/>
-            <a:ext cx="6247223" cy="3693319"/>
+            <a:ext cx="6171565" cy="3658869"/>
           </a:xfrm>
           <a:prstGeom prst="rect">
             <a:avLst/>
@@ -6139,177 +5954,177 @@
           <a:noFill/>
         </p:spPr>
         <p:txBody>
-          <a:bodyPr wrap="none" rtlCol="0">
+          <a:bodyPr wrap="none">
             <a:spAutoFit/>
           </a:bodyPr>
           <a:lstStyle/>
           <a:p>
-            <a:r>
-              <a:rPr lang="ko-KR" altLang="en-US" dirty="0" smtClean="0"/>
+            <a:pPr lvl="0"/>
+            <a:r>
+              <a:rPr lang="ko-KR" altLang="en-US"/>
               <a:t>수신자의 </a:t>
             </a:r>
             <a:r>
-              <a:rPr lang="en-US" altLang="ko-KR" dirty="0" smtClean="0"/>
+              <a:rPr lang="en-US" altLang="ko-KR"/>
               <a:t>FIN</a:t>
             </a:r>
             <a:r>
-              <a:rPr lang="ko-KR" altLang="en-US" dirty="0" smtClean="0"/>
-              <a:t>을 받은 </a:t>
-            </a:r>
-            <a:r>
-              <a:rPr lang="ko-KR" altLang="en-US" dirty="0" err="1" smtClean="0"/>
-              <a:t>요청자는</a:t>
-            </a:r>
-            <a:r>
-              <a:rPr lang="ko-KR" altLang="en-US" dirty="0" smtClean="0"/>
-              <a:t> 수신자가보낸 시퀀스 </a:t>
-            </a:r>
-            <a:r>
-              <a:rPr lang="en-US" altLang="ko-KR" dirty="0" smtClean="0"/>
+              <a:rPr lang="ko-KR" altLang="en-US"/>
+              <a:t>을 받은 요청자는 수신자가보낸 시퀀스 </a:t>
+            </a:r>
+            <a:r>
+              <a:rPr lang="en-US" altLang="ko-KR"/>
               <a:t>+1</a:t>
             </a:r>
             <a:r>
-              <a:rPr lang="ko-KR" altLang="en-US" dirty="0" smtClean="0"/>
+              <a:rPr lang="ko-KR" altLang="en-US"/>
               <a:t>로 </a:t>
             </a:r>
-            <a:endParaRPr lang="en-US" altLang="ko-KR" dirty="0" smtClean="0"/>
-          </a:p>
-          <a:p>
-            <a:r>
-              <a:rPr lang="ko-KR" altLang="en-US" dirty="0" smtClean="0"/>
+            <a:endParaRPr lang="ko-KR" altLang="en-US"/>
+          </a:p>
+          <a:p>
+            <a:pPr lvl="0"/>
+            <a:r>
+              <a:rPr lang="ko-KR" altLang="en-US"/>
               <a:t>승인번호를 넣은 </a:t>
             </a:r>
             <a:r>
-              <a:rPr lang="en-US" altLang="ko-KR" dirty="0" smtClean="0"/>
+              <a:rPr lang="en-US" altLang="ko-KR"/>
               <a:t>ACK </a:t>
             </a:r>
             <a:r>
-              <a:rPr lang="ko-KR" altLang="en-US" dirty="0" smtClean="0"/>
+              <a:rPr lang="ko-KR" altLang="en-US"/>
               <a:t>패킷 전송</a:t>
             </a:r>
             <a:r>
-              <a:rPr lang="en-US" altLang="ko-KR" dirty="0" smtClean="0"/>
+              <a:rPr lang="en-US" altLang="ko-KR"/>
               <a:t>.</a:t>
             </a:r>
-          </a:p>
-          <a:p>
-            <a:endParaRPr lang="en-US" altLang="ko-KR" dirty="0"/>
-          </a:p>
-          <a:p>
-            <a:r>
-              <a:rPr lang="en-US" altLang="ko-KR" dirty="0" smtClean="0"/>
+            <a:endParaRPr lang="en-US" altLang="ko-KR"/>
+          </a:p>
+          <a:p>
+            <a:pPr lvl="0"/>
+            <a:endParaRPr lang="en-US" altLang="ko-KR"/>
+          </a:p>
+          <a:p>
+            <a:pPr lvl="0"/>
+            <a:r>
+              <a:rPr lang="en-US" altLang="ko-KR"/>
               <a:t>TIME_WAIT </a:t>
             </a:r>
             <a:r>
-              <a:rPr lang="ko-KR" altLang="en-US" dirty="0" smtClean="0"/>
+              <a:rPr lang="ko-KR" altLang="en-US"/>
               <a:t>상태로 접어듭니다</a:t>
             </a:r>
             <a:r>
-              <a:rPr lang="en-US" altLang="ko-KR" dirty="0" smtClean="0"/>
+              <a:rPr lang="en-US" altLang="ko-KR"/>
               <a:t>.</a:t>
             </a:r>
-          </a:p>
-          <a:p>
-            <a:r>
-              <a:rPr lang="ko-KR" altLang="en-US" dirty="0" smtClean="0"/>
+            <a:endParaRPr lang="en-US" altLang="ko-KR"/>
+          </a:p>
+          <a:p>
+            <a:pPr lvl="0"/>
+            <a:r>
+              <a:rPr lang="ko-KR" altLang="en-US"/>
               <a:t>이 </a:t>
             </a:r>
             <a:r>
-              <a:rPr lang="en-US" altLang="ko-KR" dirty="0" smtClean="0"/>
+              <a:rPr lang="en-US" altLang="ko-KR"/>
               <a:t>TIME WAIT </a:t>
             </a:r>
             <a:r>
-              <a:rPr lang="ko-KR" altLang="en-US" dirty="0" smtClean="0"/>
+              <a:rPr lang="ko-KR" altLang="en-US"/>
               <a:t>상태는 아까 설명했던 </a:t>
             </a:r>
-            <a:endParaRPr lang="en-US" altLang="ko-KR" dirty="0" smtClean="0"/>
-          </a:p>
-          <a:p>
-            <a:r>
-              <a:rPr lang="ko-KR" altLang="en-US" dirty="0" smtClean="0"/>
+            <a:endParaRPr lang="ko-KR" altLang="en-US"/>
+          </a:p>
+          <a:p>
+            <a:pPr lvl="0"/>
+            <a:r>
+              <a:rPr lang="ko-KR" altLang="en-US"/>
               <a:t>라우팅 지연</a:t>
             </a:r>
             <a:r>
-              <a:rPr lang="en-US" altLang="ko-KR" dirty="0" smtClean="0"/>
+              <a:rPr lang="en-US" altLang="ko-KR"/>
               <a:t>,</a:t>
             </a:r>
             <a:r>
-              <a:rPr lang="ko-KR" altLang="en-US" dirty="0" err="1" smtClean="0"/>
-              <a:t>패킷소실로</a:t>
-            </a:r>
-            <a:r>
-              <a:rPr lang="ko-KR" altLang="en-US" dirty="0" smtClean="0"/>
-              <a:t> 인한 재전송 등으로 인해 </a:t>
-            </a:r>
-            <a:endParaRPr lang="en-US" altLang="ko-KR" dirty="0" smtClean="0"/>
-          </a:p>
-          <a:p>
-            <a:r>
-              <a:rPr lang="en-US" altLang="ko-KR" dirty="0" smtClean="0"/>
+              <a:rPr lang="ko-KR" altLang="en-US"/>
+              <a:t>패킷소실로 인한 재전송 등으로 인해 </a:t>
+            </a:r>
+            <a:endParaRPr lang="ko-KR" altLang="en-US"/>
+          </a:p>
+          <a:p>
+            <a:pPr lvl="0"/>
+            <a:r>
+              <a:rPr lang="en-US" altLang="ko-KR"/>
               <a:t>FIN </a:t>
             </a:r>
             <a:r>
-              <a:rPr lang="ko-KR" altLang="en-US" dirty="0" smtClean="0"/>
+              <a:rPr lang="ko-KR" altLang="en-US"/>
               <a:t>패킷보다 늦게 도착하는 패킷이 있을 경우</a:t>
             </a:r>
-            <a:endParaRPr lang="en-US" altLang="ko-KR" dirty="0" smtClean="0"/>
-          </a:p>
-          <a:p>
-            <a:r>
-              <a:rPr lang="ko-KR" altLang="en-US" dirty="0" smtClean="0"/>
+            <a:endParaRPr lang="ko-KR" altLang="en-US"/>
+          </a:p>
+          <a:p>
+            <a:pPr lvl="0"/>
+            <a:r>
+              <a:rPr lang="ko-KR" altLang="en-US"/>
               <a:t>의도치 않게 발생하는 에러로 </a:t>
             </a:r>
             <a:r>
-              <a:rPr lang="en-US" altLang="ko-KR" dirty="0" err="1" smtClean="0"/>
+              <a:rPr lang="en-US" altLang="ko-KR"/>
               <a:t>ack</a:t>
             </a:r>
             <a:r>
-              <a:rPr lang="ko-KR" altLang="en-US" dirty="0" smtClean="0"/>
+              <a:rPr lang="ko-KR" altLang="en-US"/>
               <a:t>가 전송이 안되며 </a:t>
             </a:r>
-            <a:endParaRPr lang="en-US" altLang="ko-KR" dirty="0" smtClean="0"/>
-          </a:p>
-          <a:p>
-            <a:r>
-              <a:rPr lang="ko-KR" altLang="en-US" dirty="0" err="1" smtClean="0"/>
-              <a:t>데드락이</a:t>
-            </a:r>
-            <a:r>
-              <a:rPr lang="ko-KR" altLang="en-US" dirty="0" smtClean="0"/>
-              <a:t> 발생하는 상황을 방지한다</a:t>
-            </a:r>
-            <a:r>
-              <a:rPr lang="en-US" altLang="ko-KR" dirty="0" smtClean="0"/>
+            <a:endParaRPr lang="ko-KR" altLang="en-US"/>
+          </a:p>
+          <a:p>
+            <a:pPr lvl="0"/>
+            <a:r>
+              <a:rPr lang="ko-KR" altLang="en-US"/>
+              <a:t>데드락이 발생하는 상황을 방지한다</a:t>
+            </a:r>
+            <a:r>
+              <a:rPr lang="en-US" altLang="ko-KR"/>
               <a:t>.</a:t>
             </a:r>
-          </a:p>
-          <a:p>
-            <a:endParaRPr lang="en-US" altLang="ko-KR" dirty="0"/>
-          </a:p>
-          <a:p>
-            <a:r>
-              <a:rPr lang="ko-KR" altLang="en-US" dirty="0" smtClean="0"/>
+            <a:endParaRPr lang="en-US" altLang="ko-KR"/>
+          </a:p>
+          <a:p>
+            <a:pPr lvl="0"/>
+            <a:endParaRPr lang="en-US" altLang="ko-KR"/>
+          </a:p>
+          <a:p>
+            <a:pPr lvl="0"/>
+            <a:r>
+              <a:rPr lang="ko-KR" altLang="en-US"/>
               <a:t>이 시간 동안 늦게 도착하는 패킷들까지 처리 한 뒤 </a:t>
             </a:r>
-            <a:endParaRPr lang="en-US" altLang="ko-KR" dirty="0" smtClean="0"/>
-          </a:p>
-          <a:p>
-            <a:r>
-              <a:rPr lang="ko-KR" altLang="en-US" dirty="0" smtClean="0"/>
+            <a:endParaRPr lang="ko-KR" altLang="en-US"/>
+          </a:p>
+          <a:p>
+            <a:pPr lvl="0"/>
+            <a:r>
+              <a:rPr lang="ko-KR" altLang="en-US"/>
               <a:t>다음 단계로 수행</a:t>
             </a:r>
             <a:r>
-              <a:rPr lang="en-US" altLang="ko-KR" dirty="0" smtClean="0"/>
+              <a:rPr lang="en-US" altLang="ko-KR"/>
               <a:t>.</a:t>
             </a:r>
             <a:r>
-              <a:rPr lang="ko-KR" altLang="en-US" dirty="0" smtClean="0"/>
+              <a:rPr lang="ko-KR" altLang="en-US"/>
               <a:t> </a:t>
             </a:r>
-            <a:endParaRPr lang="en-US" altLang="ko-KR" dirty="0" smtClean="0"/>
-          </a:p>
-          <a:p>
-            <a:endParaRPr lang="ko-KR" altLang="en-US" dirty="0"/>
+            <a:endParaRPr lang="ko-KR" altLang="en-US"/>
+          </a:p>
+          <a:p>
+            <a:pPr lvl="0"/>
+            <a:endParaRPr lang="ko-KR" altLang="en-US"/>
           </a:p>
         </p:txBody>
       </p:sp>
@@ -6321,8 +6136,11 @@
           </p:cNvPicPr>
           <p:nvPr/>
         </p:nvPicPr>
-        <p:blipFill>
-          <a:blip r:embed="rId2"/>
+        <p:blipFill rotWithShape="1">
+          <a:blip r:embed="rId2">
+            <a:alphaModFix/>
+            <a:lum/>
+          </a:blip>
           <a:stretch>
             <a:fillRect/>
           </a:stretch>
@@ -6338,27 +6156,15 @@
         </p:spPr>
       </p:pic>
     </p:spTree>
-    <p:extLst>
-      <p:ext uri="{BB962C8B-B14F-4D97-AF65-F5344CB8AC3E}">
-        <p14:creationId xmlns:p14="http://schemas.microsoft.com/office/powerpoint/2010/main" val="753422291"/>
-      </p:ext>
-    </p:extLst>
   </p:cSld>
   <p:clrMapOvr>
     <a:masterClrMapping/>
   </p:clrMapOvr>
-  <p:timing>
-    <p:tnLst>
-      <p:par>
-        <p:cTn id="1" dur="indefinite" restart="never" nodeType="tmRoot"/>
-      </p:par>
-    </p:tnLst>
-  </p:timing>
 </p:sld>
 </file>
 
 <file path=ppt/slides/slide25.xml><?xml version="1.0" encoding="utf-8"?>
-<p:sld xmlns:a="http://schemas.openxmlformats.org/drawingml/2006/main" xmlns:r="http://schemas.openxmlformats.org/officeDocument/2006/relationships" xmlns:p="http://schemas.openxmlformats.org/presentationml/2006/main">
+<p:sld xmlns:r="http://schemas.openxmlformats.org/officeDocument/2006/relationships" xmlns:c="http://schemas.openxmlformats.org/drawingml/2006/chart" xmlns:a="http://schemas.openxmlformats.org/drawingml/2006/main" xmlns:dgm="http://schemas.openxmlformats.org/drawingml/2006/diagram" xmlns:dsp="http://schemas.microsoft.com/office/drawing/2008/diagram" xmlns:p="http://schemas.openxmlformats.org/presentationml/2006/main">
   <p:cSld>
     <p:spTree>
       <p:nvGrpSpPr>
@@ -6381,7 +6187,7 @@
             <a:spLocks noGrp="1"/>
           </p:cNvSpPr>
           <p:nvPr>
-            <p:ph type="ctrTitle"/>
+            <p:ph type="ctrTitle" idx="0"/>
           </p:nvPr>
         </p:nvSpPr>
         <p:spPr>
@@ -6394,15 +6200,16 @@
           <a:bodyPr/>
           <a:lstStyle/>
           <a:p>
-            <a:r>
-              <a:rPr lang="en-US" altLang="ko-KR" dirty="0" smtClean="0"/>
+            <a:pPr lvl="0"/>
+            <a:r>
+              <a:rPr lang="en-US" altLang="ko-KR"/>
               <a:t>TCP</a:t>
             </a:r>
             <a:r>
-              <a:rPr lang="ko-KR" altLang="en-US" dirty="0" smtClean="0"/>
+              <a:rPr lang="ko-KR" altLang="en-US"/>
               <a:t>의 전체적 흐름</a:t>
             </a:r>
-            <a:endParaRPr lang="ko-KR" altLang="en-US" dirty="0"/>
+            <a:endParaRPr lang="ko-KR" altLang="en-US"/>
           </a:p>
         </p:txBody>
       </p:sp>
@@ -6414,8 +6221,11 @@
           </p:cNvPicPr>
           <p:nvPr/>
         </p:nvPicPr>
-        <p:blipFill>
-          <a:blip r:embed="rId2"/>
+        <p:blipFill rotWithShape="1">
+          <a:blip r:embed="rId2">
+            <a:alphaModFix/>
+            <a:lum/>
+          </a:blip>
           <a:stretch>
             <a:fillRect/>
           </a:stretch>
@@ -6431,27 +6241,15 @@
         </p:spPr>
       </p:pic>
     </p:spTree>
-    <p:extLst>
-      <p:ext uri="{BB962C8B-B14F-4D97-AF65-F5344CB8AC3E}">
-        <p14:creationId xmlns:p14="http://schemas.microsoft.com/office/powerpoint/2010/main" val="2881660420"/>
-      </p:ext>
-    </p:extLst>
   </p:cSld>
   <p:clrMapOvr>
     <a:masterClrMapping/>
   </p:clrMapOvr>
-  <p:timing>
-    <p:tnLst>
-      <p:par>
-        <p:cTn id="1" dur="indefinite" restart="never" nodeType="tmRoot"/>
-      </p:par>
-    </p:tnLst>
-  </p:timing>
 </p:sld>
 </file>
 
 <file path=ppt/slides/slide26.xml><?xml version="1.0" encoding="utf-8"?>
-<p:sld xmlns:a="http://schemas.openxmlformats.org/drawingml/2006/main" xmlns:r="http://schemas.openxmlformats.org/officeDocument/2006/relationships" xmlns:p="http://schemas.openxmlformats.org/presentationml/2006/main">
+<p:sld xmlns:r="http://schemas.openxmlformats.org/officeDocument/2006/relationships" xmlns:c="http://schemas.openxmlformats.org/drawingml/2006/chart" xmlns:a="http://schemas.openxmlformats.org/drawingml/2006/main" xmlns:dgm="http://schemas.openxmlformats.org/drawingml/2006/diagram" xmlns:dsp="http://schemas.microsoft.com/office/drawing/2008/diagram" xmlns:p="http://schemas.openxmlformats.org/presentationml/2006/main">
   <p:cSld>
     <p:spTree>
       <p:nvGrpSpPr>
@@ -6474,7 +6272,7 @@
             <a:spLocks noGrp="1"/>
           </p:cNvSpPr>
           <p:nvPr>
-            <p:ph type="ctrTitle"/>
+            <p:ph type="ctrTitle" idx="0"/>
           </p:nvPr>
         </p:nvSpPr>
         <p:spPr>
@@ -6487,11 +6285,12 @@
           <a:bodyPr/>
           <a:lstStyle/>
           <a:p>
-            <a:r>
-              <a:rPr lang="en-US" altLang="ko-KR" dirty="0" smtClean="0"/>
+            <a:pPr lvl="0"/>
+            <a:r>
+              <a:rPr lang="en-US" altLang="ko-KR"/>
               <a:t>IOCP Thread Pool</a:t>
             </a:r>
-            <a:endParaRPr lang="ko-KR" altLang="en-US" dirty="0"/>
+            <a:endParaRPr lang="ko-KR" altLang="en-US"/>
           </a:p>
         </p:txBody>
       </p:sp>
@@ -6503,8 +6302,11 @@
           </p:cNvPicPr>
           <p:nvPr/>
         </p:nvPicPr>
-        <p:blipFill>
-          <a:blip r:embed="rId2"/>
+        <p:blipFill rotWithShape="1">
+          <a:blip r:embed="rId2">
+            <a:alphaModFix/>
+            <a:lum/>
+          </a:blip>
           <a:stretch>
             <a:fillRect/>
           </a:stretch>
@@ -6527,8 +6329,11 @@
           </p:cNvPicPr>
           <p:nvPr/>
         </p:nvPicPr>
-        <p:blipFill>
-          <a:blip r:embed="rId3"/>
+        <p:blipFill rotWithShape="1">
+          <a:blip r:embed="rId3">
+            <a:alphaModFix/>
+            <a:lum/>
+          </a:blip>
           <a:stretch>
             <a:fillRect/>
           </a:stretch>
@@ -6551,8 +6356,11 @@
           </p:cNvPicPr>
           <p:nvPr/>
         </p:nvPicPr>
-        <p:blipFill>
-          <a:blip r:embed="rId4"/>
+        <p:blipFill rotWithShape="1">
+          <a:blip r:embed="rId4">
+            <a:alphaModFix/>
+            <a:lum/>
+          </a:blip>
           <a:stretch>
             <a:fillRect/>
           </a:stretch>
@@ -6575,8 +6383,11 @@
           </p:cNvPicPr>
           <p:nvPr/>
         </p:nvPicPr>
-        <p:blipFill>
-          <a:blip r:embed="rId5"/>
+        <p:blipFill rotWithShape="1">
+          <a:blip r:embed="rId5">
+            <a:alphaModFix/>
+            <a:lum/>
+          </a:blip>
           <a:stretch>
             <a:fillRect/>
           </a:stretch>
@@ -6599,8 +6410,11 @@
           </p:cNvPicPr>
           <p:nvPr/>
         </p:nvPicPr>
-        <p:blipFill>
-          <a:blip r:embed="rId6"/>
+        <p:blipFill rotWithShape="1">
+          <a:blip r:embed="rId6">
+            <a:alphaModFix/>
+            <a:lum/>
+          </a:blip>
           <a:stretch>
             <a:fillRect/>
           </a:stretch>
@@ -6616,27 +6430,15 @@
         </p:spPr>
       </p:pic>
     </p:spTree>
-    <p:extLst>
-      <p:ext uri="{BB962C8B-B14F-4D97-AF65-F5344CB8AC3E}">
-        <p14:creationId xmlns:p14="http://schemas.microsoft.com/office/powerpoint/2010/main" val="3265971897"/>
-      </p:ext>
-    </p:extLst>
   </p:cSld>
   <p:clrMapOvr>
     <a:masterClrMapping/>
   </p:clrMapOvr>
-  <p:timing>
-    <p:tnLst>
-      <p:par>
-        <p:cTn id="1" dur="indefinite" restart="never" nodeType="tmRoot"/>
-      </p:par>
-    </p:tnLst>
-  </p:timing>
 </p:sld>
 </file>
 
 <file path=ppt/slides/slide27.xml><?xml version="1.0" encoding="utf-8"?>
-<p:sld xmlns:a="http://schemas.openxmlformats.org/drawingml/2006/main" xmlns:r="http://schemas.openxmlformats.org/officeDocument/2006/relationships" xmlns:p="http://schemas.openxmlformats.org/presentationml/2006/main">
+<p:sld xmlns:r="http://schemas.openxmlformats.org/officeDocument/2006/relationships" xmlns:c="http://schemas.openxmlformats.org/drawingml/2006/chart" xmlns:a="http://schemas.openxmlformats.org/drawingml/2006/main" xmlns:dgm="http://schemas.openxmlformats.org/drawingml/2006/diagram" xmlns:dsp="http://schemas.microsoft.com/office/drawing/2008/diagram" xmlns:p="http://schemas.openxmlformats.org/presentationml/2006/main">
   <p:cSld>
     <p:spTree>
       <p:nvGrpSpPr>
@@ -6659,7 +6461,7 @@
             <a:spLocks noGrp="1"/>
           </p:cNvSpPr>
           <p:nvPr>
-            <p:ph type="ctrTitle"/>
+            <p:ph type="ctrTitle" idx="0"/>
           </p:nvPr>
         </p:nvSpPr>
         <p:spPr>
@@ -6672,11 +6474,12 @@
           <a:bodyPr/>
           <a:lstStyle/>
           <a:p>
-            <a:r>
-              <a:rPr lang="en-US" altLang="ko-KR" dirty="0" smtClean="0"/>
+            <a:pPr lvl="0"/>
+            <a:r>
+              <a:rPr lang="en-US" altLang="ko-KR"/>
               <a:t>IOCP Thread Pool</a:t>
             </a:r>
-            <a:endParaRPr lang="ko-KR" altLang="en-US" dirty="0"/>
+            <a:endParaRPr lang="ko-KR" altLang="en-US"/>
           </a:p>
         </p:txBody>
       </p:sp>
@@ -6688,8 +6491,11 @@
           </p:cNvPicPr>
           <p:nvPr/>
         </p:nvPicPr>
-        <p:blipFill>
-          <a:blip r:embed="rId2"/>
+        <p:blipFill rotWithShape="1">
+          <a:blip r:embed="rId2">
+            <a:alphaModFix/>
+            <a:lum/>
+          </a:blip>
           <a:stretch>
             <a:fillRect/>
           </a:stretch>
@@ -6712,8 +6518,11 @@
           </p:cNvPicPr>
           <p:nvPr/>
         </p:nvPicPr>
-        <p:blipFill>
-          <a:blip r:embed="rId3"/>
+        <p:blipFill rotWithShape="1">
+          <a:blip r:embed="rId3">
+            <a:alphaModFix/>
+            <a:lum/>
+          </a:blip>
           <a:stretch>
             <a:fillRect/>
           </a:stretch>
@@ -6768,7 +6577,7 @@
           </a:fontRef>
         </p:style>
         <p:txBody>
-          <a:bodyPr rtlCol="0" anchor="ctr"/>
+          <a:bodyPr anchor="ctr"/>
           <a:lstStyle/>
           <a:p>
             <a:pPr algn="ctr"/>
@@ -6784,8 +6593,11 @@
           </p:cNvPicPr>
           <p:nvPr/>
         </p:nvPicPr>
-        <p:blipFill>
-          <a:blip r:embed="rId4"/>
+        <p:blipFill rotWithShape="1">
+          <a:blip r:embed="rId4">
+            <a:alphaModFix/>
+            <a:lum/>
+          </a:blip>
           <a:stretch>
             <a:fillRect/>
           </a:stretch>
@@ -6801,27 +6613,15 @@
         </p:spPr>
       </p:pic>
     </p:spTree>
-    <p:extLst>
-      <p:ext uri="{BB962C8B-B14F-4D97-AF65-F5344CB8AC3E}">
-        <p14:creationId xmlns:p14="http://schemas.microsoft.com/office/powerpoint/2010/main" val="2844586035"/>
-      </p:ext>
-    </p:extLst>
   </p:cSld>
   <p:clrMapOvr>
     <a:masterClrMapping/>
   </p:clrMapOvr>
-  <p:timing>
-    <p:tnLst>
-      <p:par>
-        <p:cTn id="1" dur="indefinite" restart="never" nodeType="tmRoot"/>
-      </p:par>
-    </p:tnLst>
-  </p:timing>
 </p:sld>
 </file>
 
 <file path=ppt/slides/slide28.xml><?xml version="1.0" encoding="utf-8"?>
-<p:sld xmlns:a="http://schemas.openxmlformats.org/drawingml/2006/main" xmlns:r="http://schemas.openxmlformats.org/officeDocument/2006/relationships" xmlns:p="http://schemas.openxmlformats.org/presentationml/2006/main">
+<p:sld xmlns:r="http://schemas.openxmlformats.org/officeDocument/2006/relationships" xmlns:c="http://schemas.openxmlformats.org/drawingml/2006/chart" xmlns:a="http://schemas.openxmlformats.org/drawingml/2006/main" xmlns:dgm="http://schemas.openxmlformats.org/drawingml/2006/diagram" xmlns:dsp="http://schemas.microsoft.com/office/drawing/2008/diagram" xmlns:p="http://schemas.openxmlformats.org/presentationml/2006/main">
   <p:cSld>
     <p:spTree>
       <p:nvGrpSpPr>
@@ -6844,7 +6644,7 @@
             <a:spLocks noGrp="1"/>
           </p:cNvSpPr>
           <p:nvPr>
-            <p:ph type="ctrTitle"/>
+            <p:ph type="ctrTitle" idx="0"/>
           </p:nvPr>
         </p:nvSpPr>
         <p:spPr>
@@ -6857,11 +6657,12 @@
           <a:bodyPr/>
           <a:lstStyle/>
           <a:p>
-            <a:r>
-              <a:rPr lang="en-US" altLang="ko-KR" dirty="0" smtClean="0"/>
+            <a:pPr lvl="0"/>
+            <a:r>
+              <a:rPr lang="en-US" altLang="ko-KR"/>
               <a:t>IOCP Thread Pool</a:t>
             </a:r>
-            <a:endParaRPr lang="ko-KR" altLang="en-US" dirty="0"/>
+            <a:endParaRPr lang="ko-KR" altLang="en-US"/>
           </a:p>
         </p:txBody>
       </p:sp>
@@ -6905,7 +6706,7 @@
           </a:fontRef>
         </p:style>
         <p:txBody>
-          <a:bodyPr rtlCol="0" anchor="ctr"/>
+          <a:bodyPr anchor="ctr"/>
           <a:lstStyle/>
           <a:p>
             <a:pPr algn="ctr"/>
@@ -6921,8 +6722,11 @@
           </p:cNvPicPr>
           <p:nvPr/>
         </p:nvPicPr>
-        <p:blipFill>
-          <a:blip r:embed="rId2"/>
+        <p:blipFill rotWithShape="1">
+          <a:blip r:embed="rId2">
+            <a:alphaModFix/>
+            <a:lum/>
+          </a:blip>
           <a:stretch>
             <a:fillRect/>
           </a:stretch>
@@ -6946,7 +6750,7 @@
         <p:spPr>
           <a:xfrm>
             <a:off x="7264400" y="1411287"/>
-            <a:ext cx="4419600" cy="3139321"/>
+            <a:ext cx="4419600" cy="3101658"/>
           </a:xfrm>
           <a:prstGeom prst="rect">
             <a:avLst/>
@@ -6954,147 +6758,126 @@
           <a:noFill/>
         </p:spPr>
         <p:txBody>
-          <a:bodyPr wrap="square" rtlCol="0">
+          <a:bodyPr wrap="square">
             <a:spAutoFit/>
           </a:bodyPr>
           <a:lstStyle/>
           <a:p>
-            <a:r>
-              <a:rPr lang="en-US" altLang="ko-KR" dirty="0" err="1" smtClean="0"/>
+            <a:pPr lvl="0"/>
+            <a:r>
+              <a:rPr lang="en-US" altLang="ko-KR"/>
               <a:t>Workerthread</a:t>
             </a:r>
             <a:r>
-              <a:rPr lang="ko-KR" altLang="en-US" dirty="0" smtClean="0"/>
+              <a:rPr lang="ko-KR" altLang="en-US"/>
               <a:t>에서</a:t>
             </a:r>
-            <a:endParaRPr lang="en-US" altLang="ko-KR" dirty="0" smtClean="0"/>
-          </a:p>
-          <a:p>
-            <a:r>
-              <a:rPr lang="ko-KR" altLang="en-US" dirty="0" smtClean="0"/>
+            <a:endParaRPr lang="ko-KR" altLang="en-US"/>
+          </a:p>
+          <a:p>
+            <a:pPr lvl="0"/>
+            <a:r>
+              <a:rPr lang="ko-KR" altLang="en-US"/>
               <a:t> </a:t>
             </a:r>
             <a:r>
-              <a:rPr lang="en-US" altLang="ko-KR" dirty="0" err="1" smtClean="0"/>
-              <a:t>iocp</a:t>
-            </a:r>
-            <a:r>
-              <a:rPr lang="en-US" altLang="ko-KR" dirty="0" smtClean="0"/>
-              <a:t> </a:t>
-            </a:r>
-            <a:r>
-              <a:rPr lang="ko-KR" altLang="en-US" dirty="0" smtClean="0"/>
+              <a:rPr lang="en-US" altLang="ko-KR"/>
+              <a:t>iocp </a:t>
+            </a:r>
+            <a:r>
+              <a:rPr lang="ko-KR" altLang="en-US"/>
               <a:t>완료 포트 핸들 </a:t>
             </a:r>
             <a:r>
-              <a:rPr lang="en-US" altLang="ko-KR" dirty="0" smtClean="0"/>
+              <a:rPr lang="en-US" altLang="ko-KR"/>
               <a:t>hcp</a:t>
             </a:r>
             <a:r>
-              <a:rPr lang="ko-KR" altLang="en-US" dirty="0" smtClean="0"/>
+              <a:rPr lang="ko-KR" altLang="en-US"/>
               <a:t>를 </a:t>
             </a:r>
             <a:r>
-              <a:rPr lang="en-US" altLang="ko-KR" dirty="0" err="1" smtClean="0"/>
+              <a:rPr lang="en-US" altLang="ko-KR"/>
               <a:t>GetQueuedCompletionStatus</a:t>
             </a:r>
             <a:r>
-              <a:rPr lang="ko-KR" altLang="en-US" dirty="0" smtClean="0"/>
+              <a:rPr lang="ko-KR" altLang="en-US"/>
               <a:t>로 </a:t>
             </a:r>
-            <a:endParaRPr lang="en-US" altLang="ko-KR" dirty="0" smtClean="0"/>
-          </a:p>
-          <a:p>
-            <a:r>
-              <a:rPr lang="ko-KR" altLang="en-US" dirty="0" smtClean="0"/>
+            <a:endParaRPr lang="ko-KR" altLang="en-US"/>
+          </a:p>
+          <a:p>
+            <a:pPr lvl="0"/>
+            <a:r>
+              <a:rPr lang="ko-KR" altLang="en-US"/>
               <a:t>감시합니다</a:t>
             </a:r>
             <a:r>
-              <a:rPr lang="en-US" altLang="ko-KR" dirty="0" smtClean="0"/>
+              <a:rPr lang="en-US" altLang="ko-KR"/>
               <a:t>. </a:t>
             </a:r>
-          </a:p>
-          <a:p>
-            <a:endParaRPr lang="en-US" altLang="ko-KR" dirty="0"/>
-          </a:p>
-          <a:p>
-            <a:r>
-              <a:rPr lang="en-US" altLang="ko-KR" dirty="0" smtClean="0"/>
+            <a:endParaRPr lang="en-US" altLang="ko-KR"/>
+          </a:p>
+          <a:p>
+            <a:pPr lvl="0"/>
+            <a:endParaRPr lang="en-US" altLang="ko-KR"/>
+          </a:p>
+          <a:p>
+            <a:pPr lvl="0"/>
+            <a:r>
+              <a:rPr lang="en-US" altLang="ko-KR"/>
               <a:t>Hcp</a:t>
             </a:r>
             <a:r>
-              <a:rPr lang="ko-KR" altLang="en-US" dirty="0" smtClean="0"/>
-              <a:t>에는 </a:t>
-            </a:r>
-            <a:r>
-              <a:rPr lang="ko-KR" altLang="en-US" dirty="0" smtClean="0"/>
-              <a:t>완료 정보가 </a:t>
-            </a:r>
-            <a:r>
-              <a:rPr lang="en-US" altLang="ko-KR" dirty="0" smtClean="0"/>
+              <a:rPr lang="ko-KR" altLang="en-US"/>
+              <a:t>에는 완료 정보가 </a:t>
+            </a:r>
+            <a:r>
+              <a:rPr lang="en-US" altLang="ko-KR"/>
               <a:t>queue </a:t>
             </a:r>
             <a:r>
-              <a:rPr lang="ko-KR" altLang="en-US" dirty="0" smtClean="0"/>
-              <a:t>로 </a:t>
-            </a:r>
-            <a:r>
-              <a:rPr lang="ko-KR" altLang="en-US" dirty="0" err="1" smtClean="0"/>
-              <a:t>들감</a:t>
-            </a:r>
-            <a:r>
-              <a:rPr lang="en-US" altLang="ko-KR" dirty="0" smtClean="0"/>
+              <a:rPr lang="ko-KR" altLang="en-US"/>
+              <a:t>로 들감</a:t>
+            </a:r>
+            <a:r>
+              <a:rPr lang="en-US" altLang="ko-KR"/>
               <a:t>.</a:t>
             </a:r>
-          </a:p>
-          <a:p>
-            <a:endParaRPr lang="en-US" altLang="ko-KR" dirty="0" smtClean="0"/>
-          </a:p>
-          <a:p>
-            <a:r>
-              <a:rPr lang="ko-KR" altLang="en-US" dirty="0" smtClean="0"/>
-              <a:t>모든 스레드들은 저 함수로 감시하다가 경쟁적으로 </a:t>
-            </a:r>
-            <a:r>
-              <a:rPr lang="ko-KR" altLang="en-US" dirty="0" smtClean="0"/>
-              <a:t>완료 정보를 </a:t>
-            </a:r>
-            <a:r>
-              <a:rPr lang="ko-KR" altLang="en-US" dirty="0" smtClean="0"/>
-              <a:t>가져가 처리합니다</a:t>
-            </a:r>
-            <a:r>
-              <a:rPr lang="en-US" altLang="ko-KR" dirty="0" smtClean="0"/>
+            <a:endParaRPr lang="en-US" altLang="ko-KR"/>
+          </a:p>
+          <a:p>
+            <a:pPr lvl="0"/>
+            <a:endParaRPr lang="en-US" altLang="ko-KR"/>
+          </a:p>
+          <a:p>
+            <a:pPr lvl="0"/>
+            <a:r>
+              <a:rPr lang="ko-KR" altLang="en-US"/>
+              <a:t>모든 스레드들은 저 함수로 감시하다가 경쟁적으로 완료 정보를 가져가 처리합니다</a:t>
+            </a:r>
+            <a:r>
+              <a:rPr lang="en-US" altLang="ko-KR"/>
               <a:t>.</a:t>
             </a:r>
-          </a:p>
-          <a:p>
-            <a:endParaRPr lang="en-US" altLang="ko-KR" dirty="0" smtClean="0"/>
+            <a:endParaRPr lang="en-US" altLang="ko-KR"/>
+          </a:p>
+          <a:p>
+            <a:pPr lvl="0"/>
+            <a:endParaRPr lang="en-US" altLang="ko-KR"/>
           </a:p>
         </p:txBody>
       </p:sp>
     </p:spTree>
-    <p:extLst>
-      <p:ext uri="{BB962C8B-B14F-4D97-AF65-F5344CB8AC3E}">
-        <p14:creationId xmlns:p14="http://schemas.microsoft.com/office/powerpoint/2010/main" val="1418886790"/>
-      </p:ext>
-    </p:extLst>
   </p:cSld>
   <p:clrMapOvr>
     <a:masterClrMapping/>
   </p:clrMapOvr>
-  <p:timing>
-    <p:tnLst>
-      <p:par>
-        <p:cTn id="1" dur="indefinite" restart="never" nodeType="tmRoot"/>
-      </p:par>
-    </p:tnLst>
-  </p:timing>
 </p:sld>
 </file>
 
 <file path=ppt/slides/slide29.xml><?xml version="1.0" encoding="utf-8"?>
-<p:sld xmlns:a="http://schemas.openxmlformats.org/drawingml/2006/main" xmlns:r="http://schemas.openxmlformats.org/officeDocument/2006/relationships" xmlns:p="http://schemas.openxmlformats.org/presentationml/2006/main">
+<p:sld xmlns:r="http://schemas.openxmlformats.org/officeDocument/2006/relationships" xmlns:c="http://schemas.openxmlformats.org/drawingml/2006/chart" xmlns:a="http://schemas.openxmlformats.org/drawingml/2006/main" xmlns:dgm="http://schemas.openxmlformats.org/drawingml/2006/diagram" xmlns:dsp="http://schemas.microsoft.com/office/drawing/2008/diagram" xmlns:p="http://schemas.openxmlformats.org/presentationml/2006/main">
   <p:cSld>
     <p:spTree>
       <p:nvGrpSpPr>
@@ -7117,7 +6900,7 @@
             <a:spLocks noGrp="1"/>
           </p:cNvSpPr>
           <p:nvPr>
-            <p:ph type="ctrTitle"/>
+            <p:ph type="ctrTitle" idx="0"/>
           </p:nvPr>
         </p:nvSpPr>
         <p:spPr>
@@ -7130,11 +6913,12 @@
           <a:bodyPr/>
           <a:lstStyle/>
           <a:p>
-            <a:r>
-              <a:rPr lang="en-US" altLang="ko-KR" dirty="0" smtClean="0"/>
+            <a:pPr lvl="0"/>
+            <a:r>
+              <a:rPr lang="en-US" altLang="ko-KR"/>
               <a:t>IOCP Thread Pool</a:t>
             </a:r>
-            <a:endParaRPr lang="ko-KR" altLang="en-US" dirty="0"/>
+            <a:endParaRPr lang="ko-KR" altLang="en-US"/>
           </a:p>
         </p:txBody>
       </p:sp>
@@ -7178,7 +6962,7 @@
           </a:fontRef>
         </p:style>
         <p:txBody>
-          <a:bodyPr rtlCol="0" anchor="ctr"/>
+          <a:bodyPr anchor="ctr"/>
           <a:lstStyle/>
           <a:p>
             <a:pPr algn="ctr"/>
@@ -7195,7 +6979,7 @@
         <p:spPr>
           <a:xfrm>
             <a:off x="393700" y="1558826"/>
-            <a:ext cx="10318750" cy="3416320"/>
+            <a:ext cx="10318750" cy="3382744"/>
           </a:xfrm>
           <a:prstGeom prst="rect">
             <a:avLst/>
@@ -7203,190 +6987,138 @@
           <a:noFill/>
         </p:spPr>
         <p:txBody>
-          <a:bodyPr wrap="square" rtlCol="0">
+          <a:bodyPr wrap="square">
             <a:spAutoFit/>
           </a:bodyPr>
           <a:lstStyle/>
           <a:p>
-            <a:r>
-              <a:rPr lang="ko-KR" altLang="en-US" dirty="0" smtClean="0"/>
-              <a:t>조사해오라 하실 때 대충 키워드만 </a:t>
-            </a:r>
-            <a:r>
-              <a:rPr lang="ko-KR" altLang="en-US" dirty="0" err="1" smtClean="0"/>
-              <a:t>적었어가지고</a:t>
-            </a:r>
-            <a:r>
-              <a:rPr lang="ko-KR" altLang="en-US" dirty="0" smtClean="0"/>
-              <a:t> </a:t>
-            </a:r>
-            <a:r>
-              <a:rPr lang="ko-KR" altLang="en-US" dirty="0" err="1" smtClean="0"/>
-              <a:t>이부분은</a:t>
-            </a:r>
-            <a:r>
-              <a:rPr lang="ko-KR" altLang="en-US" dirty="0" smtClean="0"/>
-              <a:t> </a:t>
-            </a:r>
-            <a:endParaRPr lang="en-US" altLang="ko-KR" dirty="0" smtClean="0"/>
-          </a:p>
-          <a:p>
-            <a:r>
-              <a:rPr lang="ko-KR" altLang="en-US" dirty="0" smtClean="0"/>
-              <a:t>뭘 </a:t>
-            </a:r>
-            <a:r>
-              <a:rPr lang="ko-KR" altLang="en-US" dirty="0" err="1" smtClean="0"/>
-              <a:t>조사하라는건지</a:t>
-            </a:r>
-            <a:r>
-              <a:rPr lang="ko-KR" altLang="en-US" dirty="0" smtClean="0"/>
-              <a:t> 잘 </a:t>
-            </a:r>
-            <a:r>
-              <a:rPr lang="ko-KR" altLang="en-US" dirty="0" err="1" smtClean="0"/>
-              <a:t>모르겠어서</a:t>
-            </a:r>
-            <a:r>
-              <a:rPr lang="ko-KR" altLang="en-US" dirty="0" smtClean="0"/>
-              <a:t> 많이 부족합니다</a:t>
-            </a:r>
-            <a:r>
-              <a:rPr lang="en-US" altLang="ko-KR" dirty="0" smtClean="0"/>
+            <a:pPr lvl="0"/>
+            <a:r>
+              <a:rPr lang="ko-KR" altLang="en-US"/>
+              <a:t>조사해오라 하실 때 대충 키워드만 적었어가지고 이부분은 </a:t>
+            </a:r>
+            <a:endParaRPr lang="ko-KR" altLang="en-US"/>
+          </a:p>
+          <a:p>
+            <a:pPr lvl="0"/>
+            <a:r>
+              <a:rPr lang="ko-KR" altLang="en-US"/>
+              <a:t>뭘 조사하라는건지 잘 모르겠어서 많이 부족합니다</a:t>
+            </a:r>
+            <a:r>
+              <a:rPr lang="en-US" altLang="ko-KR"/>
               <a:t>.</a:t>
             </a:r>
-          </a:p>
-          <a:p>
-            <a:endParaRPr lang="en-US" altLang="ko-KR" dirty="0"/>
-          </a:p>
-          <a:p>
-            <a:endParaRPr lang="en-US" altLang="ko-KR" dirty="0" smtClean="0"/>
-          </a:p>
-          <a:p>
-            <a:r>
-              <a:rPr lang="ko-KR" altLang="en-US" dirty="0" smtClean="0"/>
+            <a:endParaRPr lang="en-US" altLang="ko-KR"/>
+          </a:p>
+          <a:p>
+            <a:pPr lvl="0"/>
+            <a:endParaRPr lang="en-US" altLang="ko-KR"/>
+          </a:p>
+          <a:p>
+            <a:pPr lvl="0"/>
+            <a:endParaRPr lang="en-US" altLang="ko-KR"/>
+          </a:p>
+          <a:p>
+            <a:pPr lvl="0"/>
+            <a:r>
+              <a:rPr lang="ko-KR" altLang="en-US"/>
               <a:t>추가로 질문 </a:t>
             </a:r>
             <a:r>
-              <a:rPr lang="en-US" altLang="ko-KR" dirty="0" smtClean="0"/>
+              <a:rPr lang="en-US" altLang="ko-KR"/>
               <a:t>:</a:t>
             </a:r>
-          </a:p>
-          <a:p>
-            <a:r>
-              <a:rPr lang="ko-KR" altLang="en-US" dirty="0" smtClean="0"/>
+            <a:endParaRPr lang="en-US" altLang="ko-KR"/>
+          </a:p>
+          <a:p>
+            <a:pPr lvl="0"/>
+            <a:r>
+              <a:rPr lang="ko-KR" altLang="en-US"/>
               <a:t>예전에 </a:t>
             </a:r>
             <a:r>
-              <a:rPr lang="en-US" altLang="ko-KR" dirty="0" smtClean="0"/>
+              <a:rPr lang="en-US" altLang="ko-KR"/>
               <a:t>IOCP </a:t>
             </a:r>
             <a:r>
-              <a:rPr lang="ko-KR" altLang="en-US" dirty="0" smtClean="0"/>
+              <a:rPr lang="ko-KR" altLang="en-US"/>
               <a:t>효율이 좋은 이유를 스위칭이 일어날 때 최소한의 스위칭이 일어나도록 최적화 되어 돌아가는 알고리즘이 적용된 스레드 풀이라고 하셨는데 </a:t>
             </a:r>
-            <a:endParaRPr lang="en-US" altLang="ko-KR" dirty="0" smtClean="0"/>
-          </a:p>
-          <a:p>
-            <a:r>
-              <a:rPr lang="en-US" altLang="ko-KR" dirty="0" err="1" smtClean="0"/>
+            <a:endParaRPr lang="ko-KR" altLang="en-US"/>
+          </a:p>
+          <a:p>
+            <a:pPr lvl="0"/>
+            <a:r>
+              <a:rPr lang="en-US" altLang="ko-KR"/>
               <a:t>Createthread</a:t>
             </a:r>
             <a:r>
-              <a:rPr lang="ko-KR" altLang="en-US" dirty="0" smtClean="0"/>
+              <a:rPr lang="ko-KR" altLang="en-US"/>
               <a:t>로 스레드를 생성해서 어디에 연결하거나 넣는 동작을 하지 않았는데</a:t>
             </a:r>
-            <a:endParaRPr lang="en-US" altLang="ko-KR" dirty="0" smtClean="0"/>
-          </a:p>
-          <a:p>
-            <a:r>
-              <a:rPr lang="ko-KR" altLang="en-US" dirty="0" smtClean="0"/>
-              <a:t>어떻게 스레드 풀에 저희가 만든 스레드를 넣고 </a:t>
-            </a:r>
-            <a:r>
-              <a:rPr lang="ko-KR" altLang="en-US" dirty="0" err="1" smtClean="0"/>
-              <a:t>관리하는건가요</a:t>
-            </a:r>
-            <a:r>
-              <a:rPr lang="en-US" altLang="ko-KR" dirty="0" smtClean="0"/>
+            <a:endParaRPr lang="ko-KR" altLang="en-US"/>
+          </a:p>
+          <a:p>
+            <a:pPr lvl="0"/>
+            <a:r>
+              <a:rPr lang="ko-KR" altLang="en-US"/>
+              <a:t>어떻게 스레드 풀에 저희가 만든 스레드를 넣고 관리하는건가요</a:t>
+            </a:r>
+            <a:r>
+              <a:rPr lang="en-US" altLang="ko-KR"/>
               <a:t>?</a:t>
             </a:r>
-          </a:p>
-          <a:p>
-            <a:endParaRPr lang="en-US" altLang="ko-KR" dirty="0"/>
-          </a:p>
-          <a:p>
-            <a:r>
-              <a:rPr lang="ko-KR" altLang="en-US" dirty="0" smtClean="0"/>
-              <a:t>아니면 혹시 그 최적화 </a:t>
-            </a:r>
-            <a:r>
-              <a:rPr lang="ko-KR" altLang="en-US" dirty="0" err="1" smtClean="0"/>
-              <a:t>알고리즘이라는게</a:t>
-            </a:r>
-            <a:r>
-              <a:rPr lang="ko-KR" altLang="en-US" dirty="0" smtClean="0"/>
-              <a:t> </a:t>
-            </a:r>
-            <a:r>
-              <a:rPr lang="en-US" altLang="ko-KR" dirty="0" err="1" smtClean="0"/>
+            <a:endParaRPr lang="en-US" altLang="ko-KR"/>
+          </a:p>
+          <a:p>
+            <a:pPr lvl="0"/>
+            <a:endParaRPr lang="en-US" altLang="ko-KR"/>
+          </a:p>
+          <a:p>
+            <a:pPr lvl="0"/>
+            <a:r>
+              <a:rPr lang="ko-KR" altLang="en-US"/>
+              <a:t>아니면 혹시 그 최적화 알고리즘이라는게 </a:t>
+            </a:r>
+            <a:r>
+              <a:rPr lang="en-US" altLang="ko-KR"/>
               <a:t>workerthread</a:t>
             </a:r>
             <a:r>
-              <a:rPr lang="ko-KR" altLang="en-US" dirty="0" smtClean="0"/>
+              <a:rPr lang="ko-KR" altLang="en-US"/>
               <a:t>들이 </a:t>
             </a:r>
             <a:r>
-              <a:rPr lang="en-US" altLang="ko-KR" dirty="0" err="1" smtClean="0"/>
-              <a:t>GetQueueCompletionStatus</a:t>
-            </a:r>
-            <a:r>
-              <a:rPr lang="en-US" altLang="ko-KR" dirty="0" smtClean="0"/>
-              <a:t>()</a:t>
-            </a:r>
-          </a:p>
-          <a:p>
-            <a:r>
-              <a:rPr lang="ko-KR" altLang="en-US" dirty="0" smtClean="0"/>
-              <a:t>에서 기다리면서 정보를 </a:t>
-            </a:r>
-            <a:r>
-              <a:rPr lang="ko-KR" altLang="en-US" dirty="0" err="1" smtClean="0"/>
-              <a:t>낚아채가는것을</a:t>
-            </a:r>
-            <a:r>
-              <a:rPr lang="ko-KR" altLang="en-US" dirty="0" smtClean="0"/>
-              <a:t> 말하는 건가요</a:t>
-            </a:r>
-            <a:r>
-              <a:rPr lang="en-US" altLang="ko-KR" dirty="0" smtClean="0"/>
+              <a:rPr lang="en-US" altLang="ko-KR"/>
+              <a:t>GetQueueCompletionStatus()</a:t>
+            </a:r>
+            <a:endParaRPr lang="en-US" altLang="ko-KR"/>
+          </a:p>
+          <a:p>
+            <a:pPr lvl="0"/>
+            <a:r>
+              <a:rPr lang="ko-KR" altLang="en-US"/>
+              <a:t>에서 기다리면서 정보를 낚아채가는것을 말하는 건가요</a:t>
+            </a:r>
+            <a:r>
+              <a:rPr lang="en-US" altLang="ko-KR"/>
               <a:t>?</a:t>
             </a:r>
+            <a:endParaRPr lang="en-US" altLang="ko-KR"/>
           </a:p>
         </p:txBody>
       </p:sp>
     </p:spTree>
-    <p:extLst>
-      <p:ext uri="{BB962C8B-B14F-4D97-AF65-F5344CB8AC3E}">
-        <p14:creationId xmlns:p14="http://schemas.microsoft.com/office/powerpoint/2010/main" val="199275241"/>
-      </p:ext>
-    </p:extLst>
   </p:cSld>
   <p:clrMapOvr>
     <a:masterClrMapping/>
   </p:clrMapOvr>
-  <p:timing>
-    <p:tnLst>
-      <p:par>
-        <p:cTn id="1" dur="indefinite" restart="never" nodeType="tmRoot"/>
-      </p:par>
-    </p:tnLst>
-  </p:timing>
 </p:sld>
 </file>
 
 <file path=ppt/slides/slide3.xml><?xml version="1.0" encoding="utf-8"?>
-<p:sld xmlns:a="http://schemas.openxmlformats.org/drawingml/2006/main" xmlns:r="http://schemas.openxmlformats.org/officeDocument/2006/relationships" xmlns:p="http://schemas.openxmlformats.org/presentationml/2006/main">
+<p:sld xmlns:r="http://schemas.openxmlformats.org/officeDocument/2006/relationships" xmlns:c="http://schemas.openxmlformats.org/drawingml/2006/chart" xmlns:a="http://schemas.openxmlformats.org/drawingml/2006/main" xmlns:dgm="http://schemas.openxmlformats.org/drawingml/2006/diagram" xmlns:dsp="http://schemas.microsoft.com/office/drawing/2008/diagram" xmlns:p="http://schemas.openxmlformats.org/presentationml/2006/main">
   <p:cSld>
     <p:spTree>
       <p:nvGrpSpPr>
@@ -7409,7 +7141,7 @@
             <a:spLocks noGrp="1"/>
           </p:cNvSpPr>
           <p:nvPr>
-            <p:ph type="ctrTitle"/>
+            <p:ph type="ctrTitle" idx="0"/>
           </p:nvPr>
         </p:nvSpPr>
         <p:spPr>
@@ -7422,19 +7154,12 @@
           <a:bodyPr/>
           <a:lstStyle/>
           <a:p>
-            <a:r>
-              <a:rPr lang="ko-KR" altLang="en-US" dirty="0" err="1" smtClean="0"/>
-              <a:t>쓰리웨이</a:t>
-            </a:r>
-            <a:r>
-              <a:rPr lang="ko-KR" altLang="en-US" dirty="0" smtClean="0"/>
-              <a:t> 핸드 </a:t>
-            </a:r>
-            <a:r>
-              <a:rPr lang="ko-KR" altLang="en-US" dirty="0" err="1" smtClean="0"/>
-              <a:t>쉐이킹</a:t>
-            </a:r>
-            <a:endParaRPr lang="ko-KR" altLang="en-US" dirty="0"/>
+            <a:pPr lvl="0"/>
+            <a:r>
+              <a:rPr lang="ko-KR" altLang="en-US"/>
+              <a:t>쓰리웨이 핸드 쉐이킹</a:t>
+            </a:r>
+            <a:endParaRPr lang="ko-KR" altLang="en-US"/>
           </a:p>
         </p:txBody>
       </p:sp>
@@ -7447,7 +7172,7 @@
         <p:spPr>
           <a:xfrm>
             <a:off x="6273800" y="1122362"/>
-            <a:ext cx="5003800" cy="4524315"/>
+            <a:ext cx="5003800" cy="4476433"/>
           </a:xfrm>
           <a:prstGeom prst="rect">
             <a:avLst/>
@@ -7455,169 +7180,189 @@
           <a:noFill/>
         </p:spPr>
         <p:txBody>
-          <a:bodyPr wrap="square" rtlCol="0">
+          <a:bodyPr wrap="square">
             <a:spAutoFit/>
           </a:bodyPr>
           <a:lstStyle/>
           <a:p>
-            <a:endParaRPr lang="en-US" altLang="ko-KR" dirty="0"/>
-          </a:p>
-          <a:p>
-            <a:r>
-              <a:rPr lang="en-US" altLang="ko-KR" dirty="0" smtClean="0"/>
+            <a:pPr/>
+            <a:endParaRPr lang="en-US" altLang="ko-KR"/>
+          </a:p>
+          <a:p>
+            <a:pPr lvl="0"/>
+            <a:r>
+              <a:rPr lang="en-US" altLang="ko-KR"/>
               <a:t>[STEP1]</a:t>
             </a:r>
-          </a:p>
-          <a:p>
-            <a:endParaRPr lang="en-US" altLang="ko-KR" dirty="0"/>
-          </a:p>
-          <a:p>
-            <a:r>
-              <a:rPr lang="en-US" altLang="ko-KR" dirty="0" smtClean="0"/>
+            <a:endParaRPr lang="en-US" altLang="ko-KR"/>
+          </a:p>
+          <a:p>
+            <a:pPr lvl="0"/>
+            <a:endParaRPr lang="en-US" altLang="ko-KR"/>
+          </a:p>
+          <a:p>
+            <a:pPr lvl="0"/>
+            <a:r>
+              <a:rPr lang="en-US" altLang="ko-KR"/>
               <a:t>Client -&gt; Server </a:t>
             </a:r>
             <a:r>
-              <a:rPr lang="ko-KR" altLang="en-US" dirty="0" err="1" smtClean="0"/>
-              <a:t>접속요청</a:t>
-            </a:r>
-            <a:r>
-              <a:rPr lang="ko-KR" altLang="en-US" dirty="0" smtClean="0"/>
-              <a:t> </a:t>
-            </a:r>
-            <a:r>
-              <a:rPr lang="en-US" altLang="ko-KR" dirty="0" smtClean="0"/>
+              <a:rPr lang="ko-KR" altLang="en-US"/>
+              <a:t>접속요청 </a:t>
+            </a:r>
+            <a:r>
+              <a:rPr lang="en-US" altLang="ko-KR"/>
               <a:t>SYN </a:t>
             </a:r>
             <a:r>
-              <a:rPr lang="ko-KR" altLang="en-US" dirty="0" smtClean="0"/>
+              <a:rPr lang="ko-KR" altLang="en-US"/>
               <a:t>패킷 전송</a:t>
             </a:r>
             <a:r>
-              <a:rPr lang="en-US" altLang="ko-KR" dirty="0" smtClean="0"/>
+              <a:rPr lang="en-US" altLang="ko-KR"/>
               <a:t>.</a:t>
             </a:r>
-          </a:p>
-          <a:p>
-            <a:endParaRPr lang="en-US" altLang="ko-KR" dirty="0"/>
-          </a:p>
-          <a:p>
-            <a:r>
-              <a:rPr lang="en-US" altLang="ko-KR" dirty="0" smtClean="0"/>
+            <a:endParaRPr lang="en-US" altLang="ko-KR"/>
+          </a:p>
+          <a:p>
+            <a:pPr lvl="0"/>
+            <a:endParaRPr lang="en-US" altLang="ko-KR"/>
+          </a:p>
+          <a:p>
+            <a:pPr lvl="0"/>
+            <a:r>
+              <a:rPr lang="en-US" altLang="ko-KR"/>
               <a:t>Client </a:t>
             </a:r>
             <a:r>
-              <a:rPr lang="ko-KR" altLang="en-US" dirty="0" smtClean="0"/>
+              <a:rPr lang="ko-KR" altLang="en-US"/>
               <a:t>상태 </a:t>
             </a:r>
             <a:r>
-              <a:rPr lang="en-US" altLang="ko-KR" dirty="0" smtClean="0"/>
+              <a:rPr lang="en-US" altLang="ko-KR"/>
               <a:t>: SYN_SENT</a:t>
             </a:r>
-          </a:p>
-          <a:p>
-            <a:endParaRPr lang="en-US" altLang="ko-KR" dirty="0"/>
-          </a:p>
-          <a:p>
-            <a:r>
-              <a:rPr lang="en-US" altLang="ko-KR" dirty="0" smtClean="0"/>
+            <a:endParaRPr lang="en-US" altLang="ko-KR"/>
+          </a:p>
+          <a:p>
+            <a:pPr lvl="0"/>
+            <a:endParaRPr lang="en-US" altLang="ko-KR"/>
+          </a:p>
+          <a:p>
+            <a:pPr lvl="0"/>
+            <a:r>
+              <a:rPr lang="en-US" altLang="ko-KR"/>
               <a:t>[STEP2]</a:t>
             </a:r>
-          </a:p>
-          <a:p>
-            <a:r>
-              <a:rPr lang="en-US" altLang="ko-KR" dirty="0" smtClean="0"/>
+            <a:endParaRPr lang="en-US" altLang="ko-KR"/>
+          </a:p>
+          <a:p>
+            <a:pPr lvl="0"/>
+            <a:r>
+              <a:rPr lang="en-US" altLang="ko-KR"/>
               <a:t>Server</a:t>
             </a:r>
             <a:r>
-              <a:rPr lang="ko-KR" altLang="en-US" dirty="0" smtClean="0"/>
+              <a:rPr lang="ko-KR" altLang="en-US"/>
               <a:t>는 </a:t>
             </a:r>
             <a:r>
-              <a:rPr lang="en-US" altLang="ko-KR" dirty="0" smtClean="0"/>
+              <a:rPr lang="en-US" altLang="ko-KR"/>
               <a:t>SYN </a:t>
             </a:r>
             <a:r>
-              <a:rPr lang="ko-KR" altLang="en-US" dirty="0" smtClean="0"/>
+              <a:rPr lang="ko-KR" altLang="en-US"/>
               <a:t>요청을 받고 </a:t>
             </a:r>
             <a:r>
-              <a:rPr lang="en-US" altLang="ko-KR" dirty="0" smtClean="0"/>
+              <a:rPr lang="en-US" altLang="ko-KR"/>
               <a:t>Client</a:t>
             </a:r>
             <a:r>
-              <a:rPr lang="ko-KR" altLang="en-US" dirty="0" smtClean="0"/>
+              <a:rPr lang="ko-KR" altLang="en-US"/>
               <a:t>에게 요청을 </a:t>
             </a:r>
-            <a:endParaRPr lang="en-US" altLang="ko-KR" dirty="0" smtClean="0"/>
-          </a:p>
-          <a:p>
-            <a:r>
-              <a:rPr lang="ko-KR" altLang="en-US" dirty="0" smtClean="0"/>
+            <a:endParaRPr lang="ko-KR" altLang="en-US"/>
+          </a:p>
+          <a:p>
+            <a:pPr lvl="0"/>
+            <a:r>
+              <a:rPr lang="ko-KR" altLang="en-US"/>
               <a:t>수락한다는 </a:t>
             </a:r>
             <a:r>
-              <a:rPr lang="en-US" altLang="ko-KR" dirty="0" smtClean="0"/>
+              <a:rPr lang="en-US" altLang="ko-KR"/>
               <a:t>ACK</a:t>
             </a:r>
             <a:r>
-              <a:rPr lang="ko-KR" altLang="en-US" dirty="0" smtClean="0"/>
+              <a:rPr lang="ko-KR" altLang="en-US"/>
               <a:t>와 </a:t>
             </a:r>
             <a:r>
-              <a:rPr lang="en-US" altLang="ko-KR" dirty="0" smtClean="0"/>
+              <a:rPr lang="en-US" altLang="ko-KR"/>
               <a:t>SYN flag </a:t>
             </a:r>
             <a:r>
-              <a:rPr lang="ko-KR" altLang="en-US" dirty="0" smtClean="0"/>
+              <a:rPr lang="ko-KR" altLang="en-US"/>
               <a:t>패킷을 발송</a:t>
             </a:r>
             <a:r>
-              <a:rPr lang="en-US" altLang="ko-KR" dirty="0" smtClean="0"/>
+              <a:rPr lang="en-US" altLang="ko-KR"/>
               <a:t>.</a:t>
             </a:r>
-          </a:p>
-          <a:p>
-            <a:endParaRPr lang="en-US" altLang="ko-KR" dirty="0"/>
-          </a:p>
-          <a:p>
-            <a:r>
-              <a:rPr lang="en-US" altLang="ko-KR" dirty="0" smtClean="0"/>
+            <a:endParaRPr lang="en-US" altLang="ko-KR"/>
+          </a:p>
+          <a:p>
+            <a:pPr lvl="0"/>
+            <a:endParaRPr lang="en-US" altLang="ko-KR"/>
+          </a:p>
+          <a:p>
+            <a:pPr lvl="0"/>
+            <a:r>
+              <a:rPr lang="en-US" altLang="ko-KR"/>
               <a:t>Server </a:t>
             </a:r>
             <a:r>
-              <a:rPr lang="ko-KR" altLang="en-US" dirty="0" smtClean="0"/>
+              <a:rPr lang="ko-KR" altLang="en-US"/>
               <a:t>상태 </a:t>
             </a:r>
             <a:r>
-              <a:rPr lang="en-US" altLang="ko-KR" dirty="0" smtClean="0"/>
+              <a:rPr lang="en-US" altLang="ko-KR"/>
               <a:t>: SYN_RECEIVED</a:t>
             </a:r>
-          </a:p>
-          <a:p>
-            <a:endParaRPr lang="en-US" altLang="ko-KR" dirty="0"/>
-          </a:p>
-          <a:p>
-            <a:r>
-              <a:rPr lang="en-US" altLang="ko-KR" dirty="0" smtClean="0"/>
+            <a:endParaRPr lang="en-US" altLang="ko-KR"/>
+          </a:p>
+          <a:p>
+            <a:pPr lvl="0"/>
+            <a:endParaRPr lang="en-US" altLang="ko-KR"/>
+          </a:p>
+          <a:p>
+            <a:pPr lvl="0"/>
+            <a:r>
+              <a:rPr lang="en-US" altLang="ko-KR"/>
               <a:t>[STEP3]</a:t>
             </a:r>
-          </a:p>
-          <a:p>
-            <a:r>
-              <a:rPr lang="en-US" altLang="ko-KR" dirty="0" smtClean="0"/>
+            <a:endParaRPr lang="en-US" altLang="ko-KR"/>
+          </a:p>
+          <a:p>
+            <a:pPr lvl="0"/>
+            <a:r>
+              <a:rPr lang="en-US" altLang="ko-KR"/>
               <a:t>Client-&gt;Server ACK </a:t>
             </a:r>
             <a:r>
-              <a:rPr lang="ko-KR" altLang="en-US" dirty="0" smtClean="0"/>
+              <a:rPr lang="ko-KR" altLang="en-US"/>
               <a:t>전송 연결 수립 완료</a:t>
             </a:r>
             <a:r>
-              <a:rPr lang="en-US" altLang="ko-KR" dirty="0" smtClean="0"/>
+              <a:rPr lang="en-US" altLang="ko-KR"/>
               <a:t>.</a:t>
             </a:r>
-          </a:p>
-          <a:p>
-            <a:endParaRPr lang="en-US" altLang="ko-KR" dirty="0"/>
+            <a:endParaRPr lang="en-US" altLang="ko-KR"/>
+          </a:p>
+          <a:p>
+            <a:pPr lvl="0"/>
+            <a:endParaRPr lang="en-US" altLang="ko-KR"/>
           </a:p>
         </p:txBody>
       </p:sp>
@@ -7629,8 +7374,11 @@
           </p:cNvPicPr>
           <p:nvPr/>
         </p:nvPicPr>
-        <p:blipFill>
-          <a:blip r:embed="rId2"/>
+        <p:blipFill rotWithShape="1">
+          <a:blip r:embed="rId2">
+            <a:alphaModFix/>
+            <a:lum/>
+          </a:blip>
           <a:stretch>
             <a:fillRect/>
           </a:stretch>
@@ -7646,11 +7394,6 @@
         </p:spPr>
       </p:pic>
     </p:spTree>
-    <p:extLst>
-      <p:ext uri="{BB962C8B-B14F-4D97-AF65-F5344CB8AC3E}">
-        <p14:creationId xmlns:p14="http://schemas.microsoft.com/office/powerpoint/2010/main" val="2817282491"/>
-      </p:ext>
-    </p:extLst>
   </p:cSld>
   <p:clrMapOvr>
     <a:masterClrMapping/>
@@ -7659,7 +7402,7 @@
 </file>
 
 <file path=ppt/slides/slide30.xml><?xml version="1.0" encoding="utf-8"?>
-<p:sld xmlns:a="http://schemas.openxmlformats.org/drawingml/2006/main" xmlns:r="http://schemas.openxmlformats.org/officeDocument/2006/relationships" xmlns:p="http://schemas.openxmlformats.org/presentationml/2006/main">
+<p:sld xmlns:r="http://schemas.openxmlformats.org/officeDocument/2006/relationships" xmlns:c="http://schemas.openxmlformats.org/drawingml/2006/chart" xmlns:a="http://schemas.openxmlformats.org/drawingml/2006/main" xmlns:dgm="http://schemas.openxmlformats.org/drawingml/2006/diagram" xmlns:dsp="http://schemas.microsoft.com/office/drawing/2008/diagram" xmlns:p="http://schemas.openxmlformats.org/presentationml/2006/main">
   <p:cSld>
     <p:spTree>
       <p:nvGrpSpPr>
@@ -7682,7 +7425,7 @@
             <a:spLocks noGrp="1"/>
           </p:cNvSpPr>
           <p:nvPr>
-            <p:ph type="ctrTitle"/>
+            <p:ph type="ctrTitle" idx="0"/>
           </p:nvPr>
         </p:nvSpPr>
         <p:spPr>
@@ -7695,11 +7438,12 @@
           <a:bodyPr/>
           <a:lstStyle/>
           <a:p>
-            <a:r>
-              <a:rPr lang="en-US" altLang="ko-KR" dirty="0" smtClean="0"/>
+            <a:pPr lvl="0"/>
+            <a:r>
+              <a:rPr lang="en-US" altLang="ko-KR"/>
               <a:t>IOCP Thread Pool</a:t>
             </a:r>
-            <a:endParaRPr lang="ko-KR" altLang="en-US" dirty="0"/>
+            <a:endParaRPr lang="ko-KR" altLang="en-US"/>
           </a:p>
         </p:txBody>
       </p:sp>
@@ -7743,7 +7487,7 @@
           </a:fontRef>
         </p:style>
         <p:txBody>
-          <a:bodyPr rtlCol="0" anchor="ctr"/>
+          <a:bodyPr anchor="ctr"/>
           <a:lstStyle/>
           <a:p>
             <a:pPr algn="ctr"/>
@@ -7760,7 +7504,7 @@
         <p:spPr>
           <a:xfrm>
             <a:off x="393700" y="1558826"/>
-            <a:ext cx="11429446" cy="1754326"/>
+            <a:ext cx="11429446" cy="1734919"/>
           </a:xfrm>
           <a:prstGeom prst="rect">
             <a:avLst/>
@@ -7768,144 +7512,113 @@
           <a:noFill/>
         </p:spPr>
         <p:txBody>
-          <a:bodyPr wrap="square" rtlCol="0">
+          <a:bodyPr wrap="square">
             <a:spAutoFit/>
           </a:bodyPr>
           <a:lstStyle/>
           <a:p>
-            <a:r>
-              <a:rPr lang="ko-KR" altLang="en-US" dirty="0" smtClean="0"/>
+            <a:pPr lvl="0"/>
+            <a:r>
+              <a:rPr lang="ko-KR" altLang="en-US"/>
               <a:t>추가로 질문 </a:t>
             </a:r>
             <a:r>
-              <a:rPr lang="en-US" altLang="ko-KR" dirty="0" smtClean="0"/>
+              <a:rPr lang="en-US" altLang="ko-KR"/>
               <a:t>: </a:t>
             </a:r>
             <a:r>
-              <a:rPr lang="ko-KR" altLang="en-US" dirty="0" smtClean="0"/>
-              <a:t>이미지들을 </a:t>
-            </a:r>
-            <a:r>
-              <a:rPr lang="ko-KR" altLang="en-US" dirty="0" err="1" smtClean="0"/>
-              <a:t>봤을때</a:t>
-            </a:r>
-            <a:r>
-              <a:rPr lang="ko-KR" altLang="en-US" dirty="0" smtClean="0"/>
-              <a:t> 최초 </a:t>
-            </a:r>
-            <a:r>
-              <a:rPr lang="en-US" altLang="ko-KR" dirty="0" smtClean="0"/>
+              <a:rPr lang="ko-KR" altLang="en-US"/>
+              <a:t>이미지들을 봤을때 최초 </a:t>
+            </a:r>
+            <a:r>
+              <a:rPr lang="en-US" altLang="ko-KR"/>
               <a:t>hcp (</a:t>
             </a:r>
             <a:r>
-              <a:rPr lang="ko-KR" altLang="en-US" dirty="0" err="1" smtClean="0"/>
+              <a:rPr lang="ko-KR" altLang="en-US"/>
               <a:t>완료포트</a:t>
             </a:r>
             <a:r>
-              <a:rPr lang="en-US" altLang="ko-KR" dirty="0" smtClean="0"/>
+              <a:rPr lang="en-US" altLang="ko-KR"/>
               <a:t>) </a:t>
             </a:r>
             <a:r>
-              <a:rPr lang="ko-KR" altLang="en-US" dirty="0" smtClean="0"/>
-              <a:t>생성 후 </a:t>
-            </a:r>
-            <a:r>
-              <a:rPr lang="ko-KR" altLang="en-US" dirty="0" err="1" smtClean="0"/>
-              <a:t>소켓정보나</a:t>
-            </a:r>
-            <a:r>
-              <a:rPr lang="ko-KR" altLang="en-US" dirty="0" smtClean="0"/>
-              <a:t> 완료 정보가 </a:t>
-            </a:r>
-            <a:r>
-              <a:rPr lang="en-US" altLang="ko-KR" dirty="0" smtClean="0"/>
+              <a:rPr lang="ko-KR" altLang="en-US"/>
+              <a:t>생성 후 소켓정보나 완료 정보가 </a:t>
+            </a:r>
+            <a:r>
+              <a:rPr lang="en-US" altLang="ko-KR"/>
               <a:t>hcp</a:t>
             </a:r>
             <a:r>
-              <a:rPr lang="ko-KR" altLang="en-US" dirty="0" smtClean="0"/>
-              <a:t>에 저장 되어 </a:t>
-            </a:r>
-            <a:r>
-              <a:rPr lang="ko-KR" altLang="en-US" dirty="0" err="1" smtClean="0"/>
-              <a:t>사용되는것</a:t>
-            </a:r>
-            <a:r>
-              <a:rPr lang="ko-KR" altLang="en-US" dirty="0" smtClean="0"/>
-              <a:t> 같은데  그럼 </a:t>
-            </a:r>
-            <a:r>
-              <a:rPr lang="en-US" altLang="ko-KR" dirty="0" smtClean="0"/>
+              <a:rPr lang="ko-KR" altLang="en-US"/>
+              <a:t>에 저장 되어 사용되는것 같은데  그럼 </a:t>
+            </a:r>
+            <a:r>
+              <a:rPr lang="en-US" altLang="ko-KR"/>
               <a:t>hcp</a:t>
             </a:r>
             <a:r>
-              <a:rPr lang="ko-KR" altLang="en-US" dirty="0" smtClean="0"/>
+              <a:rPr lang="ko-KR" altLang="en-US"/>
               <a:t>는 오른쪽 이미지에서 보이는 </a:t>
             </a:r>
             <a:r>
-              <a:rPr lang="en-US" altLang="ko-KR" dirty="0" err="1" smtClean="0"/>
+              <a:rPr lang="en-US" altLang="ko-KR"/>
               <a:t>devicelist</a:t>
             </a:r>
             <a:r>
-              <a:rPr lang="ko-KR" altLang="en-US" dirty="0" smtClean="0"/>
+              <a:rPr lang="ko-KR" altLang="en-US"/>
               <a:t>와 </a:t>
             </a:r>
             <a:r>
-              <a:rPr lang="en-US" altLang="ko-KR" dirty="0" smtClean="0"/>
+              <a:rPr lang="en-US" altLang="ko-KR"/>
               <a:t>i/o queue</a:t>
             </a:r>
             <a:r>
-              <a:rPr lang="ko-KR" altLang="en-US" dirty="0"/>
-              <a:t> </a:t>
-            </a:r>
-            <a:r>
-              <a:rPr lang="ko-KR" altLang="en-US" dirty="0" smtClean="0"/>
-              <a:t>와 </a:t>
-            </a:r>
-            <a:r>
-              <a:rPr lang="en-US" altLang="ko-KR" dirty="0" err="1" smtClean="0"/>
+              <a:rPr lang="ko-KR" altLang="en-US"/>
+              <a:t> 와 </a:t>
+            </a:r>
+            <a:r>
+              <a:rPr lang="en-US" altLang="ko-KR"/>
               <a:t>threadpool</a:t>
             </a:r>
             <a:r>
-              <a:rPr lang="ko-KR" altLang="en-US" dirty="0" smtClean="0"/>
+              <a:rPr lang="ko-KR" altLang="en-US"/>
               <a:t>을 소유하고 있고</a:t>
             </a:r>
-            <a:endParaRPr lang="en-US" altLang="ko-KR" dirty="0" smtClean="0"/>
-          </a:p>
-          <a:p>
-            <a:endParaRPr lang="en-US" altLang="ko-KR" dirty="0"/>
-          </a:p>
-          <a:p>
-            <a:r>
-              <a:rPr lang="ko-KR" altLang="en-US" dirty="0" smtClean="0"/>
-              <a:t>스레드풀에는 현재 </a:t>
-            </a:r>
-            <a:r>
-              <a:rPr lang="ko-KR" altLang="en-US" dirty="0" err="1" smtClean="0"/>
-              <a:t>활성화중인</a:t>
-            </a:r>
-            <a:r>
-              <a:rPr lang="ko-KR" altLang="en-US" dirty="0" smtClean="0"/>
-              <a:t> 스레드가 자동으로 </a:t>
-            </a:r>
-            <a:r>
-              <a:rPr lang="en-US" altLang="ko-KR" dirty="0" smtClean="0"/>
+            <a:endParaRPr lang="ko-KR" altLang="en-US"/>
+          </a:p>
+          <a:p>
+            <a:pPr lvl="0"/>
+            <a:endParaRPr lang="en-US" altLang="ko-KR"/>
+          </a:p>
+          <a:p>
+            <a:pPr lvl="0"/>
+            <a:r>
+              <a:rPr lang="ko-KR" altLang="en-US"/>
+              <a:t>스레드풀에는 현재 활성화중인 스레드가 자동으로 </a:t>
+            </a:r>
+            <a:r>
+              <a:rPr lang="en-US" altLang="ko-KR"/>
               <a:t>hcp </a:t>
             </a:r>
             <a:r>
-              <a:rPr lang="ko-KR" altLang="en-US" dirty="0" smtClean="0"/>
+              <a:rPr lang="ko-KR" altLang="en-US"/>
               <a:t>안에 들어가서 최적화 알고리즘을 적용 받는 건가요</a:t>
             </a:r>
             <a:r>
-              <a:rPr lang="en-US" altLang="ko-KR" smtClean="0"/>
+              <a:rPr lang="en-US" altLang="ko-KR"/>
               <a:t>?</a:t>
             </a:r>
-            <a:endParaRPr lang="en-US" altLang="ko-KR" dirty="0" smtClean="0"/>
-          </a:p>
-          <a:p>
-            <a:endParaRPr lang="en-US" altLang="ko-KR" dirty="0"/>
-          </a:p>
-          <a:p>
-            <a:endParaRPr lang="en-US" altLang="ko-KR" dirty="0" smtClean="0"/>
+            <a:endParaRPr lang="en-US" altLang="ko-KR"/>
+          </a:p>
+          <a:p>
+            <a:pPr lvl="0"/>
+            <a:endParaRPr lang="en-US" altLang="ko-KR"/>
+          </a:p>
+          <a:p>
+            <a:pPr lvl="0"/>
+            <a:endParaRPr lang="en-US" altLang="ko-KR"/>
           </a:p>
         </p:txBody>
       </p:sp>
@@ -7917,8 +7630,11 @@
           </p:cNvPicPr>
           <p:nvPr/>
         </p:nvPicPr>
-        <p:blipFill>
-          <a:blip r:embed="rId2"/>
+        <p:blipFill rotWithShape="1">
+          <a:blip r:embed="rId2">
+            <a:alphaModFix/>
+            <a:lum/>
+          </a:blip>
           <a:stretch>
             <a:fillRect/>
           </a:stretch>
@@ -7941,8 +7657,11 @@
           </p:cNvPicPr>
           <p:nvPr/>
         </p:nvPicPr>
-        <p:blipFill>
-          <a:blip r:embed="rId3"/>
+        <p:blipFill rotWithShape="1">
+          <a:blip r:embed="rId3">
+            <a:alphaModFix/>
+            <a:lum/>
+          </a:blip>
           <a:stretch>
             <a:fillRect/>
           </a:stretch>
@@ -7965,8 +7684,11 @@
           </p:cNvPicPr>
           <p:nvPr/>
         </p:nvPicPr>
-        <p:blipFill>
-          <a:blip r:embed="rId4"/>
+        <p:blipFill rotWithShape="1">
+          <a:blip r:embed="rId4">
+            <a:alphaModFix/>
+            <a:lum/>
+          </a:blip>
           <a:stretch>
             <a:fillRect/>
           </a:stretch>
@@ -7989,8 +7711,11 @@
           </p:cNvPicPr>
           <p:nvPr/>
         </p:nvPicPr>
-        <p:blipFill>
-          <a:blip r:embed="rId5"/>
+        <p:blipFill rotWithShape="1">
+          <a:blip r:embed="rId5">
+            <a:alphaModFix/>
+            <a:lum/>
+          </a:blip>
           <a:stretch>
             <a:fillRect/>
           </a:stretch>
@@ -8006,27 +7731,15 @@
         </p:spPr>
       </p:pic>
     </p:spTree>
-    <p:extLst>
-      <p:ext uri="{BB962C8B-B14F-4D97-AF65-F5344CB8AC3E}">
-        <p14:creationId xmlns:p14="http://schemas.microsoft.com/office/powerpoint/2010/main" val="1217997751"/>
-      </p:ext>
-    </p:extLst>
   </p:cSld>
   <p:clrMapOvr>
     <a:masterClrMapping/>
   </p:clrMapOvr>
-  <p:timing>
-    <p:tnLst>
-      <p:par>
-        <p:cTn id="1" dur="indefinite" restart="never" nodeType="tmRoot"/>
-      </p:par>
-    </p:tnLst>
-  </p:timing>
 </p:sld>
 </file>
 
 <file path=ppt/slides/slide31.xml><?xml version="1.0" encoding="utf-8"?>
-<p:sld xmlns:a="http://schemas.openxmlformats.org/drawingml/2006/main" xmlns:r="http://schemas.openxmlformats.org/officeDocument/2006/relationships" xmlns:p="http://schemas.openxmlformats.org/presentationml/2006/main">
+<p:sld xmlns:r="http://schemas.openxmlformats.org/officeDocument/2006/relationships" xmlns:c="http://schemas.openxmlformats.org/drawingml/2006/chart" xmlns:a="http://schemas.openxmlformats.org/drawingml/2006/main" xmlns:dgm="http://schemas.openxmlformats.org/drawingml/2006/diagram" xmlns:dsp="http://schemas.microsoft.com/office/drawing/2008/diagram" xmlns:p="http://schemas.openxmlformats.org/presentationml/2006/main">
   <p:cSld>
     <p:spTree>
       <p:nvGrpSpPr>
@@ -8049,7 +7762,7 @@
             <a:spLocks noGrp="1"/>
           </p:cNvSpPr>
           <p:nvPr>
-            <p:ph type="ctrTitle"/>
+            <p:ph type="ctrTitle" idx="0"/>
           </p:nvPr>
         </p:nvSpPr>
         <p:spPr>
@@ -8062,40 +7775,29 @@
           <a:bodyPr/>
           <a:lstStyle/>
           <a:p>
-            <a:r>
-              <a:rPr lang="ko-KR" altLang="en-US" dirty="0" smtClean="0"/>
+            <a:pPr lvl="0"/>
+            <a:r>
+              <a:rPr lang="ko-KR" altLang="en-US"/>
               <a:t>감사합니다</a:t>
             </a:r>
             <a:r>
-              <a:rPr lang="en-US" altLang="ko-KR" dirty="0" smtClean="0"/>
+              <a:rPr lang="en-US" altLang="ko-KR"/>
               <a:t>.</a:t>
             </a:r>
-            <a:endParaRPr lang="ko-KR" altLang="en-US" dirty="0"/>
+            <a:endParaRPr lang="ko-KR" altLang="en-US"/>
           </a:p>
         </p:txBody>
       </p:sp>
     </p:spTree>
-    <p:extLst>
-      <p:ext uri="{BB962C8B-B14F-4D97-AF65-F5344CB8AC3E}">
-        <p14:creationId xmlns:p14="http://schemas.microsoft.com/office/powerpoint/2010/main" val="1309878527"/>
-      </p:ext>
-    </p:extLst>
   </p:cSld>
   <p:clrMapOvr>
     <a:masterClrMapping/>
   </p:clrMapOvr>
-  <p:timing>
-    <p:tnLst>
-      <p:par>
-        <p:cTn id="1" dur="indefinite" restart="never" nodeType="tmRoot"/>
-      </p:par>
-    </p:tnLst>
-  </p:timing>
 </p:sld>
 </file>
 
 <file path=ppt/slides/slide32.xml><?xml version="1.0" encoding="utf-8"?>
-<p:sld xmlns:a="http://schemas.openxmlformats.org/drawingml/2006/main" xmlns:r="http://schemas.openxmlformats.org/officeDocument/2006/relationships" xmlns:p="http://schemas.openxmlformats.org/presentationml/2006/main">
+<p:sld xmlns:r="http://schemas.openxmlformats.org/officeDocument/2006/relationships" xmlns:c="http://schemas.openxmlformats.org/drawingml/2006/chart" xmlns:a="http://schemas.openxmlformats.org/drawingml/2006/main" xmlns:dgm="http://schemas.openxmlformats.org/drawingml/2006/diagram" xmlns:dsp="http://schemas.microsoft.com/office/drawing/2008/diagram" xmlns:p="http://schemas.openxmlformats.org/presentationml/2006/main">
   <p:cSld>
     <p:spTree>
       <p:nvGrpSpPr>
@@ -8119,8 +7821,8 @@
         </p:nvSpPr>
         <p:spPr>
           <a:xfrm>
-            <a:off x="609600" y="5360769"/>
-            <a:ext cx="9867900" cy="1200329"/>
+            <a:off x="597119" y="4412363"/>
+            <a:ext cx="9867902" cy="1186432"/>
           </a:xfrm>
           <a:prstGeom prst="rect">
             <a:avLst/>
@@ -8132,28 +7834,30 @@
           </a:bodyPr>
           <a:lstStyle/>
           <a:p>
-            <a:endParaRPr lang="en-US" altLang="ko-KR" dirty="0" smtClean="0">
-              <a:hlinkClick r:id="rId2"/>
-            </a:endParaRPr>
-          </a:p>
-          <a:p>
-            <a:r>
-              <a:rPr lang="ko-KR" altLang="en-US" dirty="0" smtClean="0">
+            <a:pPr/>
+            <a:endParaRPr lang="en-US" altLang="ko-KR"/>
+          </a:p>
+          <a:p>
+            <a:pPr lvl="0"/>
+            <a:r>
+              <a:rPr lang="ko-KR" altLang="en-US">
                 <a:hlinkClick r:id="rId2"/>
               </a:rPr>
               <a:t>https://chfhrqnfrhc.tistory.com/entry/%EC%86%8C%EC%BC%93-%EC%A2%85%EB%A3%8C</a:t>
             </a:r>
-            <a:endParaRPr lang="en-US" altLang="ko-KR" dirty="0" smtClean="0"/>
-          </a:p>
-          <a:p>
-            <a:endParaRPr lang="en-US" altLang="ko-KR" dirty="0"/>
-          </a:p>
-          <a:p>
-            <a:r>
-              <a:rPr lang="en-US" altLang="ko-KR" dirty="0"/>
+            <a:endParaRPr lang="ko-KR" altLang="en-US"/>
+          </a:p>
+          <a:p>
+            <a:pPr lvl="0"/>
+            <a:endParaRPr lang="en-US" altLang="ko-KR"/>
+          </a:p>
+          <a:p>
+            <a:pPr lvl="0"/>
+            <a:r>
+              <a:rPr lang="en-US" altLang="ko-KR"/>
               <a:t>https://popcorntree.tistory.com/80?category=813524</a:t>
             </a:r>
-            <a:endParaRPr lang="ko-KR" altLang="en-US" dirty="0"/>
+            <a:endParaRPr lang="ko-KR" altLang="en-US"/>
           </a:p>
         </p:txBody>
       </p:sp>
@@ -8165,8 +7869,8 @@
         </p:nvSpPr>
         <p:spPr>
           <a:xfrm>
-            <a:off x="609600" y="4803338"/>
-            <a:ext cx="6119111" cy="646331"/>
+            <a:off x="597121" y="3942285"/>
+            <a:ext cx="6076093" cy="646331"/>
           </a:xfrm>
           <a:prstGeom prst="rect">
             <a:avLst/>
@@ -8178,43 +7882,62 @@
           </a:bodyPr>
           <a:lstStyle/>
           <a:p>
-            <a:r>
-              <a:rPr lang="ko-KR" altLang="en-US" dirty="0" smtClean="0"/>
+            <a:pPr lvl="0"/>
+            <a:r>
+              <a:rPr lang="ko-KR" altLang="en-US"/>
               <a:t>참조 링크</a:t>
             </a:r>
-            <a:endParaRPr lang="en-US" altLang="ko-KR" dirty="0" smtClean="0"/>
-          </a:p>
-          <a:p>
-            <a:r>
-              <a:rPr lang="ko-KR" altLang="en-US" dirty="0" smtClean="0"/>
+            <a:endParaRPr lang="ko-KR" altLang="en-US"/>
+          </a:p>
+          <a:p>
+            <a:pPr lvl="0"/>
+            <a:r>
+              <a:rPr lang="ko-KR" altLang="en-US"/>
               <a:t>https://evan-moon.github.io/2019/11/17/tcp-handshake/</a:t>
             </a:r>
-            <a:endParaRPr lang="ko-KR" altLang="en-US" dirty="0"/>
+            <a:endParaRPr lang="ko-KR" altLang="en-US"/>
+          </a:p>
+        </p:txBody>
+      </p:sp>
+      <p:sp>
+        <p:nvSpPr>
+          <p:cNvPr id="6" name="직사각형 5"/>
+          <p:cNvSpPr txBox="1"/>
+          <p:nvPr/>
+        </p:nvSpPr>
+        <p:spPr>
+          <a:xfrm>
+            <a:off x="611468" y="5790264"/>
+            <a:ext cx="9824421" cy="360981"/>
+          </a:xfrm>
+          <a:prstGeom prst="rect">
+            <a:avLst/>
+          </a:prstGeom>
+        </p:spPr>
+        <p:txBody>
+          <a:bodyPr wrap="square">
+            <a:spAutoFit/>
+          </a:bodyPr>
+          <a:p>
+            <a:pPr/>
+            <a:r>
+              <a:rPr lang="ko-KR" altLang="en-US"/>
+              <a:t>https://chfhrqnfrhc.tistory.com/entry/IOCP</a:t>
+            </a:r>
+            <a:endParaRPr lang="ko-KR" altLang="en-US"/>
           </a:p>
         </p:txBody>
       </p:sp>
     </p:spTree>
-    <p:extLst>
-      <p:ext uri="{BB962C8B-B14F-4D97-AF65-F5344CB8AC3E}">
-        <p14:creationId xmlns:p14="http://schemas.microsoft.com/office/powerpoint/2010/main" val="3501746963"/>
-      </p:ext>
-    </p:extLst>
   </p:cSld>
   <p:clrMapOvr>
     <a:masterClrMapping/>
   </p:clrMapOvr>
-  <p:timing>
-    <p:tnLst>
-      <p:par>
-        <p:cTn id="1" dur="indefinite" restart="never" nodeType="tmRoot"/>
-      </p:par>
-    </p:tnLst>
-  </p:timing>
 </p:sld>
 </file>
 
 <file path=ppt/slides/slide4.xml><?xml version="1.0" encoding="utf-8"?>
-<p:sld xmlns:a="http://schemas.openxmlformats.org/drawingml/2006/main" xmlns:r="http://schemas.openxmlformats.org/officeDocument/2006/relationships" xmlns:p="http://schemas.openxmlformats.org/presentationml/2006/main">
+<p:sld xmlns:r="http://schemas.openxmlformats.org/officeDocument/2006/relationships" xmlns:c="http://schemas.openxmlformats.org/drawingml/2006/chart" xmlns:a="http://schemas.openxmlformats.org/drawingml/2006/main" xmlns:dgm="http://schemas.openxmlformats.org/drawingml/2006/diagram" xmlns:dsp="http://schemas.microsoft.com/office/drawing/2008/diagram" xmlns:p="http://schemas.openxmlformats.org/presentationml/2006/main">
   <p:cSld>
     <p:spTree>
       <p:nvGrpSpPr>
@@ -8237,7 +7960,7 @@
             <a:spLocks noGrp="1"/>
           </p:cNvSpPr>
           <p:nvPr>
-            <p:ph type="ctrTitle"/>
+            <p:ph type="ctrTitle" idx="0"/>
           </p:nvPr>
         </p:nvSpPr>
         <p:spPr>
@@ -8250,19 +7973,12 @@
           <a:bodyPr/>
           <a:lstStyle/>
           <a:p>
-            <a:r>
-              <a:rPr lang="ko-KR" altLang="en-US" dirty="0" err="1" smtClean="0"/>
-              <a:t>쓰리웨이</a:t>
-            </a:r>
-            <a:r>
-              <a:rPr lang="ko-KR" altLang="en-US" dirty="0" smtClean="0"/>
-              <a:t> 핸드 </a:t>
-            </a:r>
-            <a:r>
-              <a:rPr lang="ko-KR" altLang="en-US" dirty="0" err="1" smtClean="0"/>
-              <a:t>쉐이킹</a:t>
-            </a:r>
-            <a:endParaRPr lang="ko-KR" altLang="en-US" dirty="0"/>
+            <a:pPr lvl="0"/>
+            <a:r>
+              <a:rPr lang="ko-KR" altLang="en-US"/>
+              <a:t>쓰리웨이 핸드 쉐이킹</a:t>
+            </a:r>
+            <a:endParaRPr lang="ko-KR" altLang="en-US"/>
           </a:p>
         </p:txBody>
       </p:sp>
@@ -8274,8 +7990,11 @@
           </p:cNvPicPr>
           <p:nvPr/>
         </p:nvPicPr>
-        <p:blipFill>
-          <a:blip r:embed="rId2"/>
+        <p:blipFill rotWithShape="1">
+          <a:blip r:embed="rId2">
+            <a:alphaModFix/>
+            <a:lum/>
+          </a:blip>
           <a:stretch>
             <a:fillRect/>
           </a:stretch>
@@ -8298,8 +8017,11 @@
           </p:cNvPicPr>
           <p:nvPr/>
         </p:nvPicPr>
-        <p:blipFill>
-          <a:blip r:embed="rId3"/>
+        <p:blipFill rotWithShape="1">
+          <a:blip r:embed="rId3">
+            <a:alphaModFix/>
+            <a:lum/>
+          </a:blip>
           <a:stretch>
             <a:fillRect/>
           </a:stretch>
@@ -8314,17 +8036,12 @@
           </a:prstGeom>
           <a:ln>
             <a:solidFill>
-              <a:srgbClr val="C00000"/>
+              <a:srgbClr val="c00000"/>
             </a:solidFill>
           </a:ln>
         </p:spPr>
       </p:pic>
     </p:spTree>
-    <p:extLst>
-      <p:ext uri="{BB962C8B-B14F-4D97-AF65-F5344CB8AC3E}">
-        <p14:creationId xmlns:p14="http://schemas.microsoft.com/office/powerpoint/2010/main" val="3740801065"/>
-      </p:ext>
-    </p:extLst>
   </p:cSld>
   <p:clrMapOvr>
     <a:masterClrMapping/>
@@ -8333,7 +8050,7 @@
 </file>
 
 <file path=ppt/slides/slide5.xml><?xml version="1.0" encoding="utf-8"?>
-<p:sld xmlns:a="http://schemas.openxmlformats.org/drawingml/2006/main" xmlns:r="http://schemas.openxmlformats.org/officeDocument/2006/relationships" xmlns:p="http://schemas.openxmlformats.org/presentationml/2006/main">
+<p:sld xmlns:r="http://schemas.openxmlformats.org/officeDocument/2006/relationships" xmlns:c="http://schemas.openxmlformats.org/drawingml/2006/chart" xmlns:a="http://schemas.openxmlformats.org/drawingml/2006/main" xmlns:dgm="http://schemas.openxmlformats.org/drawingml/2006/diagram" xmlns:dsp="http://schemas.microsoft.com/office/drawing/2008/diagram" xmlns:p="http://schemas.openxmlformats.org/presentationml/2006/main">
   <p:cSld>
     <p:spTree>
       <p:nvGrpSpPr>
@@ -8356,7 +8073,7 @@
             <a:spLocks noGrp="1"/>
           </p:cNvSpPr>
           <p:nvPr>
-            <p:ph type="ctrTitle"/>
+            <p:ph type="ctrTitle" idx="0"/>
           </p:nvPr>
         </p:nvSpPr>
         <p:spPr>
@@ -8369,19 +8086,12 @@
           <a:bodyPr/>
           <a:lstStyle/>
           <a:p>
-            <a:r>
-              <a:rPr lang="ko-KR" altLang="en-US" dirty="0" err="1" smtClean="0"/>
-              <a:t>쓰리웨이</a:t>
-            </a:r>
-            <a:r>
-              <a:rPr lang="ko-KR" altLang="en-US" dirty="0" smtClean="0"/>
-              <a:t> 핸드 </a:t>
-            </a:r>
-            <a:r>
-              <a:rPr lang="ko-KR" altLang="en-US" dirty="0" err="1" smtClean="0"/>
-              <a:t>쉐이킹</a:t>
-            </a:r>
-            <a:endParaRPr lang="ko-KR" altLang="en-US" dirty="0"/>
+            <a:pPr lvl="0"/>
+            <a:r>
+              <a:rPr lang="ko-KR" altLang="en-US"/>
+              <a:t>쓰리웨이 핸드 쉐이킹</a:t>
+            </a:r>
+            <a:endParaRPr lang="ko-KR" altLang="en-US"/>
           </a:p>
         </p:txBody>
       </p:sp>
@@ -8393,8 +8103,11 @@
           </p:cNvPicPr>
           <p:nvPr/>
         </p:nvPicPr>
-        <p:blipFill>
-          <a:blip r:embed="rId2"/>
+        <p:blipFill rotWithShape="1">
+          <a:blip r:embed="rId2">
+            <a:alphaModFix/>
+            <a:lum/>
+          </a:blip>
           <a:stretch>
             <a:fillRect/>
           </a:stretch>
@@ -8418,7 +8131,7 @@
         <p:spPr>
           <a:xfrm>
             <a:off x="7327900" y="1826219"/>
-            <a:ext cx="4495800" cy="2031325"/>
+            <a:ext cx="4495800" cy="2010451"/>
           </a:xfrm>
           <a:prstGeom prst="rect">
             <a:avLst/>
@@ -8426,117 +8139,101 @@
           <a:noFill/>
         </p:spPr>
         <p:txBody>
-          <a:bodyPr wrap="square" rtlCol="0">
+          <a:bodyPr wrap="square">
             <a:spAutoFit/>
           </a:bodyPr>
           <a:lstStyle/>
           <a:p>
-            <a:r>
-              <a:rPr lang="ko-KR" altLang="en-US" dirty="0" err="1" smtClean="0"/>
-              <a:t>랜덤한</a:t>
-            </a:r>
-            <a:r>
-              <a:rPr lang="ko-KR" altLang="en-US" dirty="0" smtClean="0"/>
+            <a:pPr lvl="0"/>
+            <a:r>
+              <a:rPr lang="ko-KR" altLang="en-US"/>
+              <a:t>랜덤한 </a:t>
+            </a:r>
+            <a:r>
+              <a:rPr lang="en-US" altLang="ko-KR"/>
+              <a:t>Syn Seq </a:t>
+            </a:r>
+            <a:r>
+              <a:rPr lang="ko-KR" altLang="en-US"/>
+              <a:t>를 보내고 </a:t>
+            </a:r>
+            <a:endParaRPr lang="ko-KR" altLang="en-US"/>
+          </a:p>
+          <a:p>
+            <a:pPr lvl="0"/>
+            <a:r>
+              <a:rPr lang="en-US" altLang="ko-KR"/>
+              <a:t>ACK=Seq+1</a:t>
+            </a:r>
+            <a:r>
+              <a:rPr lang="ko-KR" altLang="en-US"/>
+              <a:t>을 전송해주며</a:t>
+            </a:r>
+            <a:endParaRPr lang="ko-KR" altLang="en-US"/>
+          </a:p>
+          <a:p>
+            <a:pPr lvl="0"/>
+            <a:r>
+              <a:rPr lang="ko-KR" altLang="en-US"/>
+              <a:t>잘 받았다는 의미를 표현한다</a:t>
+            </a:r>
+            <a:r>
+              <a:rPr lang="en-US" altLang="ko-KR"/>
+              <a:t>.</a:t>
+            </a:r>
+            <a:endParaRPr lang="en-US" altLang="ko-KR"/>
+          </a:p>
+          <a:p>
+            <a:pPr lvl="0"/>
+            <a:endParaRPr lang="en-US" altLang="ko-KR"/>
+          </a:p>
+          <a:p>
+            <a:pPr lvl="0"/>
+            <a:r>
+              <a:rPr lang="ko-KR" altLang="en-US"/>
+              <a:t>내 생각에는</a:t>
+            </a:r>
+            <a:r>
+              <a:rPr lang="en-US" altLang="ko-KR"/>
               <a:t> </a:t>
             </a:r>
             <a:r>
-              <a:rPr lang="en-US" altLang="ko-KR" dirty="0" err="1" smtClean="0"/>
-              <a:t>Syn</a:t>
-            </a:r>
-            <a:r>
-              <a:rPr lang="en-US" altLang="ko-KR" dirty="0" smtClean="0"/>
+              <a:rPr lang="ko-KR" altLang="en-US"/>
+              <a:t>빨간건 클라이언트의 </a:t>
+            </a:r>
+            <a:endParaRPr lang="ko-KR" altLang="en-US"/>
+          </a:p>
+          <a:p>
+            <a:pPr lvl="0"/>
+            <a:r>
+              <a:rPr lang="ko-KR" altLang="en-US"/>
+              <a:t>패킷 순서 구분 승인번호 이고 </a:t>
+            </a:r>
+            <a:r>
+              <a:rPr lang="en-US" altLang="ko-KR"/>
+              <a:t>,</a:t>
+            </a:r>
+            <a:endParaRPr lang="en-US" altLang="ko-KR"/>
+          </a:p>
+          <a:p>
+            <a:pPr lvl="0"/>
+            <a:r>
+              <a:rPr lang="ko-KR" altLang="en-US"/>
+              <a:t>파란색은 서버의 패킷 순서 구분 승인번호</a:t>
+            </a:r>
+            <a:r>
+              <a:rPr lang="en-US" altLang="ko-KR"/>
+              <a:t>.</a:t>
+            </a:r>
+            <a:r>
+              <a:rPr lang="ko-KR" altLang="en-US"/>
               <a:t> </a:t>
             </a:r>
-            <a:r>
-              <a:rPr lang="en-US" altLang="ko-KR" dirty="0" err="1" smtClean="0"/>
-              <a:t>Seq</a:t>
-            </a:r>
-            <a:r>
-              <a:rPr lang="en-US" altLang="ko-KR" dirty="0" smtClean="0"/>
-              <a:t> </a:t>
-            </a:r>
-            <a:r>
-              <a:rPr lang="ko-KR" altLang="en-US" dirty="0" smtClean="0"/>
-              <a:t>를 보내고 </a:t>
-            </a:r>
-            <a:endParaRPr lang="en-US" altLang="ko-KR" dirty="0" smtClean="0"/>
-          </a:p>
-          <a:p>
-            <a:r>
-              <a:rPr lang="en-US" altLang="ko-KR" dirty="0" smtClean="0"/>
-              <a:t>ACK=Seq+1</a:t>
-            </a:r>
-            <a:r>
-              <a:rPr lang="ko-KR" altLang="en-US" dirty="0" smtClean="0"/>
-              <a:t>을 전송해주며</a:t>
-            </a:r>
-            <a:endParaRPr lang="en-US" altLang="ko-KR" dirty="0" smtClean="0"/>
-          </a:p>
-          <a:p>
-            <a:r>
-              <a:rPr lang="ko-KR" altLang="en-US" dirty="0" smtClean="0"/>
-              <a:t>잘 받았다는 의미를 표현한다</a:t>
-            </a:r>
-            <a:r>
-              <a:rPr lang="en-US" altLang="ko-KR" dirty="0" smtClean="0"/>
-              <a:t>.</a:t>
-            </a:r>
-          </a:p>
-          <a:p>
-            <a:endParaRPr lang="en-US" altLang="ko-KR" dirty="0"/>
-          </a:p>
-          <a:p>
-            <a:r>
-              <a:rPr lang="ko-KR" altLang="en-US" dirty="0" smtClean="0"/>
-              <a:t>내 생각에는</a:t>
-            </a:r>
-            <a:r>
-              <a:rPr lang="en-US" altLang="ko-KR" dirty="0"/>
-              <a:t> </a:t>
-            </a:r>
-            <a:r>
-              <a:rPr lang="ko-KR" altLang="en-US" dirty="0" err="1" smtClean="0"/>
-              <a:t>빨간건</a:t>
-            </a:r>
-            <a:r>
-              <a:rPr lang="ko-KR" altLang="en-US" dirty="0" smtClean="0"/>
-              <a:t> 클라이언트의 </a:t>
-            </a:r>
-            <a:endParaRPr lang="en-US" altLang="ko-KR" dirty="0" smtClean="0"/>
-          </a:p>
-          <a:p>
-            <a:r>
-              <a:rPr lang="ko-KR" altLang="en-US" dirty="0" smtClean="0"/>
-              <a:t>패킷 순서 구분 승인번호 이고 </a:t>
-            </a:r>
-            <a:r>
-              <a:rPr lang="en-US" altLang="ko-KR" dirty="0" smtClean="0"/>
-              <a:t>,</a:t>
-            </a:r>
-          </a:p>
-          <a:p>
-            <a:r>
-              <a:rPr lang="ko-KR" altLang="en-US" dirty="0" smtClean="0"/>
-              <a:t>파란색은 서버의 패킷 순서 구분 승인번호</a:t>
-            </a:r>
-            <a:r>
-              <a:rPr lang="en-US" altLang="ko-KR" dirty="0" smtClean="0"/>
-              <a:t>.</a:t>
-            </a:r>
-            <a:r>
-              <a:rPr lang="ko-KR" altLang="en-US" dirty="0" smtClean="0"/>
-              <a:t> </a:t>
-            </a:r>
-            <a:endParaRPr lang="en-US" altLang="ko-KR" dirty="0" smtClean="0"/>
+            <a:endParaRPr lang="en-US" altLang="ko-KR"/>
           </a:p>
         </p:txBody>
       </p:sp>
     </p:spTree>
-    <p:extLst>
-      <p:ext uri="{BB962C8B-B14F-4D97-AF65-F5344CB8AC3E}">
-        <p14:creationId xmlns:p14="http://schemas.microsoft.com/office/powerpoint/2010/main" val="3852504550"/>
-      </p:ext>
-    </p:extLst>
   </p:cSld>
   <p:clrMapOvr>
     <a:masterClrMapping/>
@@ -8545,7 +8242,7 @@
 </file>
 
 <file path=ppt/slides/slide6.xml><?xml version="1.0" encoding="utf-8"?>
-<p:sld xmlns:a="http://schemas.openxmlformats.org/drawingml/2006/main" xmlns:r="http://schemas.openxmlformats.org/officeDocument/2006/relationships" xmlns:p="http://schemas.openxmlformats.org/presentationml/2006/main">
+<p:sld xmlns:r="http://schemas.openxmlformats.org/officeDocument/2006/relationships" xmlns:c="http://schemas.openxmlformats.org/drawingml/2006/chart" xmlns:a="http://schemas.openxmlformats.org/drawingml/2006/main" xmlns:dgm="http://schemas.openxmlformats.org/drawingml/2006/diagram" xmlns:dsp="http://schemas.microsoft.com/office/drawing/2008/diagram" xmlns:p="http://schemas.openxmlformats.org/presentationml/2006/main">
   <p:cSld>
     <p:spTree>
       <p:nvGrpSpPr>
@@ -8568,7 +8265,7 @@
             <a:spLocks noGrp="1"/>
           </p:cNvSpPr>
           <p:nvPr>
-            <p:ph type="ctrTitle"/>
+            <p:ph type="ctrTitle" idx="0"/>
           </p:nvPr>
         </p:nvSpPr>
         <p:spPr>
@@ -8581,19 +8278,12 @@
           <a:bodyPr/>
           <a:lstStyle/>
           <a:p>
-            <a:r>
-              <a:rPr lang="ko-KR" altLang="en-US" dirty="0" err="1" smtClean="0"/>
-              <a:t>쓰리웨이</a:t>
-            </a:r>
-            <a:r>
-              <a:rPr lang="ko-KR" altLang="en-US" dirty="0" smtClean="0"/>
-              <a:t> 핸드 </a:t>
-            </a:r>
-            <a:r>
-              <a:rPr lang="ko-KR" altLang="en-US" dirty="0" err="1" smtClean="0"/>
-              <a:t>쉐이킹</a:t>
-            </a:r>
-            <a:endParaRPr lang="ko-KR" altLang="en-US" dirty="0"/>
+            <a:pPr lvl="0"/>
+            <a:r>
+              <a:rPr lang="ko-KR" altLang="en-US"/>
+              <a:t>쓰리웨이 핸드 쉐이킹</a:t>
+            </a:r>
+            <a:endParaRPr lang="ko-KR" altLang="en-US"/>
           </a:p>
         </p:txBody>
       </p:sp>
@@ -8606,7 +8296,7 @@
         <p:spPr>
           <a:xfrm>
             <a:off x="914400" y="1122362"/>
-            <a:ext cx="10190610" cy="5632311"/>
+            <a:ext cx="10159365" cy="5581332"/>
           </a:xfrm>
           <a:prstGeom prst="rect">
             <a:avLst/>
@@ -8614,150 +8304,158 @@
           <a:noFill/>
         </p:spPr>
         <p:txBody>
-          <a:bodyPr wrap="none" rtlCol="0">
+          <a:bodyPr wrap="none">
             <a:spAutoFit/>
           </a:bodyPr>
           <a:lstStyle/>
           <a:p>
-            <a:r>
-              <a:rPr lang="ko-KR" altLang="en-US" dirty="0" smtClean="0"/>
+            <a:pPr lvl="0"/>
+            <a:r>
+              <a:rPr lang="ko-KR" altLang="en-US"/>
               <a:t>취약점</a:t>
             </a:r>
             <a:r>
-              <a:rPr lang="en-US" altLang="ko-KR" dirty="0" smtClean="0"/>
+              <a:rPr lang="en-US" altLang="ko-KR"/>
               <a:t>: </a:t>
             </a:r>
-          </a:p>
-          <a:p>
-            <a:endParaRPr lang="en-US" altLang="ko-KR" dirty="0" smtClean="0"/>
-          </a:p>
-          <a:p>
-            <a:r>
-              <a:rPr lang="en-US" altLang="ko-KR" dirty="0" smtClean="0"/>
+            <a:endParaRPr lang="en-US" altLang="ko-KR"/>
+          </a:p>
+          <a:p>
+            <a:pPr lvl="0"/>
+            <a:endParaRPr lang="en-US" altLang="ko-KR"/>
+          </a:p>
+          <a:p>
+            <a:pPr lvl="0"/>
+            <a:r>
+              <a:rPr lang="en-US" altLang="ko-KR"/>
               <a:t>2</a:t>
             </a:r>
             <a:r>
-              <a:rPr lang="ko-KR" altLang="en-US" dirty="0" smtClean="0"/>
+              <a:rPr lang="ko-KR" altLang="en-US"/>
               <a:t>단계를 수행하고 서버는 다시 클라이언트의 응답을 기다리는 상태가 되는데</a:t>
             </a:r>
-            <a:endParaRPr lang="en-US" altLang="ko-KR" dirty="0" smtClean="0"/>
-          </a:p>
-          <a:p>
-            <a:r>
-              <a:rPr lang="ko-KR" altLang="en-US" dirty="0" smtClean="0"/>
+            <a:endParaRPr lang="ko-KR" altLang="en-US"/>
+          </a:p>
+          <a:p>
+            <a:pPr lvl="0"/>
+            <a:r>
+              <a:rPr lang="ko-KR" altLang="en-US"/>
               <a:t>이 연결을 메모리 공간인 </a:t>
             </a:r>
             <a:r>
-              <a:rPr lang="en-US" altLang="ko-KR" dirty="0" smtClean="0"/>
+              <a:rPr lang="en-US" altLang="ko-KR"/>
               <a:t>Backlog Queue</a:t>
             </a:r>
             <a:r>
-              <a:rPr lang="ko-KR" altLang="en-US" dirty="0" smtClean="0"/>
+              <a:rPr lang="ko-KR" altLang="en-US"/>
               <a:t>에 저장하고 </a:t>
             </a:r>
             <a:r>
-              <a:rPr lang="en-US" altLang="ko-KR" dirty="0" smtClean="0"/>
+              <a:rPr lang="en-US" altLang="ko-KR"/>
               <a:t>3</a:t>
             </a:r>
             <a:r>
-              <a:rPr lang="ko-KR" altLang="en-US" dirty="0" smtClean="0"/>
+              <a:rPr lang="ko-KR" altLang="en-US"/>
               <a:t>단계를 기다리게 된다</a:t>
             </a:r>
             <a:r>
-              <a:rPr lang="en-US" altLang="ko-KR" dirty="0" smtClean="0"/>
+              <a:rPr lang="en-US" altLang="ko-KR"/>
               <a:t>.</a:t>
             </a:r>
-          </a:p>
-          <a:p>
-            <a:r>
-              <a:rPr lang="ko-KR" altLang="en-US" dirty="0" smtClean="0"/>
-              <a:t>일정시간동안 응답이 </a:t>
-            </a:r>
-            <a:r>
-              <a:rPr lang="ko-KR" altLang="en-US" dirty="0" err="1" smtClean="0"/>
-              <a:t>안오면</a:t>
-            </a:r>
-            <a:r>
-              <a:rPr lang="ko-KR" altLang="en-US" dirty="0" smtClean="0"/>
-              <a:t> 연결을 초기화 하는데 이 점을 공격하여 </a:t>
-            </a:r>
-            <a:endParaRPr lang="en-US" altLang="ko-KR" dirty="0" smtClean="0"/>
-          </a:p>
-          <a:p>
-            <a:endParaRPr lang="en-US" altLang="ko-KR" dirty="0"/>
-          </a:p>
-          <a:p>
-            <a:r>
-              <a:rPr lang="ko-KR" altLang="en-US" dirty="0" smtClean="0"/>
+            <a:endParaRPr lang="en-US" altLang="ko-KR"/>
+          </a:p>
+          <a:p>
+            <a:pPr lvl="0"/>
+            <a:r>
+              <a:rPr lang="ko-KR" altLang="en-US"/>
+              <a:t>일정시간동안 응답이 안오면 연결을 초기화 하는데 이 점을 공격하여 </a:t>
+            </a:r>
+            <a:endParaRPr lang="ko-KR" altLang="en-US"/>
+          </a:p>
+          <a:p>
+            <a:pPr lvl="0"/>
+            <a:endParaRPr lang="en-US" altLang="ko-KR"/>
+          </a:p>
+          <a:p>
+            <a:pPr lvl="0"/>
+            <a:r>
+              <a:rPr lang="ko-KR" altLang="en-US"/>
               <a:t>연결이 수립되거나 초기화 되기 전에 존재하지 않는 </a:t>
             </a:r>
             <a:r>
-              <a:rPr lang="en-US" altLang="ko-KR" dirty="0" smtClean="0"/>
+              <a:rPr lang="en-US" altLang="ko-KR"/>
               <a:t>IP</a:t>
             </a:r>
             <a:r>
-              <a:rPr lang="ko-KR" altLang="en-US" dirty="0" smtClean="0"/>
+              <a:rPr lang="ko-KR" altLang="en-US"/>
               <a:t>로 </a:t>
             </a:r>
             <a:r>
-              <a:rPr lang="en-US" altLang="ko-KR" dirty="0" smtClean="0"/>
+              <a:rPr lang="en-US" altLang="ko-KR"/>
               <a:t>1</a:t>
             </a:r>
             <a:r>
-              <a:rPr lang="ko-KR" altLang="en-US" dirty="0" smtClean="0"/>
+              <a:rPr lang="ko-KR" altLang="en-US"/>
               <a:t>단계 요청을 무수히 많이 보내어</a:t>
             </a:r>
-            <a:endParaRPr lang="en-US" altLang="ko-KR" dirty="0" smtClean="0"/>
-          </a:p>
-          <a:p>
-            <a:r>
-              <a:rPr lang="en-US" altLang="ko-KR" dirty="0" smtClean="0"/>
+            <a:endParaRPr lang="ko-KR" altLang="en-US"/>
+          </a:p>
+          <a:p>
+            <a:pPr lvl="0"/>
+            <a:r>
+              <a:rPr lang="en-US" altLang="ko-KR"/>
               <a:t>Backlog Queue</a:t>
             </a:r>
             <a:r>
-              <a:rPr lang="ko-KR" altLang="en-US" dirty="0" smtClean="0"/>
+              <a:rPr lang="ko-KR" altLang="en-US"/>
               <a:t>를 포화 상태로 만들어 실제 사용자가 연결 요청을 못 받게 하는 공격 방법이 있다</a:t>
             </a:r>
             <a:r>
-              <a:rPr lang="en-US" altLang="ko-KR" dirty="0" smtClean="0"/>
+              <a:rPr lang="en-US" altLang="ko-KR"/>
               <a:t>.</a:t>
             </a:r>
-          </a:p>
-          <a:p>
-            <a:endParaRPr lang="en-US" altLang="ko-KR" dirty="0" smtClean="0"/>
-          </a:p>
-          <a:p>
-            <a:endParaRPr lang="en-US" altLang="ko-KR" dirty="0" smtClean="0"/>
-          </a:p>
-          <a:p>
-            <a:r>
-              <a:rPr lang="ko-KR" altLang="en-US" dirty="0" smtClean="0"/>
+            <a:endParaRPr lang="en-US" altLang="ko-KR"/>
+          </a:p>
+          <a:p>
+            <a:pPr lvl="0"/>
+            <a:endParaRPr lang="en-US" altLang="ko-KR"/>
+          </a:p>
+          <a:p>
+            <a:pPr lvl="0"/>
+            <a:endParaRPr lang="en-US" altLang="ko-KR"/>
+          </a:p>
+          <a:p>
+            <a:pPr lvl="0"/>
+            <a:r>
+              <a:rPr lang="ko-KR" altLang="en-US"/>
               <a:t>연결 요청 응답 대기 시간 </a:t>
             </a:r>
             <a:r>
-              <a:rPr lang="en-US" altLang="ko-KR" dirty="0" smtClean="0"/>
+              <a:rPr lang="en-US" altLang="ko-KR"/>
               <a:t>Default </a:t>
             </a:r>
             <a:r>
-              <a:rPr lang="ko-KR" altLang="en-US" dirty="0" smtClean="0"/>
+              <a:rPr lang="ko-KR" altLang="en-US"/>
               <a:t>값 </a:t>
             </a:r>
             <a:r>
-              <a:rPr lang="en-US" altLang="ko-KR" dirty="0" smtClean="0"/>
+              <a:rPr lang="en-US" altLang="ko-KR"/>
               <a:t>(</a:t>
             </a:r>
             <a:r>
-              <a:rPr lang="ko-KR" altLang="en-US" dirty="0" smtClean="0"/>
+              <a:rPr lang="ko-KR" altLang="en-US"/>
               <a:t>수정 가능</a:t>
             </a:r>
             <a:r>
-              <a:rPr lang="en-US" altLang="ko-KR" dirty="0" smtClean="0"/>
+              <a:rPr lang="en-US" altLang="ko-KR"/>
               <a:t>)</a:t>
             </a:r>
-          </a:p>
-          <a:p>
-            <a:r>
-              <a:rPr lang="en-US" altLang="ko-KR" dirty="0" smtClean="0">
+            <a:endParaRPr lang="en-US" altLang="ko-KR"/>
+          </a:p>
+          <a:p>
+            <a:pPr lvl="0"/>
+            <a:r>
+              <a:rPr lang="en-US" altLang="ko-KR">
                 <a:solidFill>
                   <a:schemeClr val="bg1">
                     <a:lumMod val="50000"/>
@@ -8766,10 +8464,18 @@
               </a:rPr>
               <a:t>UNIX/LINUX = 60</a:t>
             </a:r>
-          </a:p>
-          <a:p>
-            <a:r>
-              <a:rPr lang="en-US" altLang="ko-KR" dirty="0" smtClean="0">
+            <a:endParaRPr lang="en-US" altLang="ko-KR">
+              <a:solidFill>
+                <a:schemeClr val="bg1">
+                  <a:lumMod val="50000"/>
+                </a:schemeClr>
+              </a:solidFill>
+            </a:endParaRPr>
+          </a:p>
+          <a:p>
+            <a:pPr lvl="0"/>
+            <a:r>
+              <a:rPr lang="en-US" altLang="ko-KR">
                 <a:solidFill>
                   <a:schemeClr val="bg1">
                     <a:lumMod val="50000"/>
@@ -8778,10 +8484,18 @@
               </a:rPr>
               <a:t>Windows = 256</a:t>
             </a:r>
-          </a:p>
-          <a:p>
-            <a:r>
-              <a:rPr lang="en-US" altLang="ko-KR" dirty="0" smtClean="0">
+            <a:endParaRPr lang="en-US" altLang="ko-KR">
+              <a:solidFill>
+                <a:schemeClr val="bg1">
+                  <a:lumMod val="50000"/>
+                </a:schemeClr>
+              </a:solidFill>
+            </a:endParaRPr>
+          </a:p>
+          <a:p>
+            <a:pPr lvl="0"/>
+            <a:r>
+              <a:rPr lang="en-US" altLang="ko-KR">
                 <a:solidFill>
                   <a:schemeClr val="bg1">
                     <a:lumMod val="50000"/>
@@ -8790,7 +8504,7 @@
               </a:rPr>
               <a:t>Apache =300</a:t>
             </a:r>
-            <a:endParaRPr lang="en-US" altLang="ko-KR" dirty="0">
+            <a:endParaRPr lang="en-US" altLang="ko-KR">
               <a:solidFill>
                 <a:schemeClr val="bg1">
                   <a:lumMod val="50000"/>
@@ -8799,73 +8513,76 @@
             </a:endParaRPr>
           </a:p>
           <a:p>
-            <a:endParaRPr lang="en-US" altLang="ko-KR" dirty="0"/>
-          </a:p>
-          <a:p>
-            <a:r>
-              <a:rPr lang="ko-KR" altLang="en-US" dirty="0" smtClean="0"/>
+            <a:pPr lvl="0"/>
+            <a:endParaRPr lang="en-US" altLang="ko-KR"/>
+          </a:p>
+          <a:p>
+            <a:pPr lvl="0"/>
+            <a:r>
+              <a:rPr lang="ko-KR" altLang="en-US"/>
               <a:t>대응책</a:t>
             </a:r>
             <a:r>
-              <a:rPr lang="en-US" altLang="ko-KR" dirty="0" smtClean="0"/>
+              <a:rPr lang="en-US" altLang="ko-KR"/>
               <a:t>: </a:t>
             </a:r>
-          </a:p>
-          <a:p>
-            <a:r>
-              <a:rPr lang="en-US" altLang="ko-KR" dirty="0" smtClean="0"/>
+            <a:endParaRPr lang="en-US" altLang="ko-KR"/>
+          </a:p>
+          <a:p>
+            <a:pPr lvl="0"/>
+            <a:r>
+              <a:rPr lang="en-US" altLang="ko-KR"/>
               <a:t>1.</a:t>
             </a:r>
             <a:r>
-              <a:rPr lang="ko-KR" altLang="en-US" dirty="0" smtClean="0"/>
+              <a:rPr lang="ko-KR" altLang="en-US"/>
               <a:t>연결 타이머 시간을 줄이기</a:t>
             </a:r>
-            <a:endParaRPr lang="en-US" altLang="ko-KR" dirty="0" smtClean="0"/>
-          </a:p>
-          <a:p>
-            <a:r>
-              <a:rPr lang="en-US" altLang="ko-KR" dirty="0" smtClean="0"/>
+            <a:endParaRPr lang="ko-KR" altLang="en-US"/>
+          </a:p>
+          <a:p>
+            <a:pPr lvl="0"/>
+            <a:r>
+              <a:rPr lang="en-US" altLang="ko-KR"/>
               <a:t>2.</a:t>
             </a:r>
             <a:r>
-              <a:rPr lang="ko-KR" altLang="en-US" dirty="0" smtClean="0"/>
+              <a:rPr lang="ko-KR" altLang="en-US"/>
               <a:t>큐 사이즈를 늘리기 </a:t>
             </a:r>
-            <a:endParaRPr lang="en-US" altLang="ko-KR" dirty="0" smtClean="0"/>
-          </a:p>
-          <a:p>
-            <a:r>
-              <a:rPr lang="en-US" altLang="ko-KR" dirty="0" smtClean="0"/>
+            <a:endParaRPr lang="ko-KR" altLang="en-US"/>
+          </a:p>
+          <a:p>
+            <a:pPr lvl="0"/>
+            <a:r>
+              <a:rPr lang="en-US" altLang="ko-KR"/>
               <a:t>3.</a:t>
             </a:r>
             <a:r>
-              <a:rPr lang="ko-KR" altLang="en-US" dirty="0" smtClean="0"/>
+              <a:rPr lang="ko-KR" altLang="en-US"/>
               <a:t>일정 시간 동안 들어오는 연결 요청 수를 제한하기</a:t>
             </a:r>
-            <a:endParaRPr lang="en-US" altLang="ko-KR" dirty="0"/>
-          </a:p>
-          <a:p>
-            <a:r>
-              <a:rPr lang="en-US" altLang="ko-KR" dirty="0" smtClean="0"/>
+            <a:endParaRPr lang="ko-KR" altLang="en-US"/>
+          </a:p>
+          <a:p>
+            <a:pPr lvl="0"/>
+            <a:r>
+              <a:rPr lang="en-US" altLang="ko-KR"/>
               <a:t>4.</a:t>
             </a:r>
             <a:r>
-              <a:rPr lang="ko-KR" altLang="en-US" dirty="0" smtClean="0"/>
+              <a:rPr lang="ko-KR" altLang="en-US"/>
               <a:t>쿠키를 이용해 연결이 확립 또는 초기화 되기 전까지 자원 할당을 연기</a:t>
             </a:r>
             <a:r>
-              <a:rPr lang="en-US" altLang="ko-KR" dirty="0" smtClean="0"/>
+              <a:rPr lang="en-US" altLang="ko-KR"/>
               <a:t>.</a:t>
             </a:r>
+            <a:endParaRPr lang="en-US" altLang="ko-KR"/>
           </a:p>
         </p:txBody>
       </p:sp>
     </p:spTree>
-    <p:extLst>
-      <p:ext uri="{BB962C8B-B14F-4D97-AF65-F5344CB8AC3E}">
-        <p14:creationId xmlns:p14="http://schemas.microsoft.com/office/powerpoint/2010/main" val="983117158"/>
-      </p:ext>
-    </p:extLst>
   </p:cSld>
   <p:clrMapOvr>
     <a:masterClrMapping/>
@@ -8874,7 +8591,7 @@
 </file>
 
 <file path=ppt/slides/slide7.xml><?xml version="1.0" encoding="utf-8"?>
-<p:sld xmlns:a="http://schemas.openxmlformats.org/drawingml/2006/main" xmlns:r="http://schemas.openxmlformats.org/officeDocument/2006/relationships" xmlns:p="http://schemas.openxmlformats.org/presentationml/2006/main">
+<p:sld xmlns:r="http://schemas.openxmlformats.org/officeDocument/2006/relationships" xmlns:c="http://schemas.openxmlformats.org/drawingml/2006/chart" xmlns:a="http://schemas.openxmlformats.org/drawingml/2006/main" xmlns:dgm="http://schemas.openxmlformats.org/drawingml/2006/diagram" xmlns:dsp="http://schemas.microsoft.com/office/drawing/2008/diagram" xmlns:p="http://schemas.openxmlformats.org/presentationml/2006/main">
   <p:cSld>
     <p:spTree>
       <p:nvGrpSpPr>
@@ -8897,7 +8614,7 @@
             <a:spLocks noGrp="1"/>
           </p:cNvSpPr>
           <p:nvPr>
-            <p:ph type="ctrTitle"/>
+            <p:ph type="ctrTitle" idx="0"/>
           </p:nvPr>
         </p:nvSpPr>
         <p:spPr>
@@ -8910,19 +8627,12 @@
           <a:bodyPr/>
           <a:lstStyle/>
           <a:p>
-            <a:r>
-              <a:rPr lang="ko-KR" altLang="en-US" dirty="0" err="1" smtClean="0"/>
-              <a:t>쓰리웨이</a:t>
-            </a:r>
-            <a:r>
-              <a:rPr lang="ko-KR" altLang="en-US" dirty="0" smtClean="0"/>
-              <a:t> 핸드 </a:t>
-            </a:r>
-            <a:r>
-              <a:rPr lang="ko-KR" altLang="en-US" dirty="0" err="1" smtClean="0"/>
-              <a:t>쉐이킹</a:t>
-            </a:r>
-            <a:endParaRPr lang="ko-KR" altLang="en-US" dirty="0"/>
+            <a:pPr lvl="0"/>
+            <a:r>
+              <a:rPr lang="ko-KR" altLang="en-US"/>
+              <a:t>쓰리웨이 핸드 쉐이킹</a:t>
+            </a:r>
+            <a:endParaRPr lang="ko-KR" altLang="en-US"/>
           </a:p>
         </p:txBody>
       </p:sp>
@@ -8935,7 +8645,7 @@
         <p:spPr>
           <a:xfrm>
             <a:off x="1768167" y="1165224"/>
-            <a:ext cx="8633133" cy="1200329"/>
+            <a:ext cx="8543598" cy="1185546"/>
           </a:xfrm>
           <a:prstGeom prst="rect">
             <a:avLst/>
@@ -8943,55 +8653,57 @@
           <a:noFill/>
         </p:spPr>
         <p:txBody>
-          <a:bodyPr wrap="none" rtlCol="0">
+          <a:bodyPr wrap="none">
             <a:spAutoFit/>
           </a:bodyPr>
           <a:lstStyle/>
           <a:p>
-            <a:r>
-              <a:rPr lang="en-US" altLang="ko-KR" b="1" dirty="0" smtClean="0"/>
+            <a:pPr lvl="0"/>
+            <a:r>
+              <a:rPr lang="en-US" altLang="ko-KR" b="1"/>
               <a:t>ISN (Initialized Sequence Number): </a:t>
             </a:r>
-          </a:p>
-          <a:p>
-            <a:r>
-              <a:rPr lang="ko-KR" altLang="en-US" dirty="0" smtClean="0"/>
+            <a:endParaRPr lang="en-US" altLang="ko-KR" b="1"/>
+          </a:p>
+          <a:p>
+            <a:pPr lvl="0"/>
+            <a:r>
+              <a:rPr lang="ko-KR" altLang="en-US"/>
               <a:t>초기 시퀀스 번호 </a:t>
             </a:r>
             <a:r>
-              <a:rPr lang="en-US" altLang="ko-KR" dirty="0" err="1" smtClean="0"/>
-              <a:t>Syn</a:t>
-            </a:r>
-            <a:r>
-              <a:rPr lang="en-US" altLang="ko-KR" dirty="0" smtClean="0"/>
+              <a:rPr lang="en-US" altLang="ko-KR"/>
+              <a:t>Syn </a:t>
+            </a:r>
+            <a:r>
+              <a:rPr lang="ko-KR" altLang="en-US"/>
+              <a:t>패킷의 </a:t>
+            </a:r>
+            <a:r>
+              <a:rPr lang="en-US" altLang="ko-KR"/>
+              <a:t>Sequence number </a:t>
+            </a:r>
+            <a:r>
+              <a:rPr lang="ko-KR" altLang="en-US"/>
+              <a:t>는 운영체제에 의해서 랜덤 생성</a:t>
+            </a:r>
+            <a:r>
+              <a:rPr lang="en-US" altLang="ko-KR"/>
+              <a:t>.</a:t>
+            </a:r>
+            <a:endParaRPr lang="en-US" altLang="ko-KR"/>
+          </a:p>
+          <a:p>
+            <a:pPr lvl="0"/>
+            <a:endParaRPr lang="en-US" altLang="ko-KR"/>
+          </a:p>
+          <a:p>
+            <a:pPr lvl="0"/>
+            <a:r>
+              <a:rPr lang="ko-KR" altLang="en-US"/>
               <a:t> </a:t>
             </a:r>
-            <a:r>
-              <a:rPr lang="ko-KR" altLang="en-US" dirty="0" smtClean="0"/>
-              <a:t>패킷의 </a:t>
-            </a:r>
-            <a:r>
-              <a:rPr lang="en-US" altLang="ko-KR" dirty="0" smtClean="0"/>
-              <a:t>Sequence number </a:t>
-            </a:r>
-            <a:r>
-              <a:rPr lang="ko-KR" altLang="en-US" dirty="0" smtClean="0"/>
-              <a:t>는 운영체제에 의해서 랜덤 생성</a:t>
-            </a:r>
-            <a:r>
-              <a:rPr lang="en-US" altLang="ko-KR" dirty="0" smtClean="0"/>
-              <a:t>.</a:t>
-            </a:r>
-          </a:p>
-          <a:p>
-            <a:endParaRPr lang="en-US" altLang="ko-KR" dirty="0"/>
-          </a:p>
-          <a:p>
-            <a:r>
-              <a:rPr lang="ko-KR" altLang="en-US" dirty="0" smtClean="0"/>
-              <a:t> </a:t>
-            </a:r>
-            <a:endParaRPr lang="en-US" altLang="ko-KR" dirty="0" smtClean="0"/>
+            <a:endParaRPr lang="en-US" altLang="ko-KR"/>
           </a:p>
         </p:txBody>
       </p:sp>
@@ -9004,7 +8716,7 @@
         <p:spPr>
           <a:xfrm>
             <a:off x="1768167" y="2082800"/>
-            <a:ext cx="9105900" cy="3970318"/>
+            <a:ext cx="9105900" cy="3935094"/>
           </a:xfrm>
           <a:prstGeom prst="rect">
             <a:avLst/>
@@ -9012,188 +8724,189 @@
           <a:noFill/>
         </p:spPr>
         <p:txBody>
-          <a:bodyPr wrap="square" rtlCol="0">
+          <a:bodyPr wrap="square">
             <a:spAutoFit/>
           </a:bodyPr>
           <a:lstStyle/>
           <a:p>
-            <a:r>
-              <a:rPr lang="ko-KR" altLang="en-US" b="1" dirty="0" err="1" smtClean="0"/>
-              <a:t>랜덤한</a:t>
-            </a:r>
-            <a:r>
-              <a:rPr lang="ko-KR" altLang="en-US" b="1" dirty="0" smtClean="0"/>
-              <a:t> 수를 왜 </a:t>
-            </a:r>
-            <a:r>
-              <a:rPr lang="en-US" altLang="ko-KR" b="1" dirty="0" smtClean="0"/>
+            <a:pPr lvl="0"/>
+            <a:r>
+              <a:rPr lang="ko-KR" altLang="en-US" b="1"/>
+              <a:t>랜덤한 수를 왜 </a:t>
+            </a:r>
+            <a:r>
+              <a:rPr lang="en-US" altLang="ko-KR" b="1"/>
               <a:t>SYN </a:t>
             </a:r>
             <a:r>
-              <a:rPr lang="ko-KR" altLang="en-US" b="1" dirty="0" smtClean="0"/>
+              <a:rPr lang="ko-KR" altLang="en-US" b="1"/>
               <a:t>으로 전송하는 것일까</a:t>
             </a:r>
             <a:r>
-              <a:rPr lang="en-US" altLang="ko-KR" b="1" dirty="0" smtClean="0"/>
+              <a:rPr lang="en-US" altLang="ko-KR" b="1"/>
               <a:t>?</a:t>
             </a:r>
-          </a:p>
-          <a:p>
-            <a:endParaRPr lang="en-US" altLang="ko-KR" dirty="0"/>
-          </a:p>
-          <a:p>
-            <a:r>
-              <a:rPr lang="ko-KR" altLang="en-US" dirty="0" smtClean="0"/>
+            <a:endParaRPr lang="en-US" altLang="ko-KR" b="1"/>
+          </a:p>
+          <a:p>
+            <a:pPr lvl="0"/>
+            <a:endParaRPr lang="en-US" altLang="ko-KR"/>
+          </a:p>
+          <a:p>
+            <a:pPr lvl="0"/>
+            <a:r>
+              <a:rPr lang="ko-KR" altLang="en-US"/>
               <a:t>이전에는 연결을 맺을 때 사용하는 포트를 유한 범위 내에서 사용하고 </a:t>
             </a:r>
-            <a:endParaRPr lang="en-US" altLang="ko-KR" dirty="0" smtClean="0"/>
-          </a:p>
-          <a:p>
-            <a:r>
-              <a:rPr lang="ko-KR" altLang="en-US" dirty="0" smtClean="0"/>
+            <a:endParaRPr lang="ko-KR" altLang="en-US"/>
+          </a:p>
+          <a:p>
+            <a:pPr lvl="0"/>
+            <a:r>
+              <a:rPr lang="ko-KR" altLang="en-US"/>
               <a:t>시간이 지남에 따라 재사용했습니다</a:t>
             </a:r>
             <a:r>
-              <a:rPr lang="en-US" altLang="ko-KR" dirty="0" smtClean="0"/>
+              <a:rPr lang="en-US" altLang="ko-KR"/>
               <a:t>.</a:t>
             </a:r>
-          </a:p>
-          <a:p>
-            <a:endParaRPr lang="en-US" altLang="ko-KR" dirty="0"/>
-          </a:p>
-          <a:p>
-            <a:r>
-              <a:rPr lang="ko-KR" altLang="en-US" dirty="0" smtClean="0"/>
+            <a:endParaRPr lang="en-US" altLang="ko-KR"/>
+          </a:p>
+          <a:p>
+            <a:pPr lvl="0"/>
+            <a:endParaRPr lang="en-US" altLang="ko-KR"/>
+          </a:p>
+          <a:p>
+            <a:pPr lvl="0"/>
+            <a:r>
+              <a:rPr lang="ko-KR" altLang="en-US"/>
               <a:t>만약 순차적인 </a:t>
             </a:r>
             <a:r>
-              <a:rPr lang="en-US" altLang="ko-KR" dirty="0" err="1" smtClean="0"/>
+              <a:rPr lang="en-US" altLang="ko-KR"/>
               <a:t>numer</a:t>
             </a:r>
             <a:r>
-              <a:rPr lang="ko-KR" altLang="en-US" dirty="0" smtClean="0"/>
+              <a:rPr lang="ko-KR" altLang="en-US"/>
               <a:t>를 패킷 구분으로 사용한다면 이때 </a:t>
             </a:r>
             <a:r>
-              <a:rPr lang="en-US" altLang="ko-KR" dirty="0" smtClean="0"/>
+              <a:rPr lang="en-US" altLang="ko-KR"/>
               <a:t>number</a:t>
             </a:r>
             <a:r>
-              <a:rPr lang="ko-KR" altLang="en-US" dirty="0" smtClean="0"/>
+              <a:rPr lang="ko-KR" altLang="en-US"/>
               <a:t>가 </a:t>
             </a:r>
             <a:r>
-              <a:rPr lang="en-US" altLang="ko-KR" dirty="0" smtClean="0"/>
+              <a:rPr lang="en-US" altLang="ko-KR"/>
               <a:t>1</a:t>
             </a:r>
             <a:r>
-              <a:rPr lang="ko-KR" altLang="en-US" dirty="0" smtClean="0"/>
+              <a:rPr lang="ko-KR" altLang="en-US"/>
               <a:t>이라면</a:t>
             </a:r>
-            <a:endParaRPr lang="en-US" altLang="ko-KR" dirty="0" smtClean="0"/>
-          </a:p>
-          <a:p>
-            <a:r>
-              <a:rPr lang="ko-KR" altLang="en-US" dirty="0" smtClean="0"/>
+            <a:endParaRPr lang="ko-KR" altLang="en-US"/>
+          </a:p>
+          <a:p>
+            <a:pPr lvl="0"/>
+            <a:r>
+              <a:rPr lang="ko-KR" altLang="en-US"/>
               <a:t>연결이 완료되었을 때 </a:t>
             </a:r>
             <a:r>
-              <a:rPr lang="en-US" altLang="ko-KR" dirty="0" smtClean="0"/>
+              <a:rPr lang="en-US" altLang="ko-KR"/>
               <a:t>number</a:t>
             </a:r>
             <a:r>
-              <a:rPr lang="ko-KR" altLang="en-US" dirty="0" smtClean="0"/>
+              <a:rPr lang="ko-KR" altLang="en-US"/>
               <a:t>이 </a:t>
             </a:r>
             <a:r>
-              <a:rPr lang="en-US" altLang="ko-KR" dirty="0" smtClean="0"/>
+              <a:rPr lang="en-US" altLang="ko-KR"/>
               <a:t>2 </a:t>
             </a:r>
             <a:r>
-              <a:rPr lang="ko-KR" altLang="en-US" dirty="0" smtClean="0"/>
+              <a:rPr lang="ko-KR" altLang="en-US"/>
               <a:t>일 것이다</a:t>
             </a:r>
             <a:r>
-              <a:rPr lang="en-US" altLang="ko-KR" dirty="0" smtClean="0"/>
+              <a:rPr lang="en-US" altLang="ko-KR"/>
               <a:t>. </a:t>
             </a:r>
-          </a:p>
-          <a:p>
-            <a:endParaRPr lang="en-US" altLang="ko-KR" dirty="0"/>
-          </a:p>
-          <a:p>
-            <a:r>
-              <a:rPr lang="ko-KR" altLang="en-US" dirty="0" smtClean="0"/>
+            <a:endParaRPr lang="en-US" altLang="ko-KR"/>
+          </a:p>
+          <a:p>
+            <a:pPr lvl="0"/>
+            <a:endParaRPr lang="en-US" altLang="ko-KR"/>
+          </a:p>
+          <a:p>
+            <a:pPr lvl="0"/>
+            <a:r>
+              <a:rPr lang="ko-KR" altLang="en-US"/>
               <a:t>이 연결된 정보가 종료되고 다시 연결 요청이 들어왔을 때 </a:t>
             </a:r>
-            <a:endParaRPr lang="en-US" altLang="ko-KR" dirty="0"/>
-          </a:p>
-          <a:p>
-            <a:r>
-              <a:rPr lang="en-US" altLang="ko-KR" dirty="0" smtClean="0"/>
+            <a:endParaRPr lang="ko-KR" altLang="en-US"/>
+          </a:p>
+          <a:p>
+            <a:pPr lvl="0"/>
+            <a:r>
+              <a:rPr lang="en-US" altLang="ko-KR"/>
               <a:t>number</a:t>
             </a:r>
             <a:r>
-              <a:rPr lang="ko-KR" altLang="en-US" dirty="0" smtClean="0"/>
+              <a:rPr lang="ko-KR" altLang="en-US"/>
               <a:t>은 </a:t>
             </a:r>
             <a:r>
-              <a:rPr lang="en-US" altLang="ko-KR" dirty="0" smtClean="0"/>
+              <a:rPr lang="en-US" altLang="ko-KR"/>
               <a:t>2</a:t>
             </a:r>
             <a:r>
-              <a:rPr lang="ko-KR" altLang="en-US" dirty="0" smtClean="0"/>
+              <a:rPr lang="ko-KR" altLang="en-US"/>
               <a:t>일 것 이고 그렇게 되면 이전 연결에서 오는 패킷으로 인식할 수 있다</a:t>
             </a:r>
             <a:r>
-              <a:rPr lang="en-US" altLang="ko-KR" dirty="0" smtClean="0"/>
+              <a:rPr lang="en-US" altLang="ko-KR"/>
               <a:t>. </a:t>
             </a:r>
-          </a:p>
-          <a:p>
-            <a:endParaRPr lang="en-US" altLang="ko-KR" dirty="0" smtClean="0"/>
-          </a:p>
-          <a:p>
-            <a:r>
-              <a:rPr lang="ko-KR" altLang="en-US" dirty="0" smtClean="0"/>
-              <a:t>이러한 가능성을 줄이기 위해 </a:t>
-            </a:r>
-            <a:r>
-              <a:rPr lang="ko-KR" altLang="en-US" dirty="0" err="1" smtClean="0"/>
-              <a:t>난수로</a:t>
-            </a:r>
-            <a:r>
-              <a:rPr lang="ko-KR" altLang="en-US" dirty="0" smtClean="0"/>
-              <a:t> </a:t>
-            </a:r>
-            <a:r>
-              <a:rPr lang="en-US" altLang="ko-KR" dirty="0" smtClean="0"/>
+            <a:endParaRPr lang="en-US" altLang="ko-KR"/>
+          </a:p>
+          <a:p>
+            <a:pPr lvl="0"/>
+            <a:endParaRPr lang="en-US" altLang="ko-KR"/>
+          </a:p>
+          <a:p>
+            <a:pPr lvl="0"/>
+            <a:r>
+              <a:rPr lang="ko-KR" altLang="en-US"/>
+              <a:t>이러한 가능성을 줄이기 위해 난수로 </a:t>
+            </a:r>
+            <a:r>
+              <a:rPr lang="en-US" altLang="ko-KR"/>
               <a:t>SYN</a:t>
             </a:r>
             <a:r>
-              <a:rPr lang="ko-KR" altLang="en-US" dirty="0" smtClean="0"/>
+              <a:rPr lang="ko-KR" altLang="en-US"/>
               <a:t>값을 설정</a:t>
             </a:r>
             <a:r>
-              <a:rPr lang="en-US" altLang="ko-KR" dirty="0" smtClean="0"/>
+              <a:rPr lang="en-US" altLang="ko-KR"/>
               <a:t>.</a:t>
             </a:r>
-            <a:endParaRPr lang="en-US" altLang="ko-KR" dirty="0"/>
-          </a:p>
-          <a:p>
-            <a:endParaRPr lang="en-US" altLang="ko-KR" dirty="0" smtClean="0"/>
-          </a:p>
-          <a:p>
-            <a:endParaRPr lang="en-US" altLang="ko-KR" dirty="0" smtClean="0"/>
+            <a:endParaRPr lang="en-US" altLang="ko-KR"/>
+          </a:p>
+          <a:p>
+            <a:pPr lvl="0"/>
+            <a:endParaRPr lang="en-US" altLang="ko-KR"/>
+          </a:p>
+          <a:p>
+            <a:pPr lvl="0"/>
+            <a:endParaRPr lang="en-US" altLang="ko-KR"/>
           </a:p>
         </p:txBody>
       </p:sp>
     </p:spTree>
-    <p:extLst>
-      <p:ext uri="{BB962C8B-B14F-4D97-AF65-F5344CB8AC3E}">
-        <p14:creationId xmlns:p14="http://schemas.microsoft.com/office/powerpoint/2010/main" val="2003436861"/>
-      </p:ext>
-    </p:extLst>
   </p:cSld>
   <p:clrMapOvr>
     <a:masterClrMapping/>
@@ -9202,7 +8915,7 @@
 </file>
 
 <file path=ppt/slides/slide8.xml><?xml version="1.0" encoding="utf-8"?>
-<p:sld xmlns:a="http://schemas.openxmlformats.org/drawingml/2006/main" xmlns:r="http://schemas.openxmlformats.org/officeDocument/2006/relationships" xmlns:p="http://schemas.openxmlformats.org/presentationml/2006/main">
+<p:sld xmlns:r="http://schemas.openxmlformats.org/officeDocument/2006/relationships" xmlns:c="http://schemas.openxmlformats.org/drawingml/2006/chart" xmlns:a="http://schemas.openxmlformats.org/drawingml/2006/main" xmlns:dgm="http://schemas.openxmlformats.org/drawingml/2006/diagram" xmlns:dsp="http://schemas.microsoft.com/office/drawing/2008/diagram" xmlns:p="http://schemas.openxmlformats.org/presentationml/2006/main">
   <p:cSld>
     <p:spTree>
       <p:nvGrpSpPr>
@@ -9225,7 +8938,7 @@
             <a:spLocks noGrp="1"/>
           </p:cNvSpPr>
           <p:nvPr>
-            <p:ph type="ctrTitle"/>
+            <p:ph type="ctrTitle" idx="0"/>
           </p:nvPr>
         </p:nvSpPr>
         <p:spPr>
@@ -9238,19 +8951,12 @@
           <a:bodyPr/>
           <a:lstStyle/>
           <a:p>
-            <a:r>
-              <a:rPr lang="ko-KR" altLang="en-US" dirty="0" err="1" smtClean="0"/>
-              <a:t>쓰리웨이</a:t>
-            </a:r>
-            <a:r>
-              <a:rPr lang="ko-KR" altLang="en-US" dirty="0" smtClean="0"/>
-              <a:t> 핸드 </a:t>
-            </a:r>
-            <a:r>
-              <a:rPr lang="ko-KR" altLang="en-US" dirty="0" err="1" smtClean="0"/>
-              <a:t>쉐이킹</a:t>
-            </a:r>
-            <a:endParaRPr lang="ko-KR" altLang="en-US" dirty="0"/>
+            <a:pPr lvl="0"/>
+            <a:r>
+              <a:rPr lang="ko-KR" altLang="en-US"/>
+              <a:t>쓰리웨이 핸드 쉐이킹</a:t>
+            </a:r>
+            <a:endParaRPr lang="ko-KR" altLang="en-US"/>
           </a:p>
         </p:txBody>
       </p:sp>
@@ -9263,7 +8969,7 @@
         <p:spPr>
           <a:xfrm>
             <a:off x="1772676" y="1122362"/>
-            <a:ext cx="8113247" cy="369332"/>
+            <a:ext cx="8043789" cy="369332"/>
           </a:xfrm>
           <a:prstGeom prst="rect">
             <a:avLst/>
@@ -9275,19 +8981,20 @@
           </a:bodyPr>
           <a:lstStyle/>
           <a:p>
-            <a:r>
-              <a:rPr lang="ko-KR" altLang="en-US" dirty="0" smtClean="0"/>
+            <a:pPr lvl="0"/>
+            <a:r>
+              <a:rPr lang="ko-KR" altLang="en-US"/>
               <a:t>시퀀스 번호 참조 </a:t>
             </a:r>
             <a:r>
-              <a:rPr lang="en-US" altLang="ko-KR" dirty="0" smtClean="0"/>
+              <a:rPr lang="en-US" altLang="ko-KR"/>
               <a:t>: </a:t>
             </a:r>
             <a:r>
-              <a:rPr lang="ko-KR" altLang="en-US" dirty="0" smtClean="0"/>
+              <a:rPr lang="ko-KR" altLang="en-US"/>
               <a:t>https://evan-moon.github.io/2019/11/17/tcp-handshake/</a:t>
             </a:r>
-            <a:endParaRPr lang="ko-KR" altLang="en-US" dirty="0"/>
+            <a:endParaRPr lang="ko-KR" altLang="en-US"/>
           </a:p>
         </p:txBody>
       </p:sp>
@@ -9299,8 +9006,11 @@
           </p:cNvPicPr>
           <p:nvPr/>
         </p:nvPicPr>
-        <p:blipFill>
-          <a:blip r:embed="rId2"/>
+        <p:blipFill rotWithShape="1">
+          <a:blip r:embed="rId2">
+            <a:alphaModFix/>
+            <a:lum/>
+          </a:blip>
           <a:stretch>
             <a:fillRect/>
           </a:stretch>
@@ -9316,11 +9026,6 @@
         </p:spPr>
       </p:pic>
     </p:spTree>
-    <p:extLst>
-      <p:ext uri="{BB962C8B-B14F-4D97-AF65-F5344CB8AC3E}">
-        <p14:creationId xmlns:p14="http://schemas.microsoft.com/office/powerpoint/2010/main" val="401896971"/>
-      </p:ext>
-    </p:extLst>
   </p:cSld>
   <p:clrMapOvr>
     <a:masterClrMapping/>
@@ -9329,7 +9034,7 @@
 </file>
 
 <file path=ppt/slides/slide9.xml><?xml version="1.0" encoding="utf-8"?>
-<p:sld xmlns:a="http://schemas.openxmlformats.org/drawingml/2006/main" xmlns:r="http://schemas.openxmlformats.org/officeDocument/2006/relationships" xmlns:p="http://schemas.openxmlformats.org/presentationml/2006/main">
+<p:sld xmlns:r="http://schemas.openxmlformats.org/officeDocument/2006/relationships" xmlns:c="http://schemas.openxmlformats.org/drawingml/2006/chart" xmlns:a="http://schemas.openxmlformats.org/drawingml/2006/main" xmlns:dgm="http://schemas.openxmlformats.org/drawingml/2006/diagram" xmlns:dsp="http://schemas.microsoft.com/office/drawing/2008/diagram" xmlns:p="http://schemas.openxmlformats.org/presentationml/2006/main">
   <p:cSld>
     <p:spTree>
       <p:nvGrpSpPr>
@@ -9352,7 +9057,7 @@
             <a:spLocks noGrp="1"/>
           </p:cNvSpPr>
           <p:nvPr>
-            <p:ph type="ctrTitle"/>
+            <p:ph type="ctrTitle" idx="0"/>
           </p:nvPr>
         </p:nvSpPr>
         <p:spPr>
@@ -9365,19 +9070,12 @@
           <a:bodyPr/>
           <a:lstStyle/>
           <a:p>
-            <a:r>
-              <a:rPr lang="ko-KR" altLang="en-US" dirty="0" err="1" smtClean="0"/>
-              <a:t>쓰리웨이</a:t>
-            </a:r>
-            <a:r>
-              <a:rPr lang="ko-KR" altLang="en-US" dirty="0" smtClean="0"/>
-              <a:t> 핸드 </a:t>
-            </a:r>
-            <a:r>
-              <a:rPr lang="ko-KR" altLang="en-US" dirty="0" err="1" smtClean="0"/>
-              <a:t>쉐이킹</a:t>
-            </a:r>
-            <a:endParaRPr lang="ko-KR" altLang="en-US" dirty="0"/>
+            <a:pPr lvl="0"/>
+            <a:r>
+              <a:rPr lang="ko-KR" altLang="en-US"/>
+              <a:t>쓰리웨이 핸드 쉐이킹</a:t>
+            </a:r>
+            <a:endParaRPr lang="ko-KR" altLang="en-US"/>
           </a:p>
         </p:txBody>
       </p:sp>
@@ -9390,7 +9088,7 @@
         <p:spPr>
           <a:xfrm>
             <a:off x="1412567" y="1163636"/>
-            <a:ext cx="9105900" cy="2308324"/>
+            <a:ext cx="9105900" cy="2282509"/>
           </a:xfrm>
           <a:prstGeom prst="rect">
             <a:avLst/>
@@ -9398,169 +9096,153 @@
           <a:noFill/>
         </p:spPr>
         <p:txBody>
-          <a:bodyPr wrap="square" rtlCol="0">
+          <a:bodyPr wrap="square">
             <a:spAutoFit/>
           </a:bodyPr>
           <a:lstStyle/>
           <a:p>
-            <a:r>
-              <a:rPr lang="en-US" altLang="ko-KR" dirty="0" smtClean="0"/>
+            <a:pPr lvl="0"/>
+            <a:r>
+              <a:rPr lang="en-US" altLang="ko-KR"/>
               <a:t>Packet </a:t>
             </a:r>
             <a:r>
-              <a:rPr lang="ko-KR" altLang="en-US" dirty="0" smtClean="0"/>
+              <a:rPr lang="ko-KR" altLang="en-US"/>
               <a:t>의 시퀀스 번호를 알아볼 수 있게 하는 기능이 있는데 </a:t>
             </a:r>
             <a:r>
-              <a:rPr lang="en-US" altLang="ko-KR" dirty="0" err="1" smtClean="0"/>
+              <a:rPr lang="en-US" altLang="ko-KR"/>
               <a:t>tcpdump</a:t>
             </a:r>
             <a:r>
-              <a:rPr lang="ko-KR" altLang="en-US" dirty="0" smtClean="0"/>
+              <a:rPr lang="ko-KR" altLang="en-US"/>
               <a:t>이다</a:t>
             </a:r>
             <a:r>
-              <a:rPr lang="en-US" altLang="ko-KR" dirty="0" smtClean="0"/>
+              <a:rPr lang="en-US" altLang="ko-KR"/>
               <a:t>.</a:t>
             </a:r>
-          </a:p>
-          <a:p>
-            <a:endParaRPr lang="en-US" altLang="ko-KR" dirty="0"/>
-          </a:p>
-          <a:p>
-            <a:r>
-              <a:rPr lang="en-US" altLang="ko-KR" dirty="0" smtClean="0"/>
+            <a:endParaRPr lang="en-US" altLang="ko-KR"/>
+          </a:p>
+          <a:p>
+            <a:pPr lvl="0"/>
+            <a:endParaRPr lang="en-US" altLang="ko-KR"/>
+          </a:p>
+          <a:p>
+            <a:pPr lvl="0"/>
+            <a:r>
+              <a:rPr lang="en-US" altLang="ko-KR"/>
               <a:t>Window</a:t>
             </a:r>
             <a:r>
-              <a:rPr lang="ko-KR" altLang="en-US" dirty="0" smtClean="0"/>
+              <a:rPr lang="ko-KR" altLang="en-US"/>
               <a:t>의 경우 </a:t>
             </a:r>
             <a:r>
-              <a:rPr lang="en-US" altLang="ko-KR" dirty="0" err="1" smtClean="0"/>
-              <a:t>winpcap</a:t>
-            </a:r>
-            <a:r>
-              <a:rPr lang="en-US" altLang="ko-KR" dirty="0" smtClean="0"/>
-              <a:t> </a:t>
-            </a:r>
-            <a:r>
-              <a:rPr lang="ko-KR" altLang="en-US" dirty="0" smtClean="0"/>
+              <a:rPr lang="en-US" altLang="ko-KR"/>
+              <a:t>winpcap </a:t>
+            </a:r>
+            <a:r>
+              <a:rPr lang="ko-KR" altLang="en-US"/>
               <a:t>을 설치하고 여러 설정 작업을 거친 뒤 사용 할 수 있습니다</a:t>
             </a:r>
             <a:r>
-              <a:rPr lang="en-US" altLang="ko-KR" dirty="0" smtClean="0"/>
+              <a:rPr lang="en-US" altLang="ko-KR"/>
               <a:t>.</a:t>
             </a:r>
-          </a:p>
-          <a:p>
-            <a:endParaRPr lang="en-US" altLang="ko-KR" dirty="0"/>
-          </a:p>
-          <a:p>
-            <a:r>
-              <a:rPr lang="ko-KR" altLang="en-US" dirty="0" smtClean="0"/>
+            <a:endParaRPr lang="en-US" altLang="ko-KR"/>
+          </a:p>
+          <a:p>
+            <a:pPr lvl="0"/>
+            <a:endParaRPr lang="en-US" altLang="ko-KR"/>
+          </a:p>
+          <a:p>
+            <a:pPr lvl="0"/>
+            <a:r>
+              <a:rPr lang="ko-KR" altLang="en-US"/>
               <a:t>이것으로 </a:t>
             </a:r>
             <a:r>
-              <a:rPr lang="en-US" altLang="ko-KR" dirty="0" err="1" smtClean="0"/>
+              <a:rPr lang="en-US" altLang="ko-KR"/>
               <a:t>seq</a:t>
             </a:r>
             <a:r>
-              <a:rPr lang="ko-KR" altLang="en-US" dirty="0" smtClean="0"/>
+              <a:rPr lang="ko-KR" altLang="en-US"/>
               <a:t>와 </a:t>
             </a:r>
             <a:r>
-              <a:rPr lang="en-US" altLang="ko-KR" dirty="0" err="1" smtClean="0"/>
+              <a:rPr lang="en-US" altLang="ko-KR"/>
+              <a:t>ack </a:t>
+            </a:r>
+            <a:r>
+              <a:rPr lang="ko-KR" altLang="en-US"/>
+              <a:t>번호를 확인할때 간혹 </a:t>
+            </a:r>
+            <a:r>
+              <a:rPr lang="en-US" altLang="ko-KR"/>
               <a:t>ack</a:t>
             </a:r>
             <a:r>
-              <a:rPr lang="en-US" altLang="ko-KR" dirty="0" smtClean="0"/>
-              <a:t> </a:t>
-            </a:r>
-            <a:r>
-              <a:rPr lang="ko-KR" altLang="en-US" dirty="0" smtClean="0"/>
-              <a:t>번호를 </a:t>
-            </a:r>
-            <a:r>
-              <a:rPr lang="ko-KR" altLang="en-US" dirty="0" err="1" smtClean="0"/>
-              <a:t>확인할때</a:t>
-            </a:r>
-            <a:r>
-              <a:rPr lang="ko-KR" altLang="en-US" dirty="0" smtClean="0"/>
-              <a:t> 간혹 </a:t>
-            </a:r>
-            <a:r>
-              <a:rPr lang="en-US" altLang="ko-KR" dirty="0" err="1" smtClean="0"/>
+              <a:rPr lang="ko-KR" altLang="en-US"/>
+              <a:t>가 </a:t>
+            </a:r>
+            <a:r>
+              <a:rPr lang="en-US" altLang="ko-KR"/>
+              <a:t>1</a:t>
+            </a:r>
+            <a:r>
+              <a:rPr lang="ko-KR" altLang="en-US"/>
+              <a:t>로 표기가 되곤 하는데 이는 </a:t>
+            </a:r>
+            <a:endParaRPr lang="ko-KR" altLang="en-US"/>
+          </a:p>
+          <a:p>
+            <a:pPr lvl="0"/>
+            <a:r>
+              <a:rPr lang="ko-KR" altLang="en-US"/>
+              <a:t>숫자가 커져서 유저가 보기 어려울것을 감안해 최적화해서 보여주는것입니다</a:t>
+            </a:r>
+            <a:r>
+              <a:rPr lang="en-US" altLang="ko-KR"/>
+              <a:t>.</a:t>
+            </a:r>
+            <a:endParaRPr lang="en-US" altLang="ko-KR"/>
+          </a:p>
+          <a:p>
+            <a:pPr lvl="0"/>
+            <a:r>
+              <a:rPr lang="en-US" altLang="ko-KR"/>
+              <a:t>Seq</a:t>
+            </a:r>
+            <a:r>
+              <a:rPr lang="ko-KR" altLang="en-US"/>
+              <a:t>와 </a:t>
+            </a:r>
+            <a:r>
+              <a:rPr lang="en-US" altLang="ko-KR"/>
               <a:t>ack</a:t>
             </a:r>
             <a:r>
-              <a:rPr lang="ko-KR" altLang="en-US" dirty="0" smtClean="0"/>
-              <a:t>가 </a:t>
-            </a:r>
-            <a:r>
-              <a:rPr lang="en-US" altLang="ko-KR" dirty="0" smtClean="0"/>
-              <a:t>1</a:t>
-            </a:r>
-            <a:r>
-              <a:rPr lang="ko-KR" altLang="en-US" dirty="0" smtClean="0"/>
-              <a:t>로 표기가 되곤 하는데 이는 </a:t>
-            </a:r>
-            <a:endParaRPr lang="en-US" altLang="ko-KR" dirty="0" smtClean="0"/>
-          </a:p>
-          <a:p>
-            <a:r>
-              <a:rPr lang="ko-KR" altLang="en-US" dirty="0" smtClean="0"/>
-              <a:t>숫자가 커져서 유저가 보기 </a:t>
-            </a:r>
-            <a:r>
-              <a:rPr lang="ko-KR" altLang="en-US" dirty="0" err="1" smtClean="0"/>
-              <a:t>어려울것을</a:t>
-            </a:r>
-            <a:r>
-              <a:rPr lang="ko-KR" altLang="en-US" dirty="0" smtClean="0"/>
-              <a:t> 감안해 최적화해서 </a:t>
-            </a:r>
-            <a:r>
-              <a:rPr lang="ko-KR" altLang="en-US" dirty="0" err="1" smtClean="0"/>
-              <a:t>보여주는것입니다</a:t>
-            </a:r>
-            <a:r>
-              <a:rPr lang="en-US" altLang="ko-KR" dirty="0" smtClean="0"/>
+              <a:rPr lang="ko-KR" altLang="en-US"/>
+              <a:t>번호가 </a:t>
+            </a:r>
+            <a:r>
+              <a:rPr lang="en-US" altLang="ko-KR"/>
+              <a:t>1 </a:t>
+            </a:r>
+            <a:r>
+              <a:rPr lang="ko-KR" altLang="en-US"/>
+              <a:t>차이 난다 라는 의미입니다</a:t>
+            </a:r>
+            <a:r>
+              <a:rPr lang="en-US" altLang="ko-KR"/>
               <a:t>.</a:t>
             </a:r>
-          </a:p>
-          <a:p>
-            <a:r>
-              <a:rPr lang="en-US" altLang="ko-KR" dirty="0" err="1" smtClean="0"/>
-              <a:t>Seq</a:t>
-            </a:r>
-            <a:r>
-              <a:rPr lang="ko-KR" altLang="en-US" dirty="0" smtClean="0"/>
-              <a:t>와 </a:t>
-            </a:r>
-            <a:r>
-              <a:rPr lang="en-US" altLang="ko-KR" dirty="0" err="1" smtClean="0"/>
-              <a:t>ack</a:t>
-            </a:r>
-            <a:r>
-              <a:rPr lang="ko-KR" altLang="en-US" dirty="0" smtClean="0"/>
-              <a:t>번호가 </a:t>
-            </a:r>
-            <a:r>
-              <a:rPr lang="en-US" altLang="ko-KR" dirty="0" smtClean="0"/>
-              <a:t>1 </a:t>
-            </a:r>
-            <a:r>
-              <a:rPr lang="ko-KR" altLang="en-US" dirty="0" smtClean="0"/>
-              <a:t>차이 난다 라는 의미입니다</a:t>
-            </a:r>
-            <a:r>
-              <a:rPr lang="en-US" altLang="ko-KR" dirty="0" smtClean="0"/>
-              <a:t>.</a:t>
-            </a:r>
-          </a:p>
-          <a:p>
-            <a:endParaRPr lang="en-US" altLang="ko-KR" dirty="0"/>
+            <a:endParaRPr lang="en-US" altLang="ko-KR"/>
+          </a:p>
+          <a:p>
+            <a:pPr lvl="0"/>
+            <a:endParaRPr lang="en-US" altLang="ko-KR"/>
           </a:p>
         </p:txBody>
       </p:sp>
@@ -9572,8 +9254,11 @@
           </p:cNvPicPr>
           <p:nvPr/>
         </p:nvPicPr>
-        <p:blipFill>
-          <a:blip r:embed="rId2"/>
+        <p:blipFill rotWithShape="1">
+          <a:blip r:embed="rId2">
+            <a:alphaModFix/>
+            <a:lum/>
+          </a:blip>
           <a:stretch>
             <a:fillRect/>
           </a:stretch>
@@ -9596,8 +9281,11 @@
           </p:cNvPicPr>
           <p:nvPr/>
         </p:nvPicPr>
-        <p:blipFill>
-          <a:blip r:embed="rId3"/>
+        <p:blipFill rotWithShape="1">
+          <a:blip r:embed="rId3">
+            <a:alphaModFix/>
+            <a:lum/>
+          </a:blip>
           <a:stretch>
             <a:fillRect/>
           </a:stretch>
@@ -9613,11 +9301,6 @@
         </p:spPr>
       </p:pic>
     </p:spTree>
-    <p:extLst>
-      <p:ext uri="{BB962C8B-B14F-4D97-AF65-F5344CB8AC3E}">
-        <p14:creationId xmlns:p14="http://schemas.microsoft.com/office/powerpoint/2010/main" val="4036352170"/>
-      </p:ext>
-    </p:extLst>
   </p:cSld>
   <p:clrMapOvr>
     <a:masterClrMapping/>
@@ -9626,49 +9309,49 @@
 </file>
 
 <file path=ppt/theme/theme1.xml><?xml version="1.0" encoding="utf-8"?>
-<a:theme xmlns:a="http://schemas.openxmlformats.org/drawingml/2006/main" name="Office 테마">
+<a:theme xmlns:r="http://schemas.openxmlformats.org/officeDocument/2006/relationships" xmlns:c="http://schemas.openxmlformats.org/drawingml/2006/chart" xmlns:dgm="http://schemas.openxmlformats.org/drawingml/2006/diagram" xmlns:dsp="http://schemas.microsoft.com/office/drawing/2008/diagram" xmlns:a="http://schemas.openxmlformats.org/drawingml/2006/main" xmlns:pic="http://schemas.openxmlformats.org/drawingml/2006/picture" xmlns:wp="http://schemas.openxmlformats.org/drawingml/2006/wordprocessingDrawing" xmlns:xdr="http://schemas.openxmlformats.org/drawingml/2006/spreadsheetDrawing" name="Office 테마">
   <a:themeElements>
     <a:clrScheme name="Office">
       <a:dk1>
         <a:sysClr val="windowText" lastClr="000000"/>
       </a:dk1>
       <a:lt1>
-        <a:sysClr val="window" lastClr="FFFFFF"/>
+        <a:sysClr val="window" lastClr="ffffff"/>
       </a:lt1>
       <a:dk2>
-        <a:srgbClr val="44546A"/>
+        <a:srgbClr val="44546a"/>
       </a:dk2>
       <a:lt2>
-        <a:srgbClr val="E7E6E6"/>
+        <a:srgbClr val="e7e6e6"/>
       </a:lt2>
       <a:accent1>
-        <a:srgbClr val="5B9BD5"/>
+        <a:srgbClr val="5b9bd5"/>
       </a:accent1>
       <a:accent2>
-        <a:srgbClr val="ED7D31"/>
+        <a:srgbClr val="ed7d31"/>
       </a:accent2>
       <a:accent3>
-        <a:srgbClr val="A5A5A5"/>
+        <a:srgbClr val="a5a5a5"/>
       </a:accent3>
       <a:accent4>
-        <a:srgbClr val="FFC000"/>
+        <a:srgbClr val="ffc000"/>
       </a:accent4>
       <a:accent5>
-        <a:srgbClr val="4472C4"/>
+        <a:srgbClr val="4472c4"/>
       </a:accent5>
       <a:accent6>
-        <a:srgbClr val="70AD47"/>
+        <a:srgbClr val="70ad47"/>
       </a:accent6>
       <a:hlink>
-        <a:srgbClr val="0563C1"/>
+        <a:srgbClr val="0563c1"/>
       </a:hlink>
       <a:folHlink>
-        <a:srgbClr val="954F72"/>
+        <a:srgbClr val="954f72"/>
       </a:folHlink>
     </a:clrScheme>
     <a:fontScheme name="Office">
       <a:majorFont>
-        <a:latin typeface="맑은 고딕" panose="020F0302020204030204"/>
+        <a:latin typeface="맑은 고딕" panose="20"/>
         <a:ea typeface=""/>
         <a:cs typeface=""/>
         <a:font script="Jpan" typeface="游ゴシック Light"/>
@@ -9703,7 +9386,7 @@
         <a:font script="Geor" typeface="Sylfaen"/>
       </a:majorFont>
       <a:minorFont>
-        <a:latin typeface="맑은 고딕" panose="020F0502020204030204"/>
+        <a:latin typeface="맑은 고딕" panose="20"/>
         <a:ea typeface=""/>
         <a:cs typeface=""/>
         <a:font script="Jpan" typeface="游ゴシック"/>
@@ -9802,21 +9485,21 @@
             <a:schemeClr val="phClr"/>
           </a:solidFill>
           <a:prstDash val="solid"/>
-          <a:miter lim="800000"/>
+          <a:miter/>
         </a:ln>
         <a:ln w="12700" cap="flat" cmpd="sng" algn="ctr">
           <a:solidFill>
             <a:schemeClr val="phClr"/>
           </a:solidFill>
           <a:prstDash val="solid"/>
-          <a:miter lim="800000"/>
+          <a:miter/>
         </a:ln>
         <a:ln w="19050" cap="flat" cmpd="sng" algn="ctr">
           <a:solidFill>
             <a:schemeClr val="phClr"/>
           </a:solidFill>
           <a:prstDash val="solid"/>
-          <a:miter lim="800000"/>
+          <a:miter/>
         </a:ln>
       </a:lnStyleLst>
       <a:effectStyleLst>
@@ -9876,12 +9559,5 @@
       </a:bgFillStyleLst>
     </a:fmtScheme>
   </a:themeElements>
-  <a:objectDefaults/>
-  <a:extraClrSchemeLst/>
-  <a:extLst>
-    <a:ext uri="{05A4C25C-085E-4340-85A3-A5531E510DB2}">
-      <thm15:themeFamily xmlns:thm15="http://schemas.microsoft.com/office/thememl/2012/main" name="Office Theme" id="{62F939B6-93AF-4DB8-9C6B-D6C7DFDC589F}" vid="{4A3C46E8-61CC-4603-A589-7422A47A8E4A}"/>
-    </a:ext>
-  </a:extLst>
 </a:theme>
 </file>